--- a/Accident Trends in London.pptx
+++ b/Accident Trends in London.pptx
@@ -26,51 +26,42 @@
     <p:sldId id="271" r:id="rId21"/>
     <p:sldId id="272" r:id="rId22"/>
     <p:sldId id="273" r:id="rId23"/>
-    <p:sldId id="274" r:id="rId24"/>
-    <p:sldId id="275" r:id="rId25"/>
   </p:sldIdLst>
   <p:sldSz cy="5143500" cx="9144000"/>
   <p:notesSz cx="6858000" cy="9144000"/>
   <p:embeddedFontLst>
     <p:embeddedFont>
       <p:font typeface="Playfair Display"/>
-      <p:regular r:id="rId26"/>
-      <p:bold r:id="rId27"/>
-      <p:italic r:id="rId28"/>
-      <p:boldItalic r:id="rId29"/>
+      <p:regular r:id="rId24"/>
+      <p:bold r:id="rId25"/>
+      <p:italic r:id="rId26"/>
+      <p:boldItalic r:id="rId27"/>
     </p:embeddedFont>
     <p:embeddedFont>
       <p:font typeface="Montserrat"/>
-      <p:regular r:id="rId30"/>
-      <p:bold r:id="rId31"/>
-      <p:italic r:id="rId32"/>
-      <p:boldItalic r:id="rId33"/>
+      <p:regular r:id="rId28"/>
+      <p:bold r:id="rId29"/>
+      <p:italic r:id="rId30"/>
+      <p:boldItalic r:id="rId31"/>
     </p:embeddedFont>
     <p:embeddedFont>
       <p:font typeface="Lato"/>
-      <p:regular r:id="rId34"/>
-      <p:bold r:id="rId35"/>
-      <p:italic r:id="rId36"/>
-      <p:boldItalic r:id="rId37"/>
-    </p:embeddedFont>
-    <p:embeddedFont>
-      <p:font typeface="Montserrat Medium"/>
-      <p:regular r:id="rId38"/>
-      <p:bold r:id="rId39"/>
-      <p:italic r:id="rId40"/>
-      <p:boldItalic r:id="rId41"/>
+      <p:regular r:id="rId32"/>
+      <p:bold r:id="rId33"/>
+      <p:italic r:id="rId34"/>
+      <p:boldItalic r:id="rId35"/>
     </p:embeddedFont>
     <p:embeddedFont>
       <p:font typeface="Helvetica Neue"/>
-      <p:regular r:id="rId42"/>
-      <p:bold r:id="rId43"/>
-      <p:italic r:id="rId44"/>
-      <p:boldItalic r:id="rId45"/>
+      <p:regular r:id="rId36"/>
+      <p:bold r:id="rId37"/>
+      <p:italic r:id="rId38"/>
+      <p:boldItalic r:id="rId39"/>
     </p:embeddedFont>
     <p:embeddedFont>
       <p:font typeface="Oswald"/>
-      <p:regular r:id="rId46"/>
-      <p:bold r:id="rId47"/>
+      <p:regular r:id="rId40"/>
+      <p:bold r:id="rId41"/>
     </p:embeddedFont>
   </p:embeddedFontLst>
   <p:defaultTextStyle>
@@ -863,7 +854,7 @@
       </p:grpSpPr>
       <p:sp>
         <p:nvSpPr>
-          <p:cNvPr id="112" name="Google Shape;112;g4d17b54153_0_258:notes"/>
+          <p:cNvPr id="112" name="Google Shape;112;g4d17b54153_0_253:notes"/>
           <p:cNvSpPr/>
           <p:nvPr>
             <p:ph idx="2" type="sldImg"/>
@@ -898,7 +889,7 @@
       </p:sp>
       <p:sp>
         <p:nvSpPr>
-          <p:cNvPr id="113" name="Google Shape;113;g4d17b54153_0_258:notes"/>
+          <p:cNvPr id="113" name="Google Shape;113;g4d17b54153_0_253:notes"/>
           <p:cNvSpPr txBox="1"/>
           <p:nvPr>
             <p:ph idx="1" type="body"/>
@@ -926,12 +917,26 @@
               <a:spcAft>
                 <a:spcPts val="0"/>
               </a:spcAft>
+              <a:buClr>
+                <a:schemeClr val="dk2"/>
+              </a:buClr>
+              <a:buSzPts val="1100"/>
+              <a:buFont typeface="Arial"/>
               <a:buNone/>
             </a:pPr>
             <a:r>
-              <a:t/>
+              <a:rPr lang="en" sz="1200">
+                <a:solidFill>
+                  <a:srgbClr val="434343"/>
+                </a:solidFill>
+                <a:latin typeface="Helvetica Neue"/>
+                <a:ea typeface="Helvetica Neue"/>
+                <a:cs typeface="Helvetica Neue"/>
+                <a:sym typeface="Helvetica Neue"/>
+              </a:rPr>
+              <a:t>No, most accidents off all types occur during the day double the amount of accidents when there is no light at all which follows in number.</a:t>
             </a:r>
-            <a:endParaRPr/>
+            <a:endParaRPr sz="1200"/>
           </a:p>
         </p:txBody>
       </p:sp>
@@ -962,7 +967,7 @@
       </p:grpSpPr>
       <p:sp>
         <p:nvSpPr>
-          <p:cNvPr id="118" name="Google Shape;118;g4d17b54153_0_263:notes"/>
+          <p:cNvPr id="118" name="Google Shape;118;g4d17b54153_0_258:notes"/>
           <p:cNvSpPr/>
           <p:nvPr>
             <p:ph idx="2" type="sldImg"/>
@@ -997,7 +1002,7 @@
       </p:sp>
       <p:sp>
         <p:nvSpPr>
-          <p:cNvPr id="119" name="Google Shape;119;g4d17b54153_0_263:notes"/>
+          <p:cNvPr id="119" name="Google Shape;119;g4d17b54153_0_258:notes"/>
           <p:cNvSpPr txBox="1"/>
           <p:nvPr>
             <p:ph idx="1" type="body"/>
@@ -1028,7 +1033,8 @@
               <a:buNone/>
             </a:pPr>
             <a:r>
-              <a:t/>
+              <a:rPr lang="en"/>
+              <a:t>Surprisingly most accidents of all types occur when weather conditions are fine. Perhaps drivers are less cautious. This could also be due there being more days of year with mild weather conditions.</a:t>
             </a:r>
             <a:endParaRPr/>
           </a:p>
@@ -1061,7 +1067,7 @@
       </p:grpSpPr>
       <p:sp>
         <p:nvSpPr>
-          <p:cNvPr id="124" name="Google Shape;124;g4d17b54153_0_268:notes"/>
+          <p:cNvPr id="124" name="Google Shape;124;g4d17b54153_1_26:notes"/>
           <p:cNvSpPr/>
           <p:nvPr>
             <p:ph idx="2" type="sldImg"/>
@@ -1096,7 +1102,7 @@
       </p:sp>
       <p:sp>
         <p:nvSpPr>
-          <p:cNvPr id="125" name="Google Shape;125;g4d17b54153_0_268:notes"/>
+          <p:cNvPr id="125" name="Google Shape;125;g4d17b54153_1_26:notes"/>
           <p:cNvSpPr txBox="1"/>
           <p:nvPr>
             <p:ph idx="1" type="body"/>
@@ -1118,18 +1124,218 @@
           <a:lstStyle/>
           <a:p>
             <a:pPr indent="0" lvl="0" marL="0" rtl="0" algn="l">
-              <a:spcBef>
-                <a:spcPts val="0"/>
-              </a:spcBef>
-              <a:spcAft>
-                <a:spcPts val="0"/>
-              </a:spcAft>
+              <a:lnSpc>
+                <a:spcPct val="115000"/>
+              </a:lnSpc>
+              <a:spcBef>
+                <a:spcPts val="0"/>
+              </a:spcBef>
+              <a:spcAft>
+                <a:spcPts val="0"/>
+              </a:spcAft>
+              <a:buClr>
+                <a:schemeClr val="dk2"/>
+              </a:buClr>
+              <a:buSzPts val="1100"/>
+              <a:buFont typeface="Arial"/>
+              <a:buNone/>
+            </a:pPr>
+            <a:r>
+              <a:rPr lang="en" sz="1200">
+                <a:solidFill>
+                  <a:schemeClr val="dk2"/>
+                </a:solidFill>
+              </a:rPr>
+              <a:t>Observations:</a:t>
+            </a:r>
+            <a:endParaRPr sz="1200">
+              <a:solidFill>
+                <a:schemeClr val="dk2"/>
+              </a:solidFill>
+            </a:endParaRPr>
+          </a:p>
+          <a:p>
+            <a:pPr indent="0" lvl="0" marL="0" rtl="0" algn="l">
+              <a:lnSpc>
+                <a:spcPct val="115000"/>
+              </a:lnSpc>
+              <a:spcBef>
+                <a:spcPts val="0"/>
+              </a:spcBef>
+              <a:spcAft>
+                <a:spcPts val="0"/>
+              </a:spcAft>
+              <a:buClr>
+                <a:schemeClr val="dk2"/>
+              </a:buClr>
+              <a:buSzPts val="1100"/>
+              <a:buFont typeface="Arial"/>
+              <a:buNone/>
+            </a:pPr>
+            <a:r>
+              <a:rPr lang="en" sz="1200">
+                <a:solidFill>
+                  <a:schemeClr val="dk2"/>
+                </a:solidFill>
+              </a:rPr>
+              <a:t>Data here is giving very unintuitive results:</a:t>
+            </a:r>
+            <a:endParaRPr sz="1200">
+              <a:solidFill>
+                <a:schemeClr val="dk2"/>
+              </a:solidFill>
+            </a:endParaRPr>
+          </a:p>
+          <a:p>
+            <a:pPr indent="0" lvl="0" marL="0" rtl="0" algn="l">
+              <a:lnSpc>
+                <a:spcPct val="115000"/>
+              </a:lnSpc>
+              <a:spcBef>
+                <a:spcPts val="0"/>
+              </a:spcBef>
+              <a:spcAft>
+                <a:spcPts val="0"/>
+              </a:spcAft>
+              <a:buClr>
+                <a:schemeClr val="dk2"/>
+              </a:buClr>
+              <a:buSzPts val="1100"/>
+              <a:buFont typeface="Arial"/>
+              <a:buNone/>
+            </a:pPr>
+            <a:r>
+              <a:rPr lang="en" sz="1200">
+                <a:solidFill>
+                  <a:schemeClr val="dk2"/>
+                </a:solidFill>
+              </a:rPr>
+              <a:t>A)Driving in dry weather is  far more dangerous than “wet or damp”.</a:t>
+            </a:r>
+            <a:endParaRPr sz="1200">
+              <a:solidFill>
+                <a:schemeClr val="dk2"/>
+              </a:solidFill>
+            </a:endParaRPr>
+          </a:p>
+          <a:p>
+            <a:pPr indent="0" lvl="0" marL="0" rtl="0" algn="l">
+              <a:lnSpc>
+                <a:spcPct val="115000"/>
+              </a:lnSpc>
+              <a:spcBef>
+                <a:spcPts val="0"/>
+              </a:spcBef>
+              <a:spcAft>
+                <a:spcPts val="0"/>
+              </a:spcAft>
+              <a:buClr>
+                <a:schemeClr val="dk2"/>
+              </a:buClr>
+              <a:buSzPts val="1100"/>
+              <a:buFont typeface="Arial"/>
+              <a:buNone/>
+            </a:pPr>
+            <a:r>
+              <a:rPr lang="en" sz="1200">
+                <a:solidFill>
+                  <a:schemeClr val="dk2"/>
+                </a:solidFill>
+              </a:rPr>
+              <a:t>B)Frost and ice is pretty common in winter but only accounts for 10 fatalities  as opposed to 892 fatalities for dry conditions.</a:t>
+            </a:r>
+            <a:endParaRPr sz="1200">
+              <a:solidFill>
+                <a:schemeClr val="dk2"/>
+              </a:solidFill>
+            </a:endParaRPr>
+          </a:p>
+          <a:p>
+            <a:pPr indent="0" lvl="0" marL="0" rtl="0" algn="l">
+              <a:lnSpc>
+                <a:spcPct val="115000"/>
+              </a:lnSpc>
+              <a:spcBef>
+                <a:spcPts val="0"/>
+              </a:spcBef>
+              <a:spcAft>
+                <a:spcPts val="0"/>
+              </a:spcAft>
+              <a:buClr>
+                <a:schemeClr val="dk2"/>
+              </a:buClr>
+              <a:buSzPts val="1100"/>
+              <a:buFont typeface="Arial"/>
+              <a:buNone/>
+            </a:pPr>
+            <a:r>
+              <a:rPr lang="en" sz="1200">
+                <a:solidFill>
+                  <a:schemeClr val="dk2"/>
+                </a:solidFill>
+              </a:rPr>
+              <a:t>C)Snow is not that common in London so data there is unsurprising.</a:t>
+            </a:r>
+            <a:endParaRPr sz="1200">
+              <a:solidFill>
+                <a:schemeClr val="dk2"/>
+              </a:solidFill>
+            </a:endParaRPr>
+          </a:p>
+          <a:p>
+            <a:pPr indent="0" lvl="0" marL="0" rtl="0" algn="l">
+              <a:lnSpc>
+                <a:spcPct val="115000"/>
+              </a:lnSpc>
+              <a:spcBef>
+                <a:spcPts val="0"/>
+              </a:spcBef>
+              <a:spcAft>
+                <a:spcPts val="0"/>
+              </a:spcAft>
+              <a:buClr>
+                <a:schemeClr val="dk2"/>
+              </a:buClr>
+              <a:buSzPts val="1100"/>
+              <a:buFont typeface="Arial"/>
               <a:buNone/>
             </a:pPr>
             <a:r>
               <a:t/>
             </a:r>
-            <a:endParaRPr/>
+            <a:endParaRPr sz="1800">
+              <a:solidFill>
+                <a:schemeClr val="dk2"/>
+              </a:solidFill>
+            </a:endParaRPr>
+          </a:p>
+          <a:p>
+            <a:pPr indent="0" lvl="0" marL="0" rtl="0" algn="l">
+              <a:spcBef>
+                <a:spcPts val="0"/>
+              </a:spcBef>
+              <a:spcAft>
+                <a:spcPts val="0"/>
+              </a:spcAft>
+              <a:buClr>
+                <a:schemeClr val="dk2"/>
+              </a:buClr>
+              <a:buSzPts val="1100"/>
+              <a:buFont typeface="Arial"/>
+              <a:buNone/>
+            </a:pPr>
+            <a:r>
+              <a:t/>
+            </a:r>
+            <a:endParaRPr sz="1400">
+              <a:solidFill>
+                <a:srgbClr val="434343"/>
+              </a:solidFill>
+              <a:latin typeface="Helvetica Neue"/>
+              <a:ea typeface="Helvetica Neue"/>
+              <a:cs typeface="Helvetica Neue"/>
+              <a:sym typeface="Helvetica Neue"/>
+            </a:endParaRPr>
           </a:p>
         </p:txBody>
       </p:sp>
@@ -1146,7 +1352,7 @@
   <p:cSld>
     <p:spTree>
       <p:nvGrpSpPr>
-        <p:cNvPr id="129" name="Shape 129"/>
+        <p:cNvPr id="130" name="Shape 130"/>
         <p:cNvGrpSpPr/>
         <p:nvPr/>
       </p:nvGrpSpPr>
@@ -1160,7 +1366,7 @@
       </p:grpSpPr>
       <p:sp>
         <p:nvSpPr>
-          <p:cNvPr id="130" name="Google Shape;130;g4d17b54153_0_273:notes"/>
+          <p:cNvPr id="131" name="Google Shape;131;g4d17b54153_0_288:notes"/>
           <p:cNvSpPr/>
           <p:nvPr>
             <p:ph idx="2" type="sldImg"/>
@@ -1195,7 +1401,7 @@
       </p:sp>
       <p:sp>
         <p:nvSpPr>
-          <p:cNvPr id="131" name="Google Shape;131;g4d17b54153_0_273:notes"/>
+          <p:cNvPr id="132" name="Google Shape;132;g4d17b54153_0_288:notes"/>
           <p:cNvSpPr txBox="1"/>
           <p:nvPr>
             <p:ph idx="1" type="body"/>
@@ -1245,7 +1451,7 @@
   <p:cSld>
     <p:spTree>
       <p:nvGrpSpPr>
-        <p:cNvPr id="135" name="Shape 135"/>
+        <p:cNvPr id="136" name="Shape 136"/>
         <p:cNvGrpSpPr/>
         <p:nvPr/>
       </p:nvGrpSpPr>
@@ -1259,7 +1465,7 @@
       </p:grpSpPr>
       <p:sp>
         <p:nvSpPr>
-          <p:cNvPr id="136" name="Google Shape;136;g4d17b54153_0_278:notes"/>
+          <p:cNvPr id="137" name="Google Shape;137;g4d17b54153_0_293:notes"/>
           <p:cNvSpPr/>
           <p:nvPr>
             <p:ph idx="2" type="sldImg"/>
@@ -1294,7 +1500,7 @@
       </p:sp>
       <p:sp>
         <p:nvSpPr>
-          <p:cNvPr id="137" name="Google Shape;137;g4d17b54153_0_278:notes"/>
+          <p:cNvPr id="138" name="Google Shape;138;g4d17b54153_0_293:notes"/>
           <p:cNvSpPr txBox="1"/>
           <p:nvPr>
             <p:ph idx="1" type="body"/>
@@ -1316,18 +1522,159 @@
           <a:lstStyle/>
           <a:p>
             <a:pPr indent="0" lvl="0" marL="0" rtl="0" algn="l">
-              <a:spcBef>
-                <a:spcPts val="0"/>
-              </a:spcBef>
-              <a:spcAft>
-                <a:spcPts val="0"/>
-              </a:spcAft>
+              <a:lnSpc>
+                <a:spcPct val="115000"/>
+              </a:lnSpc>
+              <a:spcBef>
+                <a:spcPts val="0"/>
+              </a:spcBef>
+              <a:spcAft>
+                <a:spcPts val="0"/>
+              </a:spcAft>
+              <a:buClr>
+                <a:schemeClr val="dk2"/>
+              </a:buClr>
+              <a:buSzPts val="1100"/>
+              <a:buFont typeface="Arial"/>
+              <a:buNone/>
+            </a:pPr>
+            <a:r>
+              <a:rPr lang="en" sz="1200">
+                <a:solidFill>
+                  <a:schemeClr val="dk2"/>
+                </a:solidFill>
+              </a:rPr>
+              <a:t>Observations:</a:t>
+            </a:r>
+            <a:endParaRPr sz="1200">
+              <a:solidFill>
+                <a:schemeClr val="dk2"/>
+              </a:solidFill>
+            </a:endParaRPr>
+          </a:p>
+          <a:p>
+            <a:pPr indent="0" lvl="0" marL="0" rtl="0" algn="l">
+              <a:lnSpc>
+                <a:spcPct val="115000"/>
+              </a:lnSpc>
+              <a:spcBef>
+                <a:spcPts val="0"/>
+              </a:spcBef>
+              <a:spcAft>
+                <a:spcPts val="0"/>
+              </a:spcAft>
+              <a:buClr>
+                <a:schemeClr val="dk2"/>
+              </a:buClr>
+              <a:buSzPts val="1100"/>
+              <a:buFont typeface="Arial"/>
+              <a:buNone/>
+            </a:pPr>
+            <a:r>
+              <a:rPr lang="en" sz="1200">
+                <a:solidFill>
+                  <a:schemeClr val="dk2"/>
+                </a:solidFill>
+              </a:rPr>
+              <a:t>A)Give Way/Uncontrolled is the most dangerous Traffic control method with the highest number of all levels of accidents.</a:t>
+            </a:r>
+            <a:endParaRPr sz="1200">
+              <a:solidFill>
+                <a:schemeClr val="dk2"/>
+              </a:solidFill>
+            </a:endParaRPr>
+          </a:p>
+          <a:p>
+            <a:pPr indent="0" lvl="0" marL="0" rtl="0" algn="l">
+              <a:lnSpc>
+                <a:spcPct val="115000"/>
+              </a:lnSpc>
+              <a:spcBef>
+                <a:spcPts val="0"/>
+              </a:spcBef>
+              <a:spcAft>
+                <a:spcPts val="0"/>
+              </a:spcAft>
+              <a:buClr>
+                <a:schemeClr val="dk2"/>
+              </a:buClr>
+              <a:buSzPts val="1100"/>
+              <a:buFont typeface="Arial"/>
+              <a:buNone/>
+            </a:pPr>
+            <a:r>
+              <a:rPr lang="en" sz="1200">
+                <a:solidFill>
+                  <a:schemeClr val="dk2"/>
+                </a:solidFill>
+              </a:rPr>
+              <a:t>B)Traffic signals are surprisingly higher (by 2 orders of magnitude )than Stop Signs.</a:t>
+            </a:r>
+            <a:endParaRPr sz="1200">
+              <a:solidFill>
+                <a:schemeClr val="dk2"/>
+              </a:solidFill>
+            </a:endParaRPr>
+          </a:p>
+          <a:p>
+            <a:pPr indent="0" lvl="0" marL="0" rtl="0" algn="l">
+              <a:lnSpc>
+                <a:spcPct val="115000"/>
+              </a:lnSpc>
+              <a:spcBef>
+                <a:spcPts val="0"/>
+              </a:spcBef>
+              <a:spcAft>
+                <a:spcPts val="0"/>
+              </a:spcAft>
+              <a:buClr>
+                <a:schemeClr val="dk2"/>
+              </a:buClr>
+              <a:buSzPts val="1100"/>
+              <a:buFont typeface="Arial"/>
+              <a:buNone/>
+            </a:pPr>
+            <a:r>
+              <a:rPr lang="en" sz="1200">
+                <a:solidFill>
+                  <a:schemeClr val="dk2"/>
+                </a:solidFill>
+              </a:rPr>
+              <a:t>C)Stop signs and a traffic control person are both highly effective at preventing fatal accidents (&lt;10) each over 5 years of data. </a:t>
+            </a:r>
+            <a:endParaRPr sz="1200">
+              <a:solidFill>
+                <a:schemeClr val="dk2"/>
+              </a:solidFill>
+            </a:endParaRPr>
+          </a:p>
+          <a:p>
+            <a:pPr indent="0" lvl="0" marL="0" rtl="0" algn="l">
+              <a:spcBef>
+                <a:spcPts val="0"/>
+              </a:spcBef>
+              <a:spcAft>
+                <a:spcPts val="300"/>
+              </a:spcAft>
+              <a:buClr>
+                <a:schemeClr val="dk2"/>
+              </a:buClr>
+              <a:buSzPts val="1100"/>
+              <a:buFont typeface="Arial"/>
               <a:buNone/>
             </a:pPr>
             <a:r>
               <a:t/>
             </a:r>
-            <a:endParaRPr/>
+            <a:endParaRPr sz="1400">
+              <a:solidFill>
+                <a:srgbClr val="434343"/>
+              </a:solidFill>
+              <a:latin typeface="Helvetica Neue"/>
+              <a:ea typeface="Helvetica Neue"/>
+              <a:cs typeface="Helvetica Neue"/>
+              <a:sym typeface="Helvetica Neue"/>
+            </a:endParaRPr>
           </a:p>
         </p:txBody>
       </p:sp>
@@ -1344,7 +1691,7 @@
   <p:cSld>
     <p:spTree>
       <p:nvGrpSpPr>
-        <p:cNvPr id="141" name="Shape 141"/>
+        <p:cNvPr id="143" name="Shape 143"/>
         <p:cNvGrpSpPr/>
         <p:nvPr/>
       </p:nvGrpSpPr>
@@ -1358,7 +1705,7 @@
       </p:grpSpPr>
       <p:sp>
         <p:nvSpPr>
-          <p:cNvPr id="142" name="Google Shape;142;g4d17b54153_0_283:notes"/>
+          <p:cNvPr id="144" name="Google Shape;144;g4d17b54153_0_283:notes"/>
           <p:cNvSpPr/>
           <p:nvPr>
             <p:ph idx="2" type="sldImg"/>
@@ -1393,7 +1740,7 @@
       </p:sp>
       <p:sp>
         <p:nvSpPr>
-          <p:cNvPr id="143" name="Google Shape;143;g4d17b54153_0_283:notes"/>
+          <p:cNvPr id="145" name="Google Shape;145;g4d17b54153_0_283:notes"/>
           <p:cNvSpPr txBox="1"/>
           <p:nvPr>
             <p:ph idx="1" type="body"/>
@@ -1415,18 +1762,159 @@
           <a:lstStyle/>
           <a:p>
             <a:pPr indent="0" lvl="0" marL="0" rtl="0" algn="l">
-              <a:spcBef>
-                <a:spcPts val="0"/>
-              </a:spcBef>
-              <a:spcAft>
-                <a:spcPts val="0"/>
-              </a:spcAft>
+              <a:lnSpc>
+                <a:spcPct val="115000"/>
+              </a:lnSpc>
+              <a:spcBef>
+                <a:spcPts val="0"/>
+              </a:spcBef>
+              <a:spcAft>
+                <a:spcPts val="0"/>
+              </a:spcAft>
+              <a:buClr>
+                <a:schemeClr val="dk2"/>
+              </a:buClr>
+              <a:buSzPts val="1100"/>
+              <a:buFont typeface="Arial"/>
+              <a:buNone/>
+            </a:pPr>
+            <a:r>
+              <a:rPr lang="en" sz="1200">
+                <a:solidFill>
+                  <a:schemeClr val="dk2"/>
+                </a:solidFill>
+              </a:rPr>
+              <a:t>Observations:</a:t>
+            </a:r>
+            <a:endParaRPr sz="1200">
+              <a:solidFill>
+                <a:schemeClr val="dk2"/>
+              </a:solidFill>
+            </a:endParaRPr>
+          </a:p>
+          <a:p>
+            <a:pPr indent="0" lvl="0" marL="0" rtl="0" algn="l">
+              <a:lnSpc>
+                <a:spcPct val="115000"/>
+              </a:lnSpc>
+              <a:spcBef>
+                <a:spcPts val="0"/>
+              </a:spcBef>
+              <a:spcAft>
+                <a:spcPts val="0"/>
+              </a:spcAft>
+              <a:buClr>
+                <a:schemeClr val="dk2"/>
+              </a:buClr>
+              <a:buSzPts val="1100"/>
+              <a:buFont typeface="Arial"/>
+              <a:buNone/>
+            </a:pPr>
+            <a:r>
+              <a:rPr lang="en" sz="1200">
+                <a:solidFill>
+                  <a:schemeClr val="dk2"/>
+                </a:solidFill>
+              </a:rPr>
+              <a:t>A)Speed Limit of 30mph accounts for the greatest chuck of accidents by far.</a:t>
+            </a:r>
+            <a:endParaRPr sz="1200">
+              <a:solidFill>
+                <a:schemeClr val="dk2"/>
+              </a:solidFill>
+            </a:endParaRPr>
+          </a:p>
+          <a:p>
+            <a:pPr indent="0" lvl="0" marL="0" rtl="0" algn="l">
+              <a:lnSpc>
+                <a:spcPct val="115000"/>
+              </a:lnSpc>
+              <a:spcBef>
+                <a:spcPts val="0"/>
+              </a:spcBef>
+              <a:spcAft>
+                <a:spcPts val="0"/>
+              </a:spcAft>
+              <a:buClr>
+                <a:schemeClr val="dk2"/>
+              </a:buClr>
+              <a:buSzPts val="1100"/>
+              <a:buFont typeface="Arial"/>
+              <a:buNone/>
+            </a:pPr>
+            <a:r>
+              <a:rPr lang="en" sz="1200">
+                <a:solidFill>
+                  <a:schemeClr val="dk2"/>
+                </a:solidFill>
+              </a:rPr>
+              <a:t>A possible reason may be people driving at speeds greater than posted speed limit.</a:t>
+            </a:r>
+            <a:endParaRPr sz="1200">
+              <a:solidFill>
+                <a:schemeClr val="dk2"/>
+              </a:solidFill>
+            </a:endParaRPr>
+          </a:p>
+          <a:p>
+            <a:pPr indent="0" lvl="0" marL="0" rtl="0" algn="l">
+              <a:lnSpc>
+                <a:spcPct val="115000"/>
+              </a:lnSpc>
+              <a:spcBef>
+                <a:spcPts val="0"/>
+              </a:spcBef>
+              <a:spcAft>
+                <a:spcPts val="0"/>
+              </a:spcAft>
+              <a:buClr>
+                <a:schemeClr val="dk2"/>
+              </a:buClr>
+              <a:buSzPts val="1100"/>
+              <a:buFont typeface="Arial"/>
+              <a:buNone/>
+            </a:pPr>
+            <a:r>
+              <a:rPr lang="en" sz="1200">
+                <a:solidFill>
+                  <a:schemeClr val="dk2"/>
+                </a:solidFill>
+              </a:rPr>
+              <a:t>B)10 and 15 mph limits are normally in residential areas and it would seem that people take that more seriously than the 30mph limit.</a:t>
+            </a:r>
+            <a:endParaRPr sz="1200">
+              <a:solidFill>
+                <a:schemeClr val="dk2"/>
+              </a:solidFill>
+            </a:endParaRPr>
+          </a:p>
+          <a:p>
+            <a:pPr indent="0" lvl="0" marL="0" rtl="0" algn="l">
+              <a:spcBef>
+                <a:spcPts val="0"/>
+              </a:spcBef>
+              <a:spcAft>
+                <a:spcPts val="300"/>
+              </a:spcAft>
+              <a:buClr>
+                <a:schemeClr val="dk2"/>
+              </a:buClr>
+              <a:buSzPts val="1100"/>
+              <a:buFont typeface="Arial"/>
               <a:buNone/>
             </a:pPr>
             <a:r>
               <a:t/>
             </a:r>
-            <a:endParaRPr/>
+            <a:endParaRPr sz="1200">
+              <a:solidFill>
+                <a:srgbClr val="434343"/>
+              </a:solidFill>
+              <a:latin typeface="Helvetica Neue"/>
+              <a:ea typeface="Helvetica Neue"/>
+              <a:cs typeface="Helvetica Neue"/>
+              <a:sym typeface="Helvetica Neue"/>
+            </a:endParaRPr>
           </a:p>
         </p:txBody>
       </p:sp>
@@ -1443,7 +1931,7 @@
   <p:cSld>
     <p:spTree>
       <p:nvGrpSpPr>
-        <p:cNvPr id="147" name="Shape 147"/>
+        <p:cNvPr id="151" name="Shape 151"/>
         <p:cNvGrpSpPr/>
         <p:nvPr/>
       </p:nvGrpSpPr>
@@ -1457,7 +1945,7 @@
       </p:grpSpPr>
       <p:sp>
         <p:nvSpPr>
-          <p:cNvPr id="148" name="Google Shape;148;g4d17b54153_0_288:notes"/>
+          <p:cNvPr id="152" name="Google Shape;152;g5214a86d42_1_4:notes"/>
           <p:cNvSpPr/>
           <p:nvPr>
             <p:ph idx="2" type="sldImg"/>
@@ -1492,7 +1980,7 @@
       </p:sp>
       <p:sp>
         <p:nvSpPr>
-          <p:cNvPr id="149" name="Google Shape;149;g4d17b54153_0_288:notes"/>
+          <p:cNvPr id="153" name="Google Shape;153;g5214a86d42_1_4:notes"/>
           <p:cNvSpPr txBox="1"/>
           <p:nvPr>
             <p:ph idx="1" type="body"/>
@@ -1523,6 +2011,22 @@
               <a:buNone/>
             </a:pPr>
             <a:r>
+              <a:rPr lang="en"/>
+              <a:t>We wanted to use severity of accident as the weight for our heat map</a:t>
+            </a:r>
+            <a:endParaRPr/>
+          </a:p>
+          <a:p>
+            <a:pPr indent="0" lvl="0" marL="0" rtl="0" algn="l">
+              <a:spcBef>
+                <a:spcPts val="0"/>
+              </a:spcBef>
+              <a:spcAft>
+                <a:spcPts val="0"/>
+              </a:spcAft>
+              <a:buNone/>
+            </a:pPr>
+            <a:r>
               <a:t/>
             </a:r>
             <a:endParaRPr/>
@@ -1542,7 +2046,7 @@
   <p:cSld>
     <p:spTree>
       <p:nvGrpSpPr>
-        <p:cNvPr id="153" name="Shape 153"/>
+        <p:cNvPr id="158" name="Shape 158"/>
         <p:cNvGrpSpPr/>
         <p:nvPr/>
       </p:nvGrpSpPr>
@@ -1556,7 +2060,7 @@
       </p:grpSpPr>
       <p:sp>
         <p:nvSpPr>
-          <p:cNvPr id="154" name="Google Shape;154;g4d17b54153_0_293:notes"/>
+          <p:cNvPr id="159" name="Google Shape;159;g5214a86d42_1_11:notes"/>
           <p:cNvSpPr/>
           <p:nvPr>
             <p:ph idx="2" type="sldImg"/>
@@ -1591,7 +2095,7 @@
       </p:sp>
       <p:sp>
         <p:nvSpPr>
-          <p:cNvPr id="155" name="Google Shape;155;g4d17b54153_0_293:notes"/>
+          <p:cNvPr id="160" name="Google Shape;160;g5214a86d42_1_11:notes"/>
           <p:cNvSpPr txBox="1"/>
           <p:nvPr>
             <p:ph idx="1" type="body"/>
@@ -1641,7 +2145,7 @@
   <p:cSld>
     <p:spTree>
       <p:nvGrpSpPr>
-        <p:cNvPr id="161" name="Shape 161"/>
+        <p:cNvPr id="164" name="Shape 164"/>
         <p:cNvGrpSpPr/>
         <p:nvPr/>
       </p:nvGrpSpPr>
@@ -1655,7 +2159,7 @@
       </p:grpSpPr>
       <p:sp>
         <p:nvSpPr>
-          <p:cNvPr id="162" name="Google Shape;162;g4d17b54153_1_26:notes"/>
+          <p:cNvPr id="165" name="Google Shape;165;g4d17b54153_1_0:notes"/>
           <p:cNvSpPr/>
           <p:nvPr>
             <p:ph idx="2" type="sldImg"/>
@@ -1690,106 +2194,7 @@
       </p:sp>
       <p:sp>
         <p:nvSpPr>
-          <p:cNvPr id="163" name="Google Shape;163;g4d17b54153_1_26:notes"/>
-          <p:cNvSpPr txBox="1"/>
-          <p:nvPr>
-            <p:ph idx="1" type="body"/>
-          </p:nvPr>
-        </p:nvSpPr>
-        <p:spPr>
-          <a:xfrm>
-            <a:off x="685800" y="4343400"/>
-            <a:ext cx="5486400" cy="4114800"/>
-          </a:xfrm>
-          <a:prstGeom prst="rect">
-            <a:avLst/>
-          </a:prstGeom>
-        </p:spPr>
-        <p:txBody>
-          <a:bodyPr anchorCtr="0" anchor="t" bIns="91425" lIns="91425" spcFirstLastPara="1" rIns="91425" wrap="square" tIns="91425">
-            <a:noAutofit/>
-          </a:bodyPr>
-          <a:lstStyle/>
-          <a:p>
-            <a:pPr indent="0" lvl="0" marL="0" rtl="0" algn="l">
-              <a:spcBef>
-                <a:spcPts val="0"/>
-              </a:spcBef>
-              <a:spcAft>
-                <a:spcPts val="0"/>
-              </a:spcAft>
-              <a:buNone/>
-            </a:pPr>
-            <a:r>
-              <a:t/>
-            </a:r>
-            <a:endParaRPr/>
-          </a:p>
-        </p:txBody>
-      </p:sp>
-    </p:spTree>
-  </p:cSld>
-  <p:clrMapOvr>
-    <a:masterClrMapping/>
-  </p:clrMapOvr>
-</p:notes>
-</file>
-
-<file path=ppt/notesSlides/notesSlide19.xml><?xml version="1.0" encoding="utf-8"?>
-<p:notes xmlns:a="http://schemas.openxmlformats.org/drawingml/2006/main" xmlns:r="http://schemas.openxmlformats.org/officeDocument/2006/relationships" xmlns:mc="http://schemas.openxmlformats.org/markup-compatibility/2006" xmlns:mv="urn:schemas-microsoft-com:mac:vml" xmlns:p="http://schemas.openxmlformats.org/presentationml/2006/main" xmlns:c="http://schemas.openxmlformats.org/drawingml/2006/chart" xmlns:dgm="http://schemas.openxmlformats.org/drawingml/2006/diagram" xmlns:o="urn:schemas-microsoft-com:office:office" xmlns:v="urn:schemas-microsoft-com:vml" xmlns:pvml="urn:schemas-microsoft-com:office:powerpoint" xmlns:com="http://schemas.openxmlformats.org/drawingml/2006/compatibility" xmlns:p14="http://schemas.microsoft.com/office/powerpoint/2010/main" xmlns:p15="http://schemas.microsoft.com/office/powerpoint/2012/main" showMasterPhAnim="0" showMasterSp="0">
-  <p:cSld>
-    <p:spTree>
-      <p:nvGrpSpPr>
-        <p:cNvPr id="169" name="Shape 169"/>
-        <p:cNvGrpSpPr/>
-        <p:nvPr/>
-      </p:nvGrpSpPr>
-      <p:grpSpPr>
-        <a:xfrm>
-          <a:off x="0" y="0"/>
-          <a:ext cx="0" cy="0"/>
-          <a:chOff x="0" y="0"/>
-          <a:chExt cx="0" cy="0"/>
-        </a:xfrm>
-      </p:grpSpPr>
-      <p:sp>
-        <p:nvSpPr>
-          <p:cNvPr id="170" name="Google Shape;170;g4d17b54153_1_37:notes"/>
-          <p:cNvSpPr/>
-          <p:nvPr>
-            <p:ph idx="2" type="sldImg"/>
-          </p:nvPr>
-        </p:nvSpPr>
-        <p:spPr>
-          <a:xfrm>
-            <a:off x="381300" y="685800"/>
-            <a:ext cx="6096000" cy="3429000"/>
-          </a:xfrm>
-          <a:custGeom>
-            <a:rect b="b" l="l" r="r" t="t"/>
-            <a:pathLst>
-              <a:path extrusionOk="0" h="120000" w="120000">
-                <a:moveTo>
-                  <a:pt x="0" y="0"/>
-                </a:moveTo>
-                <a:lnTo>
-                  <a:pt x="120000" y="0"/>
-                </a:lnTo>
-                <a:lnTo>
-                  <a:pt x="120000" y="120000"/>
-                </a:lnTo>
-                <a:lnTo>
-                  <a:pt x="0" y="120000"/>
-                </a:lnTo>
-                <a:close/>
-              </a:path>
-            </a:pathLst>
-          </a:custGeom>
-        </p:spPr>
-      </p:sp>
-      <p:sp>
-        <p:nvSpPr>
-          <p:cNvPr id="171" name="Google Shape;171;g4d17b54153_1_37:notes"/>
+          <p:cNvPr id="166" name="Google Shape;166;g4d17b54153_1_0:notes"/>
           <p:cNvSpPr txBox="1"/>
           <p:nvPr>
             <p:ph idx="1" type="body"/>
@@ -1853,7 +2258,7 @@
       </p:grpSpPr>
       <p:sp>
         <p:nvSpPr>
-          <p:cNvPr id="60" name="Google Shape;60;g4d17b54153_0_220:notes"/>
+          <p:cNvPr id="60" name="Google Shape;60;g5214a86d42_0_0:notes"/>
           <p:cNvSpPr/>
           <p:nvPr>
             <p:ph idx="2" type="sldImg"/>
@@ -1888,106 +2293,7 @@
       </p:sp>
       <p:sp>
         <p:nvSpPr>
-          <p:cNvPr id="61" name="Google Shape;61;g4d17b54153_0_220:notes"/>
-          <p:cNvSpPr txBox="1"/>
-          <p:nvPr>
-            <p:ph idx="1" type="body"/>
-          </p:nvPr>
-        </p:nvSpPr>
-        <p:spPr>
-          <a:xfrm>
-            <a:off x="685800" y="4343400"/>
-            <a:ext cx="5486400" cy="4114800"/>
-          </a:xfrm>
-          <a:prstGeom prst="rect">
-            <a:avLst/>
-          </a:prstGeom>
-        </p:spPr>
-        <p:txBody>
-          <a:bodyPr anchorCtr="0" anchor="t" bIns="91425" lIns="91425" spcFirstLastPara="1" rIns="91425" wrap="square" tIns="91425">
-            <a:noAutofit/>
-          </a:bodyPr>
-          <a:lstStyle/>
-          <a:p>
-            <a:pPr indent="0" lvl="0" marL="0" rtl="0" algn="l">
-              <a:spcBef>
-                <a:spcPts val="0"/>
-              </a:spcBef>
-              <a:spcAft>
-                <a:spcPts val="0"/>
-              </a:spcAft>
-              <a:buNone/>
-            </a:pPr>
-            <a:r>
-              <a:t/>
-            </a:r>
-            <a:endParaRPr/>
-          </a:p>
-        </p:txBody>
-      </p:sp>
-    </p:spTree>
-  </p:cSld>
-  <p:clrMapOvr>
-    <a:masterClrMapping/>
-  </p:clrMapOvr>
-</p:notes>
-</file>
-
-<file path=ppt/notesSlides/notesSlide20.xml><?xml version="1.0" encoding="utf-8"?>
-<p:notes xmlns:a="http://schemas.openxmlformats.org/drawingml/2006/main" xmlns:r="http://schemas.openxmlformats.org/officeDocument/2006/relationships" xmlns:mc="http://schemas.openxmlformats.org/markup-compatibility/2006" xmlns:mv="urn:schemas-microsoft-com:mac:vml" xmlns:p="http://schemas.openxmlformats.org/presentationml/2006/main" xmlns:c="http://schemas.openxmlformats.org/drawingml/2006/chart" xmlns:dgm="http://schemas.openxmlformats.org/drawingml/2006/diagram" xmlns:o="urn:schemas-microsoft-com:office:office" xmlns:v="urn:schemas-microsoft-com:vml" xmlns:pvml="urn:schemas-microsoft-com:office:powerpoint" xmlns:com="http://schemas.openxmlformats.org/drawingml/2006/compatibility" xmlns:p14="http://schemas.microsoft.com/office/powerpoint/2010/main" xmlns:p15="http://schemas.microsoft.com/office/powerpoint/2012/main" showMasterPhAnim="0" showMasterSp="0">
-  <p:cSld>
-    <p:spTree>
-      <p:nvGrpSpPr>
-        <p:cNvPr id="174" name="Shape 174"/>
-        <p:cNvGrpSpPr/>
-        <p:nvPr/>
-      </p:nvGrpSpPr>
-      <p:grpSpPr>
-        <a:xfrm>
-          <a:off x="0" y="0"/>
-          <a:ext cx="0" cy="0"/>
-          <a:chOff x="0" y="0"/>
-          <a:chExt cx="0" cy="0"/>
-        </a:xfrm>
-      </p:grpSpPr>
-      <p:sp>
-        <p:nvSpPr>
-          <p:cNvPr id="175" name="Google Shape;175;g4d17b54153_1_0:notes"/>
-          <p:cNvSpPr/>
-          <p:nvPr>
-            <p:ph idx="2" type="sldImg"/>
-          </p:nvPr>
-        </p:nvSpPr>
-        <p:spPr>
-          <a:xfrm>
-            <a:off x="381300" y="685800"/>
-            <a:ext cx="6096000" cy="3429000"/>
-          </a:xfrm>
-          <a:custGeom>
-            <a:rect b="b" l="l" r="r" t="t"/>
-            <a:pathLst>
-              <a:path extrusionOk="0" h="120000" w="120000">
-                <a:moveTo>
-                  <a:pt x="0" y="0"/>
-                </a:moveTo>
-                <a:lnTo>
-                  <a:pt x="120000" y="0"/>
-                </a:lnTo>
-                <a:lnTo>
-                  <a:pt x="120000" y="120000"/>
-                </a:lnTo>
-                <a:lnTo>
-                  <a:pt x="0" y="120000"/>
-                </a:lnTo>
-                <a:close/>
-              </a:path>
-            </a:pathLst>
-          </a:custGeom>
-        </p:spPr>
-      </p:sp>
-      <p:sp>
-        <p:nvSpPr>
-          <p:cNvPr id="176" name="Google Shape;176;g4d17b54153_1_0:notes"/>
+          <p:cNvPr id="61" name="Google Shape;61;g5214a86d42_0_0:notes"/>
           <p:cNvSpPr txBox="1"/>
           <p:nvPr>
             <p:ph idx="1" type="body"/>
@@ -2051,7 +2357,7 @@
       </p:grpSpPr>
       <p:sp>
         <p:nvSpPr>
-          <p:cNvPr id="66" name="Google Shape;66;g4d17b54153_0_232:notes"/>
+          <p:cNvPr id="66" name="Google Shape;66;g4d17b54153_0_220:notes"/>
           <p:cNvSpPr/>
           <p:nvPr>
             <p:ph idx="2" type="sldImg"/>
@@ -2086,7 +2392,7 @@
       </p:sp>
       <p:sp>
         <p:nvSpPr>
-          <p:cNvPr id="67" name="Google Shape;67;g4d17b54153_0_232:notes"/>
+          <p:cNvPr id="67" name="Google Shape;67;g4d17b54153_0_220:notes"/>
           <p:cNvSpPr txBox="1"/>
           <p:nvPr>
             <p:ph idx="1" type="body"/>
@@ -2136,7 +2442,7 @@
   <p:cSld>
     <p:spTree>
       <p:nvGrpSpPr>
-        <p:cNvPr id="73" name="Shape 73"/>
+        <p:cNvPr id="71" name="Shape 71"/>
         <p:cNvGrpSpPr/>
         <p:nvPr/>
       </p:nvGrpSpPr>
@@ -2150,7 +2456,7 @@
       </p:grpSpPr>
       <p:sp>
         <p:nvSpPr>
-          <p:cNvPr id="74" name="Google Shape;74;g4d17b54153_1_14:notes"/>
+          <p:cNvPr id="72" name="Google Shape;72;g4d17b54153_0_232:notes"/>
           <p:cNvSpPr/>
           <p:nvPr>
             <p:ph idx="2" type="sldImg"/>
@@ -2185,7 +2491,7 @@
       </p:sp>
       <p:sp>
         <p:nvSpPr>
-          <p:cNvPr id="75" name="Google Shape;75;g4d17b54153_1_14:notes"/>
+          <p:cNvPr id="73" name="Google Shape;73;g4d17b54153_0_232:notes"/>
           <p:cNvSpPr txBox="1"/>
           <p:nvPr>
             <p:ph idx="1" type="body"/>
@@ -2216,7 +2522,39 @@
               <a:buNone/>
             </a:pPr>
             <a:r>
+              <a:rPr lang="en"/>
+              <a:t>This information is puzzling and it is difficult to draw a conclusion. What I know of traffic patterns in the U.S. lead me to believe that the accident peak between 4-8 pm is due to folks leaving work but there isn’t a peak during the morning commute.</a:t>
+            </a:r>
+            <a:endParaRPr/>
+          </a:p>
+          <a:p>
+            <a:pPr indent="0" lvl="0" marL="0" rtl="0" algn="l">
+              <a:spcBef>
+                <a:spcPts val="0"/>
+              </a:spcBef>
+              <a:spcAft>
+                <a:spcPts val="0"/>
+              </a:spcAft>
+              <a:buNone/>
+            </a:pPr>
+            <a:r>
               <a:t/>
+            </a:r>
+            <a:endParaRPr/>
+          </a:p>
+          <a:p>
+            <a:pPr indent="0" lvl="0" marL="0" rtl="0" algn="l">
+              <a:spcBef>
+                <a:spcPts val="0"/>
+              </a:spcBef>
+              <a:spcAft>
+                <a:spcPts val="0"/>
+              </a:spcAft>
+              <a:buNone/>
+            </a:pPr>
+            <a:r>
+              <a:rPr lang="en"/>
+              <a:t>The overwhelming majority are minor accidents. </a:t>
             </a:r>
             <a:endParaRPr/>
           </a:p>
@@ -2235,7 +2573,7 @@
   <p:cSld>
     <p:spTree>
       <p:nvGrpSpPr>
-        <p:cNvPr id="82" name="Shape 82"/>
+        <p:cNvPr id="79" name="Shape 79"/>
         <p:cNvGrpSpPr/>
         <p:nvPr/>
       </p:nvGrpSpPr>
@@ -2249,7 +2587,7 @@
       </p:grpSpPr>
       <p:sp>
         <p:nvSpPr>
-          <p:cNvPr id="83" name="Google Shape;83;g4d17b54153_0_238:notes"/>
+          <p:cNvPr id="80" name="Google Shape;80;g4d17b54153_1_14:notes"/>
           <p:cNvSpPr/>
           <p:nvPr>
             <p:ph idx="2" type="sldImg"/>
@@ -2284,7 +2622,7 @@
       </p:sp>
       <p:sp>
         <p:nvSpPr>
-          <p:cNvPr id="84" name="Google Shape;84;g4d17b54153_0_238:notes"/>
+          <p:cNvPr id="81" name="Google Shape;81;g4d17b54153_1_14:notes"/>
           <p:cNvSpPr txBox="1"/>
           <p:nvPr>
             <p:ph idx="1" type="body"/>
@@ -2315,7 +2653,8 @@
               <a:buNone/>
             </a:pPr>
             <a:r>
-              <a:t/>
+              <a:rPr lang="en"/>
+              <a:t>Fatal accidents are by far the lowest type of accident also peaking between 4-8pm.</a:t>
             </a:r>
             <a:endParaRPr/>
           </a:p>
@@ -2348,7 +2687,7 @@
       </p:grpSpPr>
       <p:sp>
         <p:nvSpPr>
-          <p:cNvPr id="89" name="Google Shape;89;g4d17b54153_0_243:notes"/>
+          <p:cNvPr id="89" name="Google Shape;89;g4d17b54153_0_238:notes"/>
           <p:cNvSpPr/>
           <p:nvPr>
             <p:ph idx="2" type="sldImg"/>
@@ -2383,7 +2722,7 @@
       </p:sp>
       <p:sp>
         <p:nvSpPr>
-          <p:cNvPr id="90" name="Google Shape;90;g4d17b54153_0_243:notes"/>
+          <p:cNvPr id="90" name="Google Shape;90;g4d17b54153_0_238:notes"/>
           <p:cNvSpPr txBox="1"/>
           <p:nvPr>
             <p:ph idx="1" type="body"/>
@@ -2411,12 +2750,23 @@
               <a:spcAft>
                 <a:spcPts val="0"/>
               </a:spcAft>
+              <a:buClr>
+                <a:schemeClr val="dk2"/>
+              </a:buClr>
+              <a:buSzPts val="1100"/>
+              <a:buFont typeface="Arial"/>
               <a:buNone/>
             </a:pPr>
             <a:r>
-              <a:t/>
+              <a:rPr lang="en" sz="1200">
+                <a:latin typeface="Helvetica Neue"/>
+                <a:ea typeface="Helvetica Neue"/>
+                <a:cs typeface="Helvetica Neue"/>
+                <a:sym typeface="Helvetica Neue"/>
+              </a:rPr>
+              <a:t>Most accidents take place during weekdays, peaking on Friday. This could be explained by more </a:t>
             </a:r>
-            <a:endParaRPr/>
+            <a:endParaRPr sz="1200"/>
           </a:p>
         </p:txBody>
       </p:sp>
@@ -2447,7 +2797,7 @@
       </p:grpSpPr>
       <p:sp>
         <p:nvSpPr>
-          <p:cNvPr id="95" name="Google Shape;95;g4d17b54153_1_9:notes"/>
+          <p:cNvPr id="95" name="Google Shape;95;g4d17b54153_0_243:notes"/>
           <p:cNvSpPr/>
           <p:nvPr>
             <p:ph idx="2" type="sldImg"/>
@@ -2482,7 +2832,7 @@
       </p:sp>
       <p:sp>
         <p:nvSpPr>
-          <p:cNvPr id="96" name="Google Shape;96;g4d17b54153_1_9:notes"/>
+          <p:cNvPr id="96" name="Google Shape;96;g4d17b54153_0_243:notes"/>
           <p:cNvSpPr txBox="1"/>
           <p:nvPr>
             <p:ph idx="1" type="body"/>
@@ -2532,7 +2882,7 @@
   <p:cSld>
     <p:spTree>
       <p:nvGrpSpPr>
-        <p:cNvPr id="99" name="Shape 99"/>
+        <p:cNvPr id="100" name="Shape 100"/>
         <p:cNvGrpSpPr/>
         <p:nvPr/>
       </p:nvGrpSpPr>
@@ -2546,7 +2896,7 @@
       </p:grpSpPr>
       <p:sp>
         <p:nvSpPr>
-          <p:cNvPr id="100" name="Google Shape;100;g4d17b54153_0_248:notes"/>
+          <p:cNvPr id="101" name="Google Shape;101;g4d17b54153_1_9:notes"/>
           <p:cNvSpPr/>
           <p:nvPr>
             <p:ph idx="2" type="sldImg"/>
@@ -2581,7 +2931,7 @@
       </p:sp>
       <p:sp>
         <p:nvSpPr>
-          <p:cNvPr id="101" name="Google Shape;101;g4d17b54153_0_248:notes"/>
+          <p:cNvPr id="102" name="Google Shape;102;g4d17b54153_1_9:notes"/>
           <p:cNvSpPr txBox="1"/>
           <p:nvPr>
             <p:ph idx="1" type="body"/>
@@ -2645,7 +2995,7 @@
       </p:grpSpPr>
       <p:sp>
         <p:nvSpPr>
-          <p:cNvPr id="106" name="Google Shape;106;g4d17b54153_0_253:notes"/>
+          <p:cNvPr id="106" name="Google Shape;106;g4d17b54153_0_248:notes"/>
           <p:cNvSpPr/>
           <p:nvPr>
             <p:ph idx="2" type="sldImg"/>
@@ -2680,7 +3030,7 @@
       </p:sp>
       <p:sp>
         <p:nvSpPr>
-          <p:cNvPr id="107" name="Google Shape;107;g4d17b54153_0_253:notes"/>
+          <p:cNvPr id="107" name="Google Shape;107;g4d17b54153_0_248:notes"/>
           <p:cNvSpPr txBox="1"/>
           <p:nvPr>
             <p:ph idx="1" type="body"/>
@@ -8165,10 +8515,14 @@
               <a:buNone/>
             </a:pPr>
             <a:r>
-              <a:rPr lang="en" sz="6000"/>
+              <a:rPr lang="en" sz="5500"/>
+              <a:t>Vehicle </a:t>
+            </a:r>
+            <a:r>
+              <a:rPr lang="en" sz="5500"/>
               <a:t>Accident Trends</a:t>
             </a:r>
-            <a:endParaRPr sz="6000"/>
+            <a:endParaRPr sz="5500"/>
           </a:p>
           <a:p>
             <a:pPr indent="0" lvl="0" marL="0" rtl="0" algn="ctr">
@@ -8181,10 +8535,10 @@
               <a:buNone/>
             </a:pPr>
             <a:r>
-              <a:rPr lang="en" sz="6000"/>
-              <a:t>In London</a:t>
+              <a:rPr lang="en" sz="5500"/>
+              <a:t>in London</a:t>
             </a:r>
-            <a:endParaRPr sz="6000"/>
+            <a:endParaRPr sz="3000"/>
           </a:p>
         </p:txBody>
       </p:sp>
@@ -8222,7 +8576,15 @@
             </a:pPr>
             <a:r>
               <a:rPr lang="en" sz="1800"/>
-              <a:t>By Tim Barry, Brooke Rodriguez, Fiona Weston, &amp; Bailey Passmore</a:t>
+              <a:t>By Tim Barry, </a:t>
+            </a:r>
+            <a:r>
+              <a:rPr lang="en" sz="1800"/>
+              <a:t>Bailey Passmore, </a:t>
+            </a:r>
+            <a:r>
+              <a:rPr lang="en" sz="1800"/>
+              <a:t>Brooke Rodriguez + Fiona Weston</a:t>
             </a:r>
             <a:endParaRPr sz="1800"/>
           </a:p>
@@ -8263,24 +8625,27 @@
         </p:nvSpPr>
         <p:spPr>
           <a:xfrm>
-            <a:off x="311700" y="445025"/>
-            <a:ext cx="8520600" cy="572700"/>
+            <a:off x="246475" y="383275"/>
+            <a:ext cx="2657400" cy="1416900"/>
           </a:xfrm>
           <a:prstGeom prst="rect">
             <a:avLst/>
           </a:prstGeom>
+          <a:solidFill>
+            <a:srgbClr val="ADD8E6"/>
+          </a:solidFill>
           <a:ln cap="flat" cmpd="sng" w="9525">
             <a:solidFill>
               <a:srgbClr val="666666"/>
             </a:solidFill>
-            <a:prstDash val="solid"/>
+            <a:prstDash val="dashDot"/>
             <a:round/>
             <a:headEnd len="sm" w="sm" type="none"/>
             <a:tailEnd len="sm" w="sm" type="none"/>
           </a:ln>
         </p:spPr>
         <p:txBody>
-          <a:bodyPr anchorCtr="0" anchor="t" bIns="91425" lIns="91425" spcFirstLastPara="1" rIns="91425" wrap="square" tIns="91425">
+          <a:bodyPr anchorCtr="0" anchor="ctr" bIns="91425" lIns="91425" spcFirstLastPara="1" rIns="91425" wrap="square" tIns="91425">
             <a:noAutofit/>
           </a:bodyPr>
           <a:lstStyle/>
@@ -8304,7 +8669,7 @@
                 <a:cs typeface="Helvetica Neue"/>
                 <a:sym typeface="Helvetica Neue"/>
               </a:rPr>
-              <a:t>Are weekdays more likely to have accidents?</a:t>
+              <a:t>Are there more accidents when it is dark?</a:t>
             </a:r>
             <a:endParaRPr i="1" sz="2400">
               <a:solidFill>
@@ -8318,45 +8683,34 @@
           </a:p>
         </p:txBody>
       </p:sp>
-      <p:sp>
-        <p:nvSpPr>
+      <p:pic>
+        <p:nvPicPr>
           <p:cNvPr id="116" name="Google Shape;116;p22"/>
-          <p:cNvSpPr txBox="1"/>
-          <p:nvPr>
-            <p:ph idx="1" type="body"/>
-          </p:nvPr>
-        </p:nvSpPr>
+          <p:cNvPicPr preferRelativeResize="0"/>
+          <p:nvPr/>
+        </p:nvPicPr>
+        <p:blipFill>
+          <a:blip r:embed="rId3">
+            <a:alphaModFix/>
+          </a:blip>
+          <a:stretch>
+            <a:fillRect/>
+          </a:stretch>
+        </p:blipFill>
         <p:spPr>
           <a:xfrm>
-            <a:off x="311700" y="1234075"/>
-            <a:ext cx="8520600" cy="3334800"/>
+            <a:off x="3035850" y="94288"/>
+            <a:ext cx="6010075" cy="4954924"/>
           </a:xfrm>
           <a:prstGeom prst="rect">
             <a:avLst/>
           </a:prstGeom>
+          <a:noFill/>
+          <a:ln>
+            <a:noFill/>
+          </a:ln>
         </p:spPr>
-        <p:txBody>
-          <a:bodyPr anchorCtr="0" anchor="t" bIns="91425" lIns="91425" spcFirstLastPara="1" rIns="91425" wrap="square" tIns="91425">
-            <a:noAutofit/>
-          </a:bodyPr>
-          <a:lstStyle/>
-          <a:p>
-            <a:pPr indent="0" lvl="0" marL="0" rtl="0" algn="l">
-              <a:spcBef>
-                <a:spcPts val="0"/>
-              </a:spcBef>
-              <a:spcAft>
-                <a:spcPts val="1600"/>
-              </a:spcAft>
-              <a:buNone/>
-            </a:pPr>
-            <a:r>
-              <a:t/>
-            </a:r>
-            <a:endParaRPr/>
-          </a:p>
-        </p:txBody>
-      </p:sp>
+      </p:pic>
     </p:spTree>
   </p:cSld>
   <p:clrMapOvr>
@@ -8392,12 +8746,15 @@
         </p:nvSpPr>
         <p:spPr>
           <a:xfrm>
-            <a:off x="311700" y="445025"/>
-            <a:ext cx="8520600" cy="572700"/>
+            <a:off x="7008000" y="455725"/>
+            <a:ext cx="1695600" cy="1740900"/>
           </a:xfrm>
           <a:prstGeom prst="rect">
             <a:avLst/>
           </a:prstGeom>
+          <a:solidFill>
+            <a:srgbClr val="ADD8E6"/>
+          </a:solidFill>
           <a:ln cap="flat" cmpd="sng" w="9525">
             <a:solidFill>
               <a:srgbClr val="666666"/>
@@ -8433,7 +8790,19 @@
                 <a:cs typeface="Helvetica Neue"/>
                 <a:sym typeface="Helvetica Neue"/>
               </a:rPr>
-              <a:t>Is there a greater number of accidents in Summer?</a:t>
+              <a:t>Does snow or rain have an impact</a:t>
+            </a:r>
+            <a:r>
+              <a:rPr i="1" lang="en" sz="2400">
+                <a:solidFill>
+                  <a:srgbClr val="434343"/>
+                </a:solidFill>
+                <a:latin typeface="Helvetica Neue"/>
+                <a:ea typeface="Helvetica Neue"/>
+                <a:cs typeface="Helvetica Neue"/>
+                <a:sym typeface="Helvetica Neue"/>
+              </a:rPr>
+              <a:t>?</a:t>
             </a:r>
             <a:endParaRPr i="1" sz="2400">
               <a:solidFill>
@@ -8447,45 +8816,34 @@
           </a:p>
         </p:txBody>
       </p:sp>
-      <p:sp>
-        <p:nvSpPr>
+      <p:pic>
+        <p:nvPicPr>
           <p:cNvPr id="122" name="Google Shape;122;p23"/>
-          <p:cNvSpPr txBox="1"/>
-          <p:nvPr>
-            <p:ph idx="1" type="body"/>
-          </p:nvPr>
-        </p:nvSpPr>
+          <p:cNvPicPr preferRelativeResize="0"/>
+          <p:nvPr/>
+        </p:nvPicPr>
+        <p:blipFill>
+          <a:blip r:embed="rId3">
+            <a:alphaModFix/>
+          </a:blip>
+          <a:stretch>
+            <a:fillRect/>
+          </a:stretch>
+        </p:blipFill>
         <p:spPr>
           <a:xfrm>
-            <a:off x="311700" y="1234075"/>
-            <a:ext cx="8520600" cy="3334800"/>
+            <a:off x="214325" y="179350"/>
+            <a:ext cx="6611498" cy="4684451"/>
           </a:xfrm>
           <a:prstGeom prst="rect">
             <a:avLst/>
           </a:prstGeom>
+          <a:noFill/>
+          <a:ln>
+            <a:noFill/>
+          </a:ln>
         </p:spPr>
-        <p:txBody>
-          <a:bodyPr anchorCtr="0" anchor="t" bIns="91425" lIns="91425" spcFirstLastPara="1" rIns="91425" wrap="square" tIns="91425">
-            <a:noAutofit/>
-          </a:bodyPr>
-          <a:lstStyle/>
-          <a:p>
-            <a:pPr indent="0" lvl="0" marL="0" rtl="0" algn="l">
-              <a:spcBef>
-                <a:spcPts val="0"/>
-              </a:spcBef>
-              <a:spcAft>
-                <a:spcPts val="1600"/>
-              </a:spcAft>
-              <a:buNone/>
-            </a:pPr>
-            <a:r>
-              <a:t/>
-            </a:r>
-            <a:endParaRPr/>
-          </a:p>
-        </p:txBody>
-      </p:sp>
+      </p:pic>
     </p:spTree>
   </p:cSld>
   <p:clrMapOvr>
@@ -8521,6 +8879,204 @@
         </p:nvSpPr>
         <p:spPr>
           <a:xfrm>
+            <a:off x="311700" y="445025"/>
+            <a:ext cx="8520600" cy="572700"/>
+          </a:xfrm>
+          <a:prstGeom prst="rect">
+            <a:avLst/>
+          </a:prstGeom>
+          <a:solidFill>
+            <a:srgbClr val="ADD8E6"/>
+          </a:solidFill>
+          <a:ln cap="flat" cmpd="sng" w="9525">
+            <a:solidFill>
+              <a:srgbClr val="666666"/>
+            </a:solidFill>
+            <a:prstDash val="solid"/>
+            <a:round/>
+            <a:headEnd len="sm" w="sm" type="none"/>
+            <a:tailEnd len="sm" w="sm" type="none"/>
+          </a:ln>
+        </p:spPr>
+        <p:txBody>
+          <a:bodyPr anchorCtr="0" anchor="t" bIns="91425" lIns="91425" spcFirstLastPara="1" rIns="91425" wrap="square" tIns="91425">
+            <a:noAutofit/>
+          </a:bodyPr>
+          <a:lstStyle/>
+          <a:p>
+            <a:pPr indent="0" lvl="0" marL="0" rtl="0" algn="ctr">
+              <a:spcBef>
+                <a:spcPts val="0"/>
+              </a:spcBef>
+              <a:spcAft>
+                <a:spcPts val="0"/>
+              </a:spcAft>
+              <a:buClr>
+                <a:schemeClr val="dk2"/>
+              </a:buClr>
+              <a:buSzPts val="1100"/>
+              <a:buFont typeface="Arial"/>
+              <a:buNone/>
+            </a:pPr>
+            <a:r>
+              <a:rPr i="1" lang="en" sz="2400">
+                <a:solidFill>
+                  <a:srgbClr val="434343"/>
+                </a:solidFill>
+                <a:latin typeface="Helvetica Neue"/>
+                <a:ea typeface="Helvetica Neue"/>
+                <a:cs typeface="Helvetica Neue"/>
+                <a:sym typeface="Helvetica Neue"/>
+              </a:rPr>
+              <a:t>How about when the snow and rain is on the ground?</a:t>
+            </a:r>
+            <a:endParaRPr i="1" sz="2400">
+              <a:solidFill>
+                <a:srgbClr val="434343"/>
+              </a:solidFill>
+              <a:latin typeface="Helvetica Neue"/>
+              <a:ea typeface="Helvetica Neue"/>
+              <a:cs typeface="Helvetica Neue"/>
+              <a:sym typeface="Helvetica Neue"/>
+            </a:endParaRPr>
+          </a:p>
+          <a:p>
+            <a:pPr indent="0" lvl="0" marL="0" rtl="0" algn="ctr">
+              <a:spcBef>
+                <a:spcPts val="0"/>
+              </a:spcBef>
+              <a:spcAft>
+                <a:spcPts val="0"/>
+              </a:spcAft>
+              <a:buNone/>
+            </a:pPr>
+            <a:r>
+              <a:t/>
+            </a:r>
+            <a:endParaRPr i="1" sz="2400">
+              <a:solidFill>
+                <a:srgbClr val="434343"/>
+              </a:solidFill>
+              <a:latin typeface="Helvetica Neue"/>
+              <a:ea typeface="Helvetica Neue"/>
+              <a:cs typeface="Helvetica Neue"/>
+              <a:sym typeface="Helvetica Neue"/>
+            </a:endParaRPr>
+          </a:p>
+        </p:txBody>
+      </p:sp>
+      <p:pic>
+        <p:nvPicPr>
+          <p:cNvPr id="128" name="Google Shape;128;p24"/>
+          <p:cNvPicPr preferRelativeResize="0"/>
+          <p:nvPr/>
+        </p:nvPicPr>
+        <p:blipFill>
+          <a:blip r:embed="rId3">
+            <a:alphaModFix/>
+          </a:blip>
+          <a:stretch>
+            <a:fillRect/>
+          </a:stretch>
+        </p:blipFill>
+        <p:spPr>
+          <a:xfrm>
+            <a:off x="383025" y="1154250"/>
+            <a:ext cx="6801726" cy="3787500"/>
+          </a:xfrm>
+          <a:prstGeom prst="rect">
+            <a:avLst/>
+          </a:prstGeom>
+          <a:noFill/>
+          <a:ln>
+            <a:noFill/>
+          </a:ln>
+        </p:spPr>
+      </p:pic>
+      <p:sp>
+        <p:nvSpPr>
+          <p:cNvPr id="129" name="Google Shape;129;p24"/>
+          <p:cNvSpPr txBox="1"/>
+          <p:nvPr/>
+        </p:nvSpPr>
+        <p:spPr>
+          <a:xfrm>
+            <a:off x="5981700" y="2116600"/>
+            <a:ext cx="2850600" cy="713100"/>
+          </a:xfrm>
+          <a:prstGeom prst="rect">
+            <a:avLst/>
+          </a:prstGeom>
+          <a:noFill/>
+          <a:ln>
+            <a:noFill/>
+          </a:ln>
+        </p:spPr>
+        <p:txBody>
+          <a:bodyPr anchorCtr="0" anchor="ctr" bIns="91425" lIns="91425" spcFirstLastPara="1" rIns="91425" wrap="square" tIns="91425">
+            <a:noAutofit/>
+          </a:bodyPr>
+          <a:lstStyle/>
+          <a:p>
+            <a:pPr indent="0" lvl="0" marL="0" rtl="0" algn="ctr">
+              <a:spcBef>
+                <a:spcPts val="0"/>
+              </a:spcBef>
+              <a:spcAft>
+                <a:spcPts val="0"/>
+              </a:spcAft>
+              <a:buNone/>
+            </a:pPr>
+            <a:r>
+              <a:t/>
+            </a:r>
+            <a:endParaRPr b="1">
+              <a:solidFill>
+                <a:srgbClr val="434343"/>
+              </a:solidFill>
+              <a:latin typeface="Helvetica Neue"/>
+              <a:ea typeface="Helvetica Neue"/>
+              <a:cs typeface="Helvetica Neue"/>
+              <a:sym typeface="Helvetica Neue"/>
+            </a:endParaRPr>
+          </a:p>
+        </p:txBody>
+      </p:sp>
+    </p:spTree>
+  </p:cSld>
+  <p:clrMapOvr>
+    <a:masterClrMapping/>
+  </p:clrMapOvr>
+</p:sld>
+</file>
+
+<file path=ppt/slides/slide13.xml><?xml version="1.0" encoding="utf-8"?>
+<p:sld xmlns:a="http://schemas.openxmlformats.org/drawingml/2006/main" xmlns:r="http://schemas.openxmlformats.org/officeDocument/2006/relationships" xmlns:mc="http://schemas.openxmlformats.org/markup-compatibility/2006" xmlns:mv="urn:schemas-microsoft-com:mac:vml" xmlns:p="http://schemas.openxmlformats.org/presentationml/2006/main" xmlns:c="http://schemas.openxmlformats.org/drawingml/2006/chart" xmlns:dgm="http://schemas.openxmlformats.org/drawingml/2006/diagram" xmlns:o="urn:schemas-microsoft-com:office:office" xmlns:v="urn:schemas-microsoft-com:vml" xmlns:pvml="urn:schemas-microsoft-com:office:powerpoint" xmlns:com="http://schemas.openxmlformats.org/drawingml/2006/compatibility" xmlns:p14="http://schemas.microsoft.com/office/powerpoint/2010/main" xmlns:p15="http://schemas.microsoft.com/office/powerpoint/2012/main">
+  <p:cSld>
+    <p:spTree>
+      <p:nvGrpSpPr>
+        <p:cNvPr id="133" name="Shape 133"/>
+        <p:cNvGrpSpPr/>
+        <p:nvPr/>
+      </p:nvGrpSpPr>
+      <p:grpSpPr>
+        <a:xfrm>
+          <a:off x="0" y="0"/>
+          <a:ext cx="0" cy="0"/>
+          <a:chOff x="0" y="0"/>
+          <a:chExt cx="0" cy="0"/>
+        </a:xfrm>
+      </p:grpSpPr>
+      <p:sp>
+        <p:nvSpPr>
+          <p:cNvPr id="134" name="Google Shape;134;p25"/>
+          <p:cNvSpPr txBox="1"/>
+          <p:nvPr>
+            <p:ph type="title"/>
+          </p:nvPr>
+        </p:nvSpPr>
+        <p:spPr>
+          <a:xfrm>
             <a:off x="254175" y="1678650"/>
             <a:ext cx="4045200" cy="1786200"/>
           </a:xfrm>
@@ -8565,7 +9121,7 @@
                 <a:cs typeface="Lato"/>
                 <a:sym typeface="Lato"/>
               </a:rPr>
-              <a:t>Is better lighting effective in decreasing accidents?</a:t>
+              <a:t>How does traffic control impact outcome?</a:t>
             </a:r>
             <a:endParaRPr b="1" sz="3000">
               <a:solidFill>
@@ -8581,7 +9137,7 @@
       </p:sp>
       <p:sp>
         <p:nvSpPr>
-          <p:cNvPr id="128" name="Google Shape;128;p24"/>
+          <p:cNvPr id="135" name="Google Shape;135;p25"/>
           <p:cNvSpPr txBox="1"/>
           <p:nvPr>
             <p:ph idx="1" type="body"/>
@@ -8609,6 +9165,11 @@
               <a:spcAft>
                 <a:spcPts val="0"/>
               </a:spcAft>
+              <a:buClr>
+                <a:schemeClr val="dk2"/>
+              </a:buClr>
+              <a:buSzPts val="1100"/>
+              <a:buFont typeface="Arial"/>
               <a:buNone/>
             </a:pPr>
             <a:r>
@@ -8621,7 +9182,7 @@
                 <a:cs typeface="Lato"/>
                 <a:sym typeface="Lato"/>
               </a:rPr>
-              <a:t>What time of day?</a:t>
+              <a:t>Do stop signs help?</a:t>
             </a:r>
             <a:endParaRPr>
               <a:solidFill>
@@ -8639,8 +9200,13 @@
                 <a:spcPts val="1600"/>
               </a:spcBef>
               <a:spcAft>
-                <a:spcPts val="0"/>
-              </a:spcAft>
+                <a:spcPts val="1600"/>
+              </a:spcAft>
+              <a:buClr>
+                <a:schemeClr val="dk2"/>
+              </a:buClr>
+              <a:buSzPts val="1100"/>
+              <a:buFont typeface="Arial"/>
               <a:buNone/>
             </a:pPr>
             <a:r>
@@ -8653,39 +9219,7 @@
                 <a:cs typeface="Lato"/>
                 <a:sym typeface="Lato"/>
               </a:rPr>
-              <a:t>What day of the week?</a:t>
-            </a:r>
-            <a:endParaRPr>
-              <a:solidFill>
-                <a:schemeClr val="lt1"/>
-              </a:solidFill>
-              <a:latin typeface="Lato"/>
-              <a:ea typeface="Lato"/>
-              <a:cs typeface="Lato"/>
-              <a:sym typeface="Lato"/>
-            </a:endParaRPr>
-          </a:p>
-          <a:p>
-            <a:pPr indent="0" lvl="0" marL="0" rtl="0" algn="l">
-              <a:spcBef>
-                <a:spcPts val="1600"/>
-              </a:spcBef>
-              <a:spcAft>
-                <a:spcPts val="1600"/>
-              </a:spcAft>
-              <a:buNone/>
-            </a:pPr>
-            <a:r>
-              <a:rPr lang="en">
-                <a:solidFill>
-                  <a:schemeClr val="lt1"/>
-                </a:solidFill>
-                <a:latin typeface="Lato"/>
-                <a:ea typeface="Lato"/>
-                <a:cs typeface="Lato"/>
-                <a:sym typeface="Lato"/>
-              </a:rPr>
-              <a:t>What month in the year?</a:t>
+              <a:t>Does faster mean fatal?</a:t>
             </a:r>
             <a:endParaRPr>
               <a:solidFill>
@@ -8707,12 +9241,12 @@
 </p:sld>
 </file>
 
-<file path=ppt/slides/slide13.xml><?xml version="1.0" encoding="utf-8"?>
+<file path=ppt/slides/slide14.xml><?xml version="1.0" encoding="utf-8"?>
 <p:sld xmlns:a="http://schemas.openxmlformats.org/drawingml/2006/main" xmlns:r="http://schemas.openxmlformats.org/officeDocument/2006/relationships" xmlns:mc="http://schemas.openxmlformats.org/markup-compatibility/2006" xmlns:mv="urn:schemas-microsoft-com:mac:vml" xmlns:p="http://schemas.openxmlformats.org/presentationml/2006/main" xmlns:c="http://schemas.openxmlformats.org/drawingml/2006/chart" xmlns:dgm="http://schemas.openxmlformats.org/drawingml/2006/diagram" xmlns:o="urn:schemas-microsoft-com:office:office" xmlns:v="urn:schemas-microsoft-com:vml" xmlns:pvml="urn:schemas-microsoft-com:office:powerpoint" xmlns:com="http://schemas.openxmlformats.org/drawingml/2006/compatibility" xmlns:p14="http://schemas.microsoft.com/office/powerpoint/2010/main" xmlns:p15="http://schemas.microsoft.com/office/powerpoint/2012/main">
   <p:cSld>
     <p:spTree>
       <p:nvGrpSpPr>
-        <p:cNvPr id="132" name="Shape 132"/>
+        <p:cNvPr id="139" name="Shape 139"/>
         <p:cNvGrpSpPr/>
         <p:nvPr/>
       </p:nvGrpSpPr>
@@ -8726,7 +9260,404 @@
       </p:grpSpPr>
       <p:sp>
         <p:nvSpPr>
-          <p:cNvPr id="133" name="Google Shape;133;p25"/>
+          <p:cNvPr id="140" name="Google Shape;140;p26"/>
+          <p:cNvSpPr txBox="1"/>
+          <p:nvPr>
+            <p:ph type="title"/>
+          </p:nvPr>
+        </p:nvSpPr>
+        <p:spPr>
+          <a:xfrm>
+            <a:off x="311700" y="445025"/>
+            <a:ext cx="8520600" cy="572700"/>
+          </a:xfrm>
+          <a:prstGeom prst="rect">
+            <a:avLst/>
+          </a:prstGeom>
+          <a:solidFill>
+            <a:srgbClr val="DFF816">
+              <a:alpha val="63830"/>
+            </a:srgbClr>
+          </a:solidFill>
+          <a:ln cap="flat" cmpd="sng" w="9525">
+            <a:solidFill>
+              <a:srgbClr val="666666"/>
+            </a:solidFill>
+            <a:prstDash val="solid"/>
+            <a:round/>
+            <a:headEnd len="sm" w="sm" type="none"/>
+            <a:tailEnd len="sm" w="sm" type="none"/>
+          </a:ln>
+        </p:spPr>
+        <p:txBody>
+          <a:bodyPr anchorCtr="0" anchor="t" bIns="91425" lIns="91425" spcFirstLastPara="1" rIns="91425" wrap="square" tIns="91425">
+            <a:noAutofit/>
+          </a:bodyPr>
+          <a:lstStyle/>
+          <a:p>
+            <a:pPr indent="0" lvl="0" marL="0" rtl="0" algn="ctr">
+              <a:spcBef>
+                <a:spcPts val="0"/>
+              </a:spcBef>
+              <a:spcAft>
+                <a:spcPts val="0"/>
+              </a:spcAft>
+              <a:buNone/>
+            </a:pPr>
+            <a:r>
+              <a:rPr i="1" lang="en" sz="2400">
+                <a:solidFill>
+                  <a:srgbClr val="434343"/>
+                </a:solidFill>
+                <a:latin typeface="Helvetica Neue"/>
+                <a:ea typeface="Helvetica Neue"/>
+                <a:cs typeface="Helvetica Neue"/>
+                <a:sym typeface="Helvetica Neue"/>
+              </a:rPr>
+              <a:t>Does traffic control lower the number of accidents?</a:t>
+            </a:r>
+            <a:endParaRPr i="1" sz="2400">
+              <a:solidFill>
+                <a:srgbClr val="434343"/>
+              </a:solidFill>
+              <a:latin typeface="Helvetica Neue"/>
+              <a:ea typeface="Helvetica Neue"/>
+              <a:cs typeface="Helvetica Neue"/>
+              <a:sym typeface="Helvetica Neue"/>
+            </a:endParaRPr>
+          </a:p>
+        </p:txBody>
+      </p:sp>
+      <p:pic>
+        <p:nvPicPr>
+          <p:cNvPr id="141" name="Google Shape;141;p26"/>
+          <p:cNvPicPr preferRelativeResize="0"/>
+          <p:nvPr/>
+        </p:nvPicPr>
+        <p:blipFill>
+          <a:blip r:embed="rId3">
+            <a:alphaModFix/>
+          </a:blip>
+          <a:stretch>
+            <a:fillRect/>
+          </a:stretch>
+        </p:blipFill>
+        <p:spPr>
+          <a:xfrm>
+            <a:off x="1082300" y="1164800"/>
+            <a:ext cx="6825824" cy="3872125"/>
+          </a:xfrm>
+          <a:prstGeom prst="rect">
+            <a:avLst/>
+          </a:prstGeom>
+          <a:noFill/>
+          <a:ln>
+            <a:noFill/>
+          </a:ln>
+        </p:spPr>
+      </p:pic>
+      <p:sp>
+        <p:nvSpPr>
+          <p:cNvPr id="142" name="Google Shape;142;p26"/>
+          <p:cNvSpPr txBox="1"/>
+          <p:nvPr/>
+        </p:nvSpPr>
+        <p:spPr>
+          <a:xfrm>
+            <a:off x="228975" y="1851325"/>
+            <a:ext cx="2797800" cy="1178100"/>
+          </a:xfrm>
+          <a:prstGeom prst="rect">
+            <a:avLst/>
+          </a:prstGeom>
+          <a:noFill/>
+          <a:ln>
+            <a:noFill/>
+          </a:ln>
+        </p:spPr>
+        <p:txBody>
+          <a:bodyPr anchorCtr="0" anchor="ctr" bIns="91425" lIns="91425" spcFirstLastPara="1" rIns="91425" wrap="square" tIns="91425">
+            <a:noAutofit/>
+          </a:bodyPr>
+          <a:lstStyle/>
+          <a:p>
+            <a:pPr indent="0" lvl="0" marL="0" rtl="0" algn="ctr">
+              <a:spcBef>
+                <a:spcPts val="0"/>
+              </a:spcBef>
+              <a:spcAft>
+                <a:spcPts val="0"/>
+              </a:spcAft>
+              <a:buNone/>
+            </a:pPr>
+            <a:r>
+              <a:t/>
+            </a:r>
+            <a:endParaRPr b="1">
+              <a:solidFill>
+                <a:srgbClr val="434343"/>
+              </a:solidFill>
+              <a:latin typeface="Helvetica Neue"/>
+              <a:ea typeface="Helvetica Neue"/>
+              <a:cs typeface="Helvetica Neue"/>
+              <a:sym typeface="Helvetica Neue"/>
+            </a:endParaRPr>
+          </a:p>
+        </p:txBody>
+      </p:sp>
+    </p:spTree>
+  </p:cSld>
+  <p:clrMapOvr>
+    <a:masterClrMapping/>
+  </p:clrMapOvr>
+</p:sld>
+</file>
+
+<file path=ppt/slides/slide15.xml><?xml version="1.0" encoding="utf-8"?>
+<p:sld xmlns:a="http://schemas.openxmlformats.org/drawingml/2006/main" xmlns:r="http://schemas.openxmlformats.org/officeDocument/2006/relationships" xmlns:mc="http://schemas.openxmlformats.org/markup-compatibility/2006" xmlns:mv="urn:schemas-microsoft-com:mac:vml" xmlns:p="http://schemas.openxmlformats.org/presentationml/2006/main" xmlns:c="http://schemas.openxmlformats.org/drawingml/2006/chart" xmlns:dgm="http://schemas.openxmlformats.org/drawingml/2006/diagram" xmlns:o="urn:schemas-microsoft-com:office:office" xmlns:v="urn:schemas-microsoft-com:vml" xmlns:pvml="urn:schemas-microsoft-com:office:powerpoint" xmlns:com="http://schemas.openxmlformats.org/drawingml/2006/compatibility" xmlns:p14="http://schemas.microsoft.com/office/powerpoint/2010/main" xmlns:p15="http://schemas.microsoft.com/office/powerpoint/2012/main">
+  <p:cSld>
+    <p:spTree>
+      <p:nvGrpSpPr>
+        <p:cNvPr id="146" name="Shape 146"/>
+        <p:cNvGrpSpPr/>
+        <p:nvPr/>
+      </p:nvGrpSpPr>
+      <p:grpSpPr>
+        <a:xfrm>
+          <a:off x="0" y="0"/>
+          <a:ext cx="0" cy="0"/>
+          <a:chOff x="0" y="0"/>
+          <a:chExt cx="0" cy="0"/>
+        </a:xfrm>
+      </p:grpSpPr>
+      <p:sp>
+        <p:nvSpPr>
+          <p:cNvPr id="147" name="Google Shape;147;p27"/>
+          <p:cNvSpPr txBox="1"/>
+          <p:nvPr>
+            <p:ph type="title"/>
+          </p:nvPr>
+        </p:nvSpPr>
+        <p:spPr>
+          <a:xfrm>
+            <a:off x="311700" y="445025"/>
+            <a:ext cx="8520600" cy="572700"/>
+          </a:xfrm>
+          <a:prstGeom prst="rect">
+            <a:avLst/>
+          </a:prstGeom>
+          <a:solidFill>
+            <a:srgbClr val="DFF816">
+              <a:alpha val="63830"/>
+            </a:srgbClr>
+          </a:solidFill>
+          <a:ln cap="flat" cmpd="sng" w="9525">
+            <a:solidFill>
+              <a:srgbClr val="666666"/>
+            </a:solidFill>
+            <a:prstDash val="solid"/>
+            <a:round/>
+            <a:headEnd len="sm" w="sm" type="none"/>
+            <a:tailEnd len="sm" w="sm" type="none"/>
+          </a:ln>
+        </p:spPr>
+        <p:txBody>
+          <a:bodyPr anchorCtr="0" anchor="t" bIns="91425" lIns="91425" spcFirstLastPara="1" rIns="91425" wrap="square" tIns="91425">
+            <a:noAutofit/>
+          </a:bodyPr>
+          <a:lstStyle/>
+          <a:p>
+            <a:pPr indent="0" lvl="0" marL="0" rtl="0" algn="ctr">
+              <a:spcBef>
+                <a:spcPts val="0"/>
+              </a:spcBef>
+              <a:spcAft>
+                <a:spcPts val="0"/>
+              </a:spcAft>
+              <a:buNone/>
+            </a:pPr>
+            <a:r>
+              <a:rPr i="1" lang="en" sz="2400">
+                <a:solidFill>
+                  <a:srgbClr val="434343"/>
+                </a:solidFill>
+                <a:latin typeface="Helvetica Neue"/>
+                <a:ea typeface="Helvetica Neue"/>
+                <a:cs typeface="Helvetica Neue"/>
+                <a:sym typeface="Helvetica Neue"/>
+              </a:rPr>
+              <a:t>Are there more fatal accidents at higher speeds</a:t>
+            </a:r>
+            <a:r>
+              <a:rPr i="1" lang="en" sz="2400">
+                <a:solidFill>
+                  <a:srgbClr val="434343"/>
+                </a:solidFill>
+                <a:latin typeface="Helvetica Neue"/>
+                <a:ea typeface="Helvetica Neue"/>
+                <a:cs typeface="Helvetica Neue"/>
+                <a:sym typeface="Helvetica Neue"/>
+              </a:rPr>
+              <a:t>?</a:t>
+            </a:r>
+            <a:endParaRPr i="1" sz="2400">
+              <a:solidFill>
+                <a:srgbClr val="434343"/>
+              </a:solidFill>
+              <a:latin typeface="Helvetica Neue"/>
+              <a:ea typeface="Helvetica Neue"/>
+              <a:cs typeface="Helvetica Neue"/>
+              <a:sym typeface="Helvetica Neue"/>
+            </a:endParaRPr>
+          </a:p>
+        </p:txBody>
+      </p:sp>
+      <p:pic>
+        <p:nvPicPr>
+          <p:cNvPr id="148" name="Google Shape;148;p27"/>
+          <p:cNvPicPr preferRelativeResize="0"/>
+          <p:nvPr/>
+        </p:nvPicPr>
+        <p:blipFill rotWithShape="1">
+          <a:blip r:embed="rId3">
+            <a:alphaModFix/>
+          </a:blip>
+          <a:srcRect b="7054" l="0" r="0" t="0"/>
+          <a:stretch/>
+        </p:blipFill>
+        <p:spPr>
+          <a:xfrm>
+            <a:off x="692700" y="1093925"/>
+            <a:ext cx="7518875" cy="3694625"/>
+          </a:xfrm>
+          <a:prstGeom prst="rect">
+            <a:avLst/>
+          </a:prstGeom>
+          <a:noFill/>
+          <a:ln>
+            <a:noFill/>
+          </a:ln>
+        </p:spPr>
+      </p:pic>
+      <p:sp>
+        <p:nvSpPr>
+          <p:cNvPr id="149" name="Google Shape;149;p27"/>
+          <p:cNvSpPr txBox="1"/>
+          <p:nvPr/>
+        </p:nvSpPr>
+        <p:spPr>
+          <a:xfrm>
+            <a:off x="6163000" y="1833375"/>
+            <a:ext cx="2797800" cy="1178100"/>
+          </a:xfrm>
+          <a:prstGeom prst="rect">
+            <a:avLst/>
+          </a:prstGeom>
+          <a:noFill/>
+          <a:ln>
+            <a:noFill/>
+          </a:ln>
+        </p:spPr>
+        <p:txBody>
+          <a:bodyPr anchorCtr="0" anchor="ctr" bIns="91425" lIns="91425" spcFirstLastPara="1" rIns="91425" wrap="square" tIns="91425">
+            <a:noAutofit/>
+          </a:bodyPr>
+          <a:lstStyle/>
+          <a:p>
+            <a:pPr indent="0" lvl="0" marL="0" rtl="0" algn="ctr">
+              <a:spcBef>
+                <a:spcPts val="0"/>
+              </a:spcBef>
+              <a:spcAft>
+                <a:spcPts val="0"/>
+              </a:spcAft>
+              <a:buNone/>
+            </a:pPr>
+            <a:r>
+              <a:t/>
+            </a:r>
+            <a:endParaRPr b="1">
+              <a:solidFill>
+                <a:srgbClr val="434343"/>
+              </a:solidFill>
+              <a:latin typeface="Helvetica Neue"/>
+              <a:ea typeface="Helvetica Neue"/>
+              <a:cs typeface="Helvetica Neue"/>
+              <a:sym typeface="Helvetica Neue"/>
+            </a:endParaRPr>
+          </a:p>
+        </p:txBody>
+      </p:sp>
+      <p:sp>
+        <p:nvSpPr>
+          <p:cNvPr id="150" name="Google Shape;150;p27"/>
+          <p:cNvSpPr txBox="1"/>
+          <p:nvPr/>
+        </p:nvSpPr>
+        <p:spPr>
+          <a:xfrm>
+            <a:off x="3523225" y="4810300"/>
+            <a:ext cx="3110700" cy="147000"/>
+          </a:xfrm>
+          <a:prstGeom prst="rect">
+            <a:avLst/>
+          </a:prstGeom>
+          <a:noFill/>
+          <a:ln>
+            <a:noFill/>
+          </a:ln>
+        </p:spPr>
+        <p:txBody>
+          <a:bodyPr anchorCtr="0" anchor="t" bIns="91425" lIns="91425" spcFirstLastPara="1" rIns="91425" wrap="square" tIns="91425">
+            <a:noAutofit/>
+          </a:bodyPr>
+          <a:lstStyle/>
+          <a:p>
+            <a:pPr indent="0" lvl="0" marL="0" rtl="0" algn="l">
+              <a:spcBef>
+                <a:spcPts val="0"/>
+              </a:spcBef>
+              <a:spcAft>
+                <a:spcPts val="0"/>
+              </a:spcAft>
+              <a:buNone/>
+            </a:pPr>
+            <a:r>
+              <a:rPr b="1" lang="en"/>
+              <a:t>Miles per Hour (mph)</a:t>
+            </a:r>
+            <a:endParaRPr b="1"/>
+          </a:p>
+        </p:txBody>
+      </p:sp>
+    </p:spTree>
+  </p:cSld>
+  <p:clrMapOvr>
+    <a:masterClrMapping/>
+  </p:clrMapOvr>
+</p:sld>
+</file>
+
+<file path=ppt/slides/slide16.xml><?xml version="1.0" encoding="utf-8"?>
+<p:sld xmlns:a="http://schemas.openxmlformats.org/drawingml/2006/main" xmlns:r="http://schemas.openxmlformats.org/officeDocument/2006/relationships" xmlns:mc="http://schemas.openxmlformats.org/markup-compatibility/2006" xmlns:mv="urn:schemas-microsoft-com:mac:vml" xmlns:p="http://schemas.openxmlformats.org/presentationml/2006/main" xmlns:c="http://schemas.openxmlformats.org/drawingml/2006/chart" xmlns:dgm="http://schemas.openxmlformats.org/drawingml/2006/diagram" xmlns:o="urn:schemas-microsoft-com:office:office" xmlns:v="urn:schemas-microsoft-com:vml" xmlns:pvml="urn:schemas-microsoft-com:office:powerpoint" xmlns:com="http://schemas.openxmlformats.org/drawingml/2006/compatibility" xmlns:p14="http://schemas.microsoft.com/office/powerpoint/2010/main" xmlns:p15="http://schemas.microsoft.com/office/powerpoint/2012/main">
+  <p:cSld>
+    <p:spTree>
+      <p:nvGrpSpPr>
+        <p:cNvPr id="154" name="Shape 154"/>
+        <p:cNvGrpSpPr/>
+        <p:nvPr/>
+      </p:nvGrpSpPr>
+      <p:grpSpPr>
+        <a:xfrm>
+          <a:off x="0" y="0"/>
+          <a:ext cx="0" cy="0"/>
+          <a:chOff x="0" y="0"/>
+          <a:chExt cx="0" cy="0"/>
+        </a:xfrm>
+      </p:grpSpPr>
+      <p:sp>
+        <p:nvSpPr>
+          <p:cNvPr id="155" name="Google Shape;155;p28"/>
           <p:cNvSpPr txBox="1"/>
           <p:nvPr>
             <p:ph type="title"/>
@@ -8778,7 +9709,7 @@
                 <a:cs typeface="Helvetica Neue"/>
                 <a:sym typeface="Helvetica Neue"/>
               </a:rPr>
-              <a:t>Are there more accidents during rush hour?</a:t>
+              <a:t>Are there more accidents in urban vs rural areas?</a:t>
             </a:r>
             <a:endParaRPr i="1" sz="2400">
               <a:solidFill>
@@ -8794,7 +9725,7 @@
       </p:sp>
       <p:sp>
         <p:nvSpPr>
-          <p:cNvPr id="134" name="Google Shape;134;p25"/>
+          <p:cNvPr id="156" name="Google Shape;156;p28"/>
           <p:cNvSpPr txBox="1"/>
           <p:nvPr>
             <p:ph idx="1" type="body"/>
@@ -8831,6 +9762,34 @@
           </a:p>
         </p:txBody>
       </p:sp>
+      <p:pic>
+        <p:nvPicPr>
+          <p:cNvPr id="157" name="Google Shape;157;p28"/>
+          <p:cNvPicPr preferRelativeResize="0"/>
+          <p:nvPr/>
+        </p:nvPicPr>
+        <p:blipFill>
+          <a:blip r:embed="rId3">
+            <a:alphaModFix/>
+          </a:blip>
+          <a:stretch>
+            <a:fillRect/>
+          </a:stretch>
+        </p:blipFill>
+        <p:spPr>
+          <a:xfrm>
+            <a:off x="155850" y="1234075"/>
+            <a:ext cx="8832300" cy="3699150"/>
+          </a:xfrm>
+          <a:prstGeom prst="rect">
+            <a:avLst/>
+          </a:prstGeom>
+          <a:noFill/>
+          <a:ln>
+            <a:noFill/>
+          </a:ln>
+        </p:spPr>
+      </p:pic>
     </p:spTree>
   </p:cSld>
   <p:clrMapOvr>
@@ -8839,12 +9798,12 @@
 </p:sld>
 </file>
 
-<file path=ppt/slides/slide14.xml><?xml version="1.0" encoding="utf-8"?>
+<file path=ppt/slides/slide17.xml><?xml version="1.0" encoding="utf-8"?>
 <p:sld xmlns:a="http://schemas.openxmlformats.org/drawingml/2006/main" xmlns:r="http://schemas.openxmlformats.org/officeDocument/2006/relationships" xmlns:mc="http://schemas.openxmlformats.org/markup-compatibility/2006" xmlns:mv="urn:schemas-microsoft-com:mac:vml" xmlns:p="http://schemas.openxmlformats.org/presentationml/2006/main" xmlns:c="http://schemas.openxmlformats.org/drawingml/2006/chart" xmlns:dgm="http://schemas.openxmlformats.org/drawingml/2006/diagram" xmlns:o="urn:schemas-microsoft-com:office:office" xmlns:v="urn:schemas-microsoft-com:vml" xmlns:pvml="urn:schemas-microsoft-com:office:powerpoint" xmlns:com="http://schemas.openxmlformats.org/drawingml/2006/compatibility" xmlns:p14="http://schemas.microsoft.com/office/powerpoint/2010/main" xmlns:p15="http://schemas.microsoft.com/office/powerpoint/2012/main">
   <p:cSld>
     <p:spTree>
       <p:nvGrpSpPr>
-        <p:cNvPr id="138" name="Shape 138"/>
+        <p:cNvPr id="161" name="Shape 161"/>
         <p:cNvGrpSpPr/>
         <p:nvPr/>
       </p:nvGrpSpPr>
@@ -8858,7 +9817,7 @@
       </p:grpSpPr>
       <p:sp>
         <p:nvSpPr>
-          <p:cNvPr id="139" name="Google Shape;139;p26"/>
+          <p:cNvPr id="162" name="Google Shape;162;p29"/>
           <p:cNvSpPr txBox="1"/>
           <p:nvPr>
             <p:ph type="title"/>
@@ -8872,18 +9831,6 @@
           <a:prstGeom prst="rect">
             <a:avLst/>
           </a:prstGeom>
-          <a:solidFill>
-            <a:srgbClr val="ADD8E6"/>
-          </a:solidFill>
-          <a:ln cap="flat" cmpd="sng" w="9525">
-            <a:solidFill>
-              <a:srgbClr val="666666"/>
-            </a:solidFill>
-            <a:prstDash val="solid"/>
-            <a:round/>
-            <a:headEnd len="sm" w="sm" type="none"/>
-            <a:tailEnd len="sm" w="sm" type="none"/>
-          </a:ln>
         </p:spPr>
         <p:txBody>
           <a:bodyPr anchorCtr="0" anchor="t" bIns="91425" lIns="91425" spcFirstLastPara="1" rIns="91425" wrap="square" tIns="91425">
@@ -8901,32 +9848,16 @@
               <a:buNone/>
             </a:pPr>
             <a:r>
-              <a:rPr i="1" lang="en" sz="2400">
-                <a:solidFill>
-                  <a:srgbClr val="434343"/>
-                </a:solidFill>
-                <a:latin typeface="Helvetica Neue"/>
-                <a:ea typeface="Helvetica Neue"/>
-                <a:cs typeface="Helvetica Neue"/>
-                <a:sym typeface="Helvetica Neue"/>
-              </a:rPr>
-              <a:t>Are weekdays more likely to have accidents?</a:t>
+              <a:rPr lang="en"/>
+              <a:t>Post Mortem/Challenges</a:t>
             </a:r>
-            <a:endParaRPr i="1" sz="2400">
-              <a:solidFill>
-                <a:srgbClr val="434343"/>
-              </a:solidFill>
-              <a:latin typeface="Helvetica Neue"/>
-              <a:ea typeface="Helvetica Neue"/>
-              <a:cs typeface="Helvetica Neue"/>
-              <a:sym typeface="Helvetica Neue"/>
-            </a:endParaRPr>
+            <a:endParaRPr/>
           </a:p>
         </p:txBody>
       </p:sp>
       <p:sp>
         <p:nvSpPr>
-          <p:cNvPr id="140" name="Google Shape;140;p26"/>
+          <p:cNvPr id="163" name="Google Shape;163;p29"/>
           <p:cNvSpPr txBox="1"/>
           <p:nvPr>
             <p:ph idx="1" type="body"/>
@@ -8947,297 +9878,25 @@
           </a:bodyPr>
           <a:lstStyle/>
           <a:p>
-            <a:pPr indent="0" lvl="0" marL="0" rtl="0" algn="l">
-              <a:spcBef>
-                <a:spcPts val="0"/>
-              </a:spcBef>
-              <a:spcAft>
-                <a:spcPts val="1600"/>
+            <a:pPr indent="0" lvl="0" marL="0" rtl="0" algn="ctr">
+              <a:spcBef>
+                <a:spcPts val="0"/>
+              </a:spcBef>
+              <a:spcAft>
+                <a:spcPts val="0"/>
               </a:spcAft>
               <a:buNone/>
             </a:pPr>
             <a:r>
-              <a:t/>
-            </a:r>
-            <a:endParaRPr/>
-          </a:p>
-        </p:txBody>
-      </p:sp>
-    </p:spTree>
-  </p:cSld>
-  <p:clrMapOvr>
-    <a:masterClrMapping/>
-  </p:clrMapOvr>
-</p:sld>
-</file>
-
-<file path=ppt/slides/slide15.xml><?xml version="1.0" encoding="utf-8"?>
-<p:sld xmlns:a="http://schemas.openxmlformats.org/drawingml/2006/main" xmlns:r="http://schemas.openxmlformats.org/officeDocument/2006/relationships" xmlns:mc="http://schemas.openxmlformats.org/markup-compatibility/2006" xmlns:mv="urn:schemas-microsoft-com:mac:vml" xmlns:p="http://schemas.openxmlformats.org/presentationml/2006/main" xmlns:c="http://schemas.openxmlformats.org/drawingml/2006/chart" xmlns:dgm="http://schemas.openxmlformats.org/drawingml/2006/diagram" xmlns:o="urn:schemas-microsoft-com:office:office" xmlns:v="urn:schemas-microsoft-com:vml" xmlns:pvml="urn:schemas-microsoft-com:office:powerpoint" xmlns:com="http://schemas.openxmlformats.org/drawingml/2006/compatibility" xmlns:p14="http://schemas.microsoft.com/office/powerpoint/2010/main" xmlns:p15="http://schemas.microsoft.com/office/powerpoint/2012/main">
-  <p:cSld>
-    <p:spTree>
-      <p:nvGrpSpPr>
-        <p:cNvPr id="144" name="Shape 144"/>
-        <p:cNvGrpSpPr/>
-        <p:nvPr/>
-      </p:nvGrpSpPr>
-      <p:grpSpPr>
-        <a:xfrm>
-          <a:off x="0" y="0"/>
-          <a:ext cx="0" cy="0"/>
-          <a:chOff x="0" y="0"/>
-          <a:chExt cx="0" cy="0"/>
-        </a:xfrm>
-      </p:grpSpPr>
-      <p:sp>
-        <p:nvSpPr>
-          <p:cNvPr id="145" name="Google Shape;145;p27"/>
-          <p:cNvSpPr txBox="1"/>
-          <p:nvPr>
-            <p:ph type="title"/>
-          </p:nvPr>
-        </p:nvSpPr>
-        <p:spPr>
-          <a:xfrm>
-            <a:off x="311700" y="445025"/>
-            <a:ext cx="8520600" cy="572700"/>
-          </a:xfrm>
-          <a:prstGeom prst="rect">
-            <a:avLst/>
-          </a:prstGeom>
-          <a:solidFill>
-            <a:srgbClr val="ADD8E6"/>
-          </a:solidFill>
-          <a:ln cap="flat" cmpd="sng" w="9525">
-            <a:solidFill>
-              <a:srgbClr val="666666"/>
-            </a:solidFill>
-            <a:prstDash val="solid"/>
-            <a:round/>
-            <a:headEnd len="sm" w="sm" type="none"/>
-            <a:tailEnd len="sm" w="sm" type="none"/>
-          </a:ln>
-        </p:spPr>
-        <p:txBody>
-          <a:bodyPr anchorCtr="0" anchor="t" bIns="91425" lIns="91425" spcFirstLastPara="1" rIns="91425" wrap="square" tIns="91425">
-            <a:noAutofit/>
-          </a:bodyPr>
-          <a:lstStyle/>
-          <a:p>
-            <a:pPr indent="0" lvl="0" marL="0" rtl="0" algn="ctr">
-              <a:spcBef>
-                <a:spcPts val="0"/>
-              </a:spcBef>
-              <a:spcAft>
-                <a:spcPts val="0"/>
-              </a:spcAft>
-              <a:buNone/>
-            </a:pPr>
-            <a:r>
-              <a:rPr i="1" lang="en" sz="2400">
-                <a:solidFill>
-                  <a:srgbClr val="434343"/>
-                </a:solidFill>
-                <a:latin typeface="Helvetica Neue"/>
-                <a:ea typeface="Helvetica Neue"/>
-                <a:cs typeface="Helvetica Neue"/>
-                <a:sym typeface="Helvetica Neue"/>
-              </a:rPr>
-              <a:t>Is there a greater number of accidents in Summer?</a:t>
-            </a:r>
-            <a:endParaRPr i="1" sz="2400">
-              <a:solidFill>
-                <a:srgbClr val="434343"/>
-              </a:solidFill>
-              <a:latin typeface="Helvetica Neue"/>
-              <a:ea typeface="Helvetica Neue"/>
-              <a:cs typeface="Helvetica Neue"/>
-              <a:sym typeface="Helvetica Neue"/>
-            </a:endParaRPr>
-          </a:p>
-        </p:txBody>
-      </p:sp>
-      <p:sp>
-        <p:nvSpPr>
-          <p:cNvPr id="146" name="Google Shape;146;p27"/>
-          <p:cNvSpPr txBox="1"/>
-          <p:nvPr>
-            <p:ph idx="1" type="body"/>
-          </p:nvPr>
-        </p:nvSpPr>
-        <p:spPr>
-          <a:xfrm>
-            <a:off x="311700" y="1234075"/>
-            <a:ext cx="8520600" cy="3334800"/>
-          </a:xfrm>
-          <a:prstGeom prst="rect">
-            <a:avLst/>
-          </a:prstGeom>
-        </p:spPr>
-        <p:txBody>
-          <a:bodyPr anchorCtr="0" anchor="t" bIns="91425" lIns="91425" spcFirstLastPara="1" rIns="91425" wrap="square" tIns="91425">
-            <a:noAutofit/>
-          </a:bodyPr>
-          <a:lstStyle/>
-          <a:p>
-            <a:pPr indent="0" lvl="0" marL="0" rtl="0" algn="l">
-              <a:spcBef>
-                <a:spcPts val="0"/>
-              </a:spcBef>
-              <a:spcAft>
-                <a:spcPts val="1600"/>
-              </a:spcAft>
-              <a:buNone/>
-            </a:pPr>
-            <a:r>
-              <a:t/>
-            </a:r>
-            <a:endParaRPr/>
-          </a:p>
-        </p:txBody>
-      </p:sp>
-    </p:spTree>
-  </p:cSld>
-  <p:clrMapOvr>
-    <a:masterClrMapping/>
-  </p:clrMapOvr>
-</p:sld>
-</file>
-
-<file path=ppt/slides/slide16.xml><?xml version="1.0" encoding="utf-8"?>
-<p:sld xmlns:a="http://schemas.openxmlformats.org/drawingml/2006/main" xmlns:r="http://schemas.openxmlformats.org/officeDocument/2006/relationships" xmlns:mc="http://schemas.openxmlformats.org/markup-compatibility/2006" xmlns:mv="urn:schemas-microsoft-com:mac:vml" xmlns:p="http://schemas.openxmlformats.org/presentationml/2006/main" xmlns:c="http://schemas.openxmlformats.org/drawingml/2006/chart" xmlns:dgm="http://schemas.openxmlformats.org/drawingml/2006/diagram" xmlns:o="urn:schemas-microsoft-com:office:office" xmlns:v="urn:schemas-microsoft-com:vml" xmlns:pvml="urn:schemas-microsoft-com:office:powerpoint" xmlns:com="http://schemas.openxmlformats.org/drawingml/2006/compatibility" xmlns:p14="http://schemas.microsoft.com/office/powerpoint/2010/main" xmlns:p15="http://schemas.microsoft.com/office/powerpoint/2012/main">
-  <p:cSld>
-    <p:spTree>
-      <p:nvGrpSpPr>
-        <p:cNvPr id="150" name="Shape 150"/>
-        <p:cNvGrpSpPr/>
-        <p:nvPr/>
-      </p:nvGrpSpPr>
-      <p:grpSpPr>
-        <a:xfrm>
-          <a:off x="0" y="0"/>
-          <a:ext cx="0" cy="0"/>
-          <a:chOff x="0" y="0"/>
-          <a:chExt cx="0" cy="0"/>
-        </a:xfrm>
-      </p:grpSpPr>
-      <p:sp>
-        <p:nvSpPr>
-          <p:cNvPr id="151" name="Google Shape;151;p28"/>
-          <p:cNvSpPr txBox="1"/>
-          <p:nvPr>
-            <p:ph type="title"/>
-          </p:nvPr>
-        </p:nvSpPr>
-        <p:spPr>
-          <a:xfrm>
-            <a:off x="254175" y="1678650"/>
-            <a:ext cx="4045200" cy="1786200"/>
-          </a:xfrm>
-          <a:prstGeom prst="rect">
-            <a:avLst/>
-          </a:prstGeom>
-          <a:solidFill>
-            <a:srgbClr val="DFF816">
-              <a:alpha val="63830"/>
-            </a:srgbClr>
-          </a:solidFill>
-          <a:ln cap="flat" cmpd="sng" w="28575">
-            <a:solidFill>
-              <a:srgbClr val="434343"/>
-            </a:solidFill>
-            <a:prstDash val="lgDashDot"/>
-            <a:round/>
-            <a:headEnd len="sm" w="sm" type="none"/>
-            <a:tailEnd len="sm" w="sm" type="none"/>
-          </a:ln>
-        </p:spPr>
-        <p:txBody>
-          <a:bodyPr anchorCtr="0" anchor="ctr" bIns="91425" lIns="91425" spcFirstLastPara="1" rIns="91425" wrap="square" tIns="91425">
-            <a:noAutofit/>
-          </a:bodyPr>
-          <a:lstStyle/>
-          <a:p>
-            <a:pPr indent="0" lvl="0" marL="0" rtl="0" algn="ctr">
-              <a:spcBef>
-                <a:spcPts val="0"/>
-              </a:spcBef>
-              <a:spcAft>
-                <a:spcPts val="0"/>
-              </a:spcAft>
-              <a:buNone/>
-            </a:pPr>
-            <a:r>
-              <a:rPr b="1" lang="en" sz="3000">
-                <a:solidFill>
-                  <a:srgbClr val="434343"/>
-                </a:solidFill>
+              <a:rPr lang="en">
                 <a:latin typeface="Lato"/>
                 <a:ea typeface="Lato"/>
                 <a:cs typeface="Lato"/>
                 <a:sym typeface="Lato"/>
               </a:rPr>
-              <a:t>Do road conditions play a role in likeliness of an accident?</a:t>
-            </a:r>
-            <a:endParaRPr b="1" sz="3000">
-              <a:solidFill>
-                <a:srgbClr val="434343"/>
-              </a:solidFill>
-              <a:latin typeface="Lato"/>
-              <a:ea typeface="Lato"/>
-              <a:cs typeface="Lato"/>
-              <a:sym typeface="Lato"/>
-            </a:endParaRPr>
-          </a:p>
-        </p:txBody>
-      </p:sp>
-      <p:sp>
-        <p:nvSpPr>
-          <p:cNvPr id="152" name="Google Shape;152;p28"/>
-          <p:cNvSpPr txBox="1"/>
-          <p:nvPr>
-            <p:ph idx="1" type="body"/>
-          </p:nvPr>
-        </p:nvSpPr>
-        <p:spPr>
-          <a:xfrm>
-            <a:off x="4939500" y="724200"/>
-            <a:ext cx="3837000" cy="3695100"/>
-          </a:xfrm>
-          <a:prstGeom prst="rect">
-            <a:avLst/>
-          </a:prstGeom>
-        </p:spPr>
-        <p:txBody>
-          <a:bodyPr anchorCtr="0" anchor="ctr" bIns="91425" lIns="91425" spcFirstLastPara="1" rIns="91425" wrap="square" tIns="91425">
-            <a:noAutofit/>
-          </a:bodyPr>
-          <a:lstStyle/>
-          <a:p>
-            <a:pPr indent="0" lvl="0" marL="0" rtl="0" algn="l">
-              <a:spcBef>
-                <a:spcPts val="0"/>
-              </a:spcBef>
-              <a:spcAft>
-                <a:spcPts val="0"/>
-              </a:spcAft>
-              <a:buNone/>
-            </a:pPr>
-            <a:r>
-              <a:rPr lang="en">
-                <a:solidFill>
-                  <a:schemeClr val="lt1"/>
-                </a:solidFill>
-                <a:latin typeface="Lato"/>
-                <a:ea typeface="Lato"/>
-                <a:cs typeface="Lato"/>
-                <a:sym typeface="Lato"/>
-              </a:rPr>
-              <a:t>What time of day?</a:t>
+              <a:t>Large data set of over 1.6 million accidents ~ CSV too large for Jupyter Notebook </a:t>
             </a:r>
             <a:endParaRPr>
-              <a:solidFill>
-                <a:schemeClr val="lt1"/>
-              </a:solidFill>
               <a:latin typeface="Lato"/>
               <a:ea typeface="Lato"/>
               <a:cs typeface="Lato"/>
@@ -9245,7 +9904,7 @@
             </a:endParaRPr>
           </a:p>
           <a:p>
-            <a:pPr indent="0" lvl="0" marL="0" rtl="0" algn="l">
+            <a:pPr indent="0" lvl="0" marL="0" rtl="0" algn="ctr">
               <a:spcBef>
                 <a:spcPts val="1600"/>
               </a:spcBef>
@@ -9256,20 +9915,14 @@
             </a:pPr>
             <a:r>
               <a:rPr lang="en">
-                <a:solidFill>
-                  <a:schemeClr val="lt1"/>
-                </a:solidFill>
                 <a:latin typeface="Lato"/>
                 <a:ea typeface="Lato"/>
                 <a:cs typeface="Lato"/>
                 <a:sym typeface="Lato"/>
               </a:rPr>
-              <a:t>What day of the week?</a:t>
+              <a:t>Large range of data ~ scaling y values vs. combining categories</a:t>
             </a:r>
             <a:endParaRPr>
-              <a:solidFill>
-                <a:schemeClr val="lt1"/>
-              </a:solidFill>
               <a:latin typeface="Lato"/>
               <a:ea typeface="Lato"/>
               <a:cs typeface="Lato"/>
@@ -9277,185 +9930,35 @@
             </a:endParaRPr>
           </a:p>
           <a:p>
-            <a:pPr indent="0" lvl="0" marL="0" rtl="0" algn="l">
+            <a:pPr indent="0" lvl="0" marL="0" rtl="0" algn="ctr">
               <a:spcBef>
                 <a:spcPts val="1600"/>
               </a:spcBef>
               <a:spcAft>
-                <a:spcPts val="1600"/>
+                <a:spcPts val="0"/>
               </a:spcAft>
               <a:buNone/>
             </a:pPr>
             <a:r>
               <a:rPr lang="en">
-                <a:solidFill>
-                  <a:schemeClr val="lt1"/>
-                </a:solidFill>
                 <a:latin typeface="Lato"/>
                 <a:ea typeface="Lato"/>
                 <a:cs typeface="Lato"/>
                 <a:sym typeface="Lato"/>
               </a:rPr>
-              <a:t>What month in the year?</a:t>
+              <a:t>Formatting and presenting clean visuals ~ what graphs capture the data best</a:t>
             </a:r>
             <a:endParaRPr>
-              <a:solidFill>
-                <a:schemeClr val="lt1"/>
-              </a:solidFill>
               <a:latin typeface="Lato"/>
               <a:ea typeface="Lato"/>
               <a:cs typeface="Lato"/>
               <a:sym typeface="Lato"/>
             </a:endParaRPr>
           </a:p>
-        </p:txBody>
-      </p:sp>
-    </p:spTree>
-  </p:cSld>
-  <p:clrMapOvr>
-    <a:masterClrMapping/>
-  </p:clrMapOvr>
-</p:sld>
-</file>
-
-<file path=ppt/slides/slide17.xml><?xml version="1.0" encoding="utf-8"?>
-<p:sld xmlns:a="http://schemas.openxmlformats.org/drawingml/2006/main" xmlns:r="http://schemas.openxmlformats.org/officeDocument/2006/relationships" xmlns:mc="http://schemas.openxmlformats.org/markup-compatibility/2006" xmlns:mv="urn:schemas-microsoft-com:mac:vml" xmlns:p="http://schemas.openxmlformats.org/presentationml/2006/main" xmlns:c="http://schemas.openxmlformats.org/drawingml/2006/chart" xmlns:dgm="http://schemas.openxmlformats.org/drawingml/2006/diagram" xmlns:o="urn:schemas-microsoft-com:office:office" xmlns:v="urn:schemas-microsoft-com:vml" xmlns:pvml="urn:schemas-microsoft-com:office:powerpoint" xmlns:com="http://schemas.openxmlformats.org/drawingml/2006/compatibility" xmlns:p14="http://schemas.microsoft.com/office/powerpoint/2010/main" xmlns:p15="http://schemas.microsoft.com/office/powerpoint/2012/main">
-  <p:cSld>
-    <p:spTree>
-      <p:nvGrpSpPr>
-        <p:cNvPr id="156" name="Shape 156"/>
-        <p:cNvGrpSpPr/>
-        <p:nvPr/>
-      </p:nvGrpSpPr>
-      <p:grpSpPr>
-        <a:xfrm>
-          <a:off x="0" y="0"/>
-          <a:ext cx="0" cy="0"/>
-          <a:chOff x="0" y="0"/>
-          <a:chExt cx="0" cy="0"/>
-        </a:xfrm>
-      </p:grpSpPr>
-      <p:sp>
-        <p:nvSpPr>
-          <p:cNvPr id="157" name="Google Shape;157;p29"/>
-          <p:cNvSpPr txBox="1"/>
-          <p:nvPr>
-            <p:ph type="title"/>
-          </p:nvPr>
-        </p:nvSpPr>
-        <p:spPr>
-          <a:xfrm>
-            <a:off x="311700" y="445025"/>
-            <a:ext cx="8520600" cy="572700"/>
-          </a:xfrm>
-          <a:prstGeom prst="rect">
-            <a:avLst/>
-          </a:prstGeom>
-          <a:ln cap="flat" cmpd="sng" w="9525">
-            <a:solidFill>
-              <a:srgbClr val="666666"/>
-            </a:solidFill>
-            <a:prstDash val="solid"/>
-            <a:round/>
-            <a:headEnd len="sm" w="sm" type="none"/>
-            <a:tailEnd len="sm" w="sm" type="none"/>
-          </a:ln>
-        </p:spPr>
-        <p:txBody>
-          <a:bodyPr anchorCtr="0" anchor="t" bIns="91425" lIns="91425" spcFirstLastPara="1" rIns="91425" wrap="square" tIns="91425">
-            <a:noAutofit/>
-          </a:bodyPr>
-          <a:lstStyle/>
           <a:p>
             <a:pPr indent="0" lvl="0" marL="0" rtl="0" algn="ctr">
               <a:spcBef>
-                <a:spcPts val="0"/>
-              </a:spcBef>
-              <a:spcAft>
-                <a:spcPts val="0"/>
-              </a:spcAft>
-              <a:buNone/>
-            </a:pPr>
-            <a:r>
-              <a:rPr i="1" lang="en" sz="2400">
-                <a:solidFill>
-                  <a:srgbClr val="434343"/>
-                </a:solidFill>
-                <a:latin typeface="Helvetica Neue"/>
-                <a:ea typeface="Helvetica Neue"/>
-                <a:cs typeface="Helvetica Neue"/>
-                <a:sym typeface="Helvetica Neue"/>
-              </a:rPr>
-              <a:t>Does traffic control lower the number of accidents?</a:t>
-            </a:r>
-            <a:endParaRPr i="1" sz="2400">
-              <a:solidFill>
-                <a:srgbClr val="434343"/>
-              </a:solidFill>
-              <a:latin typeface="Helvetica Neue"/>
-              <a:ea typeface="Helvetica Neue"/>
-              <a:cs typeface="Helvetica Neue"/>
-              <a:sym typeface="Helvetica Neue"/>
-            </a:endParaRPr>
-          </a:p>
-        </p:txBody>
-      </p:sp>
-      <p:pic>
-        <p:nvPicPr>
-          <p:cNvPr id="158" name="Google Shape;158;p29"/>
-          <p:cNvPicPr preferRelativeResize="0"/>
-          <p:nvPr/>
-        </p:nvPicPr>
-        <p:blipFill>
-          <a:blip r:embed="rId3">
-            <a:alphaModFix/>
-          </a:blip>
-          <a:stretch>
-            <a:fillRect/>
-          </a:stretch>
-        </p:blipFill>
-        <p:spPr>
-          <a:xfrm>
-            <a:off x="2970524" y="1428250"/>
-            <a:ext cx="5933252" cy="3365799"/>
-          </a:xfrm>
-          <a:prstGeom prst="rect">
-            <a:avLst/>
-          </a:prstGeom>
-          <a:noFill/>
-          <a:ln>
-            <a:noFill/>
-          </a:ln>
-        </p:spPr>
-      </p:pic>
-      <p:sp>
-        <p:nvSpPr>
-          <p:cNvPr id="159" name="Google Shape;159;p29"/>
-          <p:cNvSpPr txBox="1"/>
-          <p:nvPr/>
-        </p:nvSpPr>
-        <p:spPr>
-          <a:xfrm>
-            <a:off x="228975" y="1851325"/>
-            <a:ext cx="2797800" cy="1178100"/>
-          </a:xfrm>
-          <a:prstGeom prst="rect">
-            <a:avLst/>
-          </a:prstGeom>
-          <a:noFill/>
-          <a:ln>
-            <a:noFill/>
-          </a:ln>
-        </p:spPr>
-        <p:txBody>
-          <a:bodyPr anchorCtr="0" anchor="ctr" bIns="91425" lIns="91425" spcFirstLastPara="1" rIns="91425" wrap="square" tIns="91425">
-            <a:noAutofit/>
-          </a:bodyPr>
-          <a:lstStyle/>
-          <a:p>
-            <a:pPr indent="0" lvl="0" marL="0" rtl="0" algn="ctr">
-              <a:spcBef>
-                <a:spcPts val="0"/>
+                <a:spcPts val="1600"/>
               </a:spcBef>
               <a:spcAft>
                 <a:spcPts val="0"/>
@@ -9464,158 +9967,44 @@
             </a:pPr>
             <a:r>
               <a:rPr lang="en">
-                <a:solidFill>
-                  <a:srgbClr val="434343"/>
-                </a:solidFill>
-                <a:latin typeface="Helvetica Neue"/>
-                <a:ea typeface="Helvetica Neue"/>
-                <a:cs typeface="Helvetica Neue"/>
-                <a:sym typeface="Helvetica Neue"/>
+                <a:latin typeface="Lato"/>
+                <a:ea typeface="Lato"/>
+                <a:cs typeface="Lato"/>
+                <a:sym typeface="Lato"/>
               </a:rPr>
-              <a:t>Stop signs or a traffic control person </a:t>
-            </a:r>
-            <a:r>
-              <a:rPr lang="en">
-                <a:solidFill>
-                  <a:srgbClr val="434343"/>
-                </a:solidFill>
-                <a:latin typeface="Helvetica Neue"/>
-                <a:ea typeface="Helvetica Neue"/>
-                <a:cs typeface="Helvetica Neue"/>
-                <a:sym typeface="Helvetica Neue"/>
-              </a:rPr>
-              <a:t>were present for just</a:t>
+              <a:t>Weighting the heatmap by severity of accident ~ converting severity to integers</a:t>
             </a:r>
             <a:endParaRPr>
-              <a:solidFill>
-                <a:srgbClr val="434343"/>
-              </a:solidFill>
-              <a:latin typeface="Helvetica Neue"/>
-              <a:ea typeface="Helvetica Neue"/>
-              <a:cs typeface="Helvetica Neue"/>
-              <a:sym typeface="Helvetica Neue"/>
+              <a:latin typeface="Lato"/>
+              <a:ea typeface="Lato"/>
+              <a:cs typeface="Lato"/>
+              <a:sym typeface="Lato"/>
             </a:endParaRPr>
           </a:p>
           <a:p>
             <a:pPr indent="0" lvl="0" marL="0" rtl="0" algn="ctr">
               <a:spcBef>
-                <a:spcPts val="300"/>
-              </a:spcBef>
-              <a:spcAft>
-                <a:spcPts val="0"/>
-              </a:spcAft>
-              <a:buNone/>
-            </a:pPr>
-            <a:r>
-              <a:rPr b="1" lang="en">
-                <a:solidFill>
-                  <a:srgbClr val="434343"/>
-                </a:solidFill>
-                <a:latin typeface="Helvetica Neue"/>
-                <a:ea typeface="Helvetica Neue"/>
-                <a:cs typeface="Helvetica Neue"/>
-                <a:sym typeface="Helvetica Neue"/>
-              </a:rPr>
-              <a:t>0.39% of Fatal or Serious accidents</a:t>
-            </a:r>
-            <a:endParaRPr b="1">
-              <a:solidFill>
-                <a:srgbClr val="434343"/>
-              </a:solidFill>
-              <a:latin typeface="Helvetica Neue"/>
-              <a:ea typeface="Helvetica Neue"/>
-              <a:cs typeface="Helvetica Neue"/>
-              <a:sym typeface="Helvetica Neue"/>
-            </a:endParaRPr>
-          </a:p>
-        </p:txBody>
-      </p:sp>
-      <p:sp>
-        <p:nvSpPr>
-          <p:cNvPr id="160" name="Google Shape;160;p29"/>
-          <p:cNvSpPr txBox="1"/>
-          <p:nvPr/>
-        </p:nvSpPr>
-        <p:spPr>
-          <a:xfrm>
-            <a:off x="228975" y="3451525"/>
-            <a:ext cx="2797800" cy="1178100"/>
-          </a:xfrm>
-          <a:prstGeom prst="rect">
-            <a:avLst/>
-          </a:prstGeom>
-          <a:noFill/>
-          <a:ln>
-            <a:noFill/>
-          </a:ln>
-        </p:spPr>
-        <p:txBody>
-          <a:bodyPr anchorCtr="0" anchor="ctr" bIns="91425" lIns="91425" spcFirstLastPara="1" rIns="91425" wrap="square" tIns="91425">
-            <a:noAutofit/>
-          </a:bodyPr>
-          <a:lstStyle/>
-          <a:p>
-            <a:pPr indent="0" lvl="0" marL="0" rtl="0" algn="ctr">
-              <a:spcBef>
-                <a:spcPts val="0"/>
-              </a:spcBef>
-              <a:spcAft>
-                <a:spcPts val="0"/>
+                <a:spcPts val="1600"/>
+              </a:spcBef>
+              <a:spcAft>
+                <a:spcPts val="1600"/>
               </a:spcAft>
               <a:buNone/>
             </a:pPr>
             <a:r>
               <a:rPr lang="en">
-                <a:solidFill>
-                  <a:srgbClr val="434343"/>
-                </a:solidFill>
-                <a:latin typeface="Helvetica Neue"/>
-                <a:ea typeface="Helvetica Neue"/>
-                <a:cs typeface="Helvetica Neue"/>
-                <a:sym typeface="Helvetica Neue"/>
+                <a:latin typeface="Lato"/>
+                <a:ea typeface="Lato"/>
+                <a:cs typeface="Lato"/>
+                <a:sym typeface="Lato"/>
               </a:rPr>
-              <a:t>Stop signs or a traffic control person were present for just</a:t>
+              <a:t>Utilizing Date and Time values presented as Strings and not DateTime objects</a:t>
             </a:r>
             <a:endParaRPr>
-              <a:solidFill>
-                <a:srgbClr val="434343"/>
-              </a:solidFill>
-              <a:latin typeface="Helvetica Neue"/>
-              <a:ea typeface="Helvetica Neue"/>
-              <a:cs typeface="Helvetica Neue"/>
-              <a:sym typeface="Helvetica Neue"/>
-            </a:endParaRPr>
-          </a:p>
-          <a:p>
-            <a:pPr indent="0" lvl="0" marL="0" rtl="0" algn="ctr">
-              <a:spcBef>
-                <a:spcPts val="300"/>
-              </a:spcBef>
-              <a:spcAft>
-                <a:spcPts val="0"/>
-              </a:spcAft>
-              <a:buNone/>
-            </a:pPr>
-            <a:r>
-              <a:rPr b="1" lang="en">
-                <a:solidFill>
-                  <a:srgbClr val="434343"/>
-                </a:solidFill>
-                <a:latin typeface="Helvetica Neue"/>
-                <a:ea typeface="Helvetica Neue"/>
-                <a:cs typeface="Helvetica Neue"/>
-                <a:sym typeface="Helvetica Neue"/>
-              </a:rPr>
-              <a:t>0.39% of Fatal or Serious accidents</a:t>
-            </a:r>
-            <a:endParaRPr b="1">
-              <a:solidFill>
-                <a:srgbClr val="434343"/>
-              </a:solidFill>
-              <a:latin typeface="Helvetica Neue"/>
-              <a:ea typeface="Helvetica Neue"/>
-              <a:cs typeface="Helvetica Neue"/>
-              <a:sym typeface="Helvetica Neue"/>
+              <a:latin typeface="Lato"/>
+              <a:ea typeface="Lato"/>
+              <a:cs typeface="Lato"/>
+              <a:sym typeface="Lato"/>
             </a:endParaRPr>
           </a:p>
         </p:txBody>
@@ -9633,7 +10022,7 @@
   <p:cSld>
     <p:spTree>
       <p:nvGrpSpPr>
-        <p:cNvPr id="164" name="Shape 164"/>
+        <p:cNvPr id="167" name="Shape 167"/>
         <p:cNvGrpSpPr/>
         <p:nvPr/>
       </p:nvGrpSpPr>
@@ -9647,7 +10036,7 @@
       </p:grpSpPr>
       <p:sp>
         <p:nvSpPr>
-          <p:cNvPr id="165" name="Google Shape;165;p30"/>
+          <p:cNvPr id="168" name="Google Shape;168;p30"/>
           <p:cNvSpPr txBox="1"/>
           <p:nvPr>
             <p:ph type="title"/>
@@ -9655,119 +10044,12 @@
         </p:nvSpPr>
         <p:spPr>
           <a:xfrm>
-            <a:off x="311700" y="445025"/>
-            <a:ext cx="8520600" cy="572700"/>
+            <a:off x="490250" y="526350"/>
+            <a:ext cx="5618700" cy="4090800"/>
           </a:xfrm>
           <a:prstGeom prst="rect">
             <a:avLst/>
           </a:prstGeom>
-          <a:ln cap="flat" cmpd="sng" w="9525">
-            <a:solidFill>
-              <a:srgbClr val="666666"/>
-            </a:solidFill>
-            <a:prstDash val="solid"/>
-            <a:round/>
-            <a:headEnd len="sm" w="sm" type="none"/>
-            <a:tailEnd len="sm" w="sm" type="none"/>
-          </a:ln>
-        </p:spPr>
-        <p:txBody>
-          <a:bodyPr anchorCtr="0" anchor="t" bIns="91425" lIns="91425" spcFirstLastPara="1" rIns="91425" wrap="square" tIns="91425">
-            <a:noAutofit/>
-          </a:bodyPr>
-          <a:lstStyle/>
-          <a:p>
-            <a:pPr indent="0" lvl="0" marL="0" rtl="0" algn="ctr">
-              <a:spcBef>
-                <a:spcPts val="0"/>
-              </a:spcBef>
-              <a:spcAft>
-                <a:spcPts val="0"/>
-              </a:spcAft>
-              <a:buNone/>
-            </a:pPr>
-            <a:r>
-              <a:rPr i="1" lang="en" sz="2400">
-                <a:solidFill>
-                  <a:srgbClr val="434343"/>
-                </a:solidFill>
-                <a:latin typeface="Helvetica Neue"/>
-                <a:ea typeface="Helvetica Neue"/>
-                <a:cs typeface="Helvetica Neue"/>
-                <a:sym typeface="Helvetica Neue"/>
-              </a:rPr>
-              <a:t>Is rain associated with more accidents</a:t>
-            </a:r>
-            <a:r>
-              <a:rPr i="1" lang="en" sz="2400">
-                <a:solidFill>
-                  <a:srgbClr val="434343"/>
-                </a:solidFill>
-                <a:latin typeface="Helvetica Neue"/>
-                <a:ea typeface="Helvetica Neue"/>
-                <a:cs typeface="Helvetica Neue"/>
-                <a:sym typeface="Helvetica Neue"/>
-              </a:rPr>
-              <a:t>?</a:t>
-            </a:r>
-            <a:endParaRPr i="1" sz="2400">
-              <a:solidFill>
-                <a:srgbClr val="434343"/>
-              </a:solidFill>
-              <a:latin typeface="Helvetica Neue"/>
-              <a:ea typeface="Helvetica Neue"/>
-              <a:cs typeface="Helvetica Neue"/>
-              <a:sym typeface="Helvetica Neue"/>
-            </a:endParaRPr>
-          </a:p>
-        </p:txBody>
-      </p:sp>
-      <p:pic>
-        <p:nvPicPr>
-          <p:cNvPr id="166" name="Google Shape;166;p30"/>
-          <p:cNvPicPr preferRelativeResize="0"/>
-          <p:nvPr/>
-        </p:nvPicPr>
-        <p:blipFill>
-          <a:blip r:embed="rId3">
-            <a:alphaModFix/>
-          </a:blip>
-          <a:stretch>
-            <a:fillRect/>
-          </a:stretch>
-        </p:blipFill>
-        <p:spPr>
-          <a:xfrm>
-            <a:off x="164225" y="1509475"/>
-            <a:ext cx="5678526" cy="3197699"/>
-          </a:xfrm>
-          <a:prstGeom prst="rect">
-            <a:avLst/>
-          </a:prstGeom>
-          <a:noFill/>
-          <a:ln>
-            <a:noFill/>
-          </a:ln>
-        </p:spPr>
-      </p:pic>
-      <p:sp>
-        <p:nvSpPr>
-          <p:cNvPr id="167" name="Google Shape;167;p30"/>
-          <p:cNvSpPr txBox="1"/>
-          <p:nvPr/>
-        </p:nvSpPr>
-        <p:spPr>
-          <a:xfrm>
-            <a:off x="5981700" y="2116600"/>
-            <a:ext cx="2850600" cy="713100"/>
-          </a:xfrm>
-          <a:prstGeom prst="rect">
-            <a:avLst/>
-          </a:prstGeom>
-          <a:noFill/>
-          <a:ln>
-            <a:noFill/>
-          </a:ln>
         </p:spPr>
         <p:txBody>
           <a:bodyPr anchorCtr="0" anchor="ctr" bIns="91425" lIns="91425" spcFirstLastPara="1" rIns="91425" wrap="square" tIns="91425">
@@ -9775,7 +10057,7 @@
           </a:bodyPr>
           <a:lstStyle/>
           <a:p>
-            <a:pPr indent="0" lvl="0" marL="0" rtl="0" algn="ctr">
+            <a:pPr indent="0" lvl="0" marL="0" rtl="0" algn="l">
               <a:spcBef>
                 <a:spcPts val="0"/>
               </a:spcBef>
@@ -9785,405 +10067,10 @@
               <a:buNone/>
             </a:pPr>
             <a:r>
-              <a:rPr lang="en">
-                <a:solidFill>
-                  <a:srgbClr val="434343"/>
-                </a:solidFill>
-                <a:latin typeface="Helvetica Neue"/>
-                <a:ea typeface="Helvetica Neue"/>
-                <a:cs typeface="Helvetica Neue"/>
-                <a:sym typeface="Helvetica Neue"/>
-              </a:rPr>
-              <a:t>Dry weather alone accounts for</a:t>
+              <a:rPr lang="en"/>
+              <a:t>Thank you!</a:t>
             </a:r>
-            <a:endParaRPr>
-              <a:solidFill>
-                <a:srgbClr val="434343"/>
-              </a:solidFill>
-              <a:latin typeface="Helvetica Neue"/>
-              <a:ea typeface="Helvetica Neue"/>
-              <a:cs typeface="Helvetica Neue"/>
-              <a:sym typeface="Helvetica Neue"/>
-            </a:endParaRPr>
-          </a:p>
-          <a:p>
-            <a:pPr indent="0" lvl="0" marL="0" rtl="0" algn="ctr">
-              <a:spcBef>
-                <a:spcPts val="0"/>
-              </a:spcBef>
-              <a:spcAft>
-                <a:spcPts val="0"/>
-              </a:spcAft>
-              <a:buNone/>
-            </a:pPr>
-            <a:r>
-              <a:rPr b="1" lang="en">
-                <a:solidFill>
-                  <a:srgbClr val="434343"/>
-                </a:solidFill>
-                <a:latin typeface="Helvetica Neue"/>
-                <a:ea typeface="Helvetica Neue"/>
-                <a:cs typeface="Helvetica Neue"/>
-                <a:sym typeface="Helvetica Neue"/>
-              </a:rPr>
-              <a:t>80.2%</a:t>
-            </a:r>
-            <a:r>
-              <a:rPr b="1" lang="en">
-                <a:solidFill>
-                  <a:srgbClr val="434343"/>
-                </a:solidFill>
-                <a:latin typeface="Helvetica Neue"/>
-                <a:ea typeface="Helvetica Neue"/>
-                <a:cs typeface="Helvetica Neue"/>
-                <a:sym typeface="Helvetica Neue"/>
-              </a:rPr>
-              <a:t> of Serious or Fatal accidents</a:t>
-            </a:r>
-            <a:endParaRPr b="1">
-              <a:solidFill>
-                <a:srgbClr val="434343"/>
-              </a:solidFill>
-              <a:latin typeface="Helvetica Neue"/>
-              <a:ea typeface="Helvetica Neue"/>
-              <a:cs typeface="Helvetica Neue"/>
-              <a:sym typeface="Helvetica Neue"/>
-            </a:endParaRPr>
-          </a:p>
-        </p:txBody>
-      </p:sp>
-      <p:sp>
-        <p:nvSpPr>
-          <p:cNvPr id="168" name="Google Shape;168;p30"/>
-          <p:cNvSpPr txBox="1"/>
-          <p:nvPr/>
-        </p:nvSpPr>
-        <p:spPr>
-          <a:xfrm>
-            <a:off x="6049950" y="3175300"/>
-            <a:ext cx="2850600" cy="713100"/>
-          </a:xfrm>
-          <a:prstGeom prst="rect">
-            <a:avLst/>
-          </a:prstGeom>
-          <a:noFill/>
-          <a:ln>
-            <a:noFill/>
-          </a:ln>
-        </p:spPr>
-        <p:txBody>
-          <a:bodyPr anchorCtr="0" anchor="ctr" bIns="91425" lIns="91425" spcFirstLastPara="1" rIns="91425" wrap="square" tIns="91425">
-            <a:noAutofit/>
-          </a:bodyPr>
-          <a:lstStyle/>
-          <a:p>
-            <a:pPr indent="0" lvl="0" marL="0" rtl="0" algn="ctr">
-              <a:spcBef>
-                <a:spcPts val="0"/>
-              </a:spcBef>
-              <a:spcAft>
-                <a:spcPts val="0"/>
-              </a:spcAft>
-              <a:buNone/>
-            </a:pPr>
-            <a:r>
-              <a:rPr lang="en">
-                <a:solidFill>
-                  <a:srgbClr val="434343"/>
-                </a:solidFill>
-                <a:latin typeface="Helvetica Neue"/>
-                <a:ea typeface="Helvetica Neue"/>
-                <a:cs typeface="Helvetica Neue"/>
-                <a:sym typeface="Helvetica Neue"/>
-              </a:rPr>
-              <a:t>Damp or wet roads make up only</a:t>
-            </a:r>
-            <a:endParaRPr>
-              <a:solidFill>
-                <a:srgbClr val="434343"/>
-              </a:solidFill>
-              <a:latin typeface="Helvetica Neue"/>
-              <a:ea typeface="Helvetica Neue"/>
-              <a:cs typeface="Helvetica Neue"/>
-              <a:sym typeface="Helvetica Neue"/>
-            </a:endParaRPr>
-          </a:p>
-          <a:p>
-            <a:pPr indent="0" lvl="0" marL="0" rtl="0" algn="ctr">
-              <a:spcBef>
-                <a:spcPts val="0"/>
-              </a:spcBef>
-              <a:spcAft>
-                <a:spcPts val="0"/>
-              </a:spcAft>
-              <a:buNone/>
-            </a:pPr>
-            <a:r>
-              <a:rPr b="1" lang="en">
-                <a:solidFill>
-                  <a:srgbClr val="434343"/>
-                </a:solidFill>
-                <a:latin typeface="Helvetica Neue"/>
-                <a:ea typeface="Helvetica Neue"/>
-                <a:cs typeface="Helvetica Neue"/>
-                <a:sym typeface="Helvetica Neue"/>
-              </a:rPr>
-              <a:t>18</a:t>
-            </a:r>
-            <a:r>
-              <a:rPr b="1" lang="en">
-                <a:solidFill>
-                  <a:srgbClr val="434343"/>
-                </a:solidFill>
-                <a:latin typeface="Helvetica Neue"/>
-                <a:ea typeface="Helvetica Neue"/>
-                <a:cs typeface="Helvetica Neue"/>
-                <a:sym typeface="Helvetica Neue"/>
-              </a:rPr>
-              <a:t>.8% of Serious or Fatal accidents</a:t>
-            </a:r>
-            <a:endParaRPr b="1">
-              <a:solidFill>
-                <a:srgbClr val="434343"/>
-              </a:solidFill>
-              <a:latin typeface="Helvetica Neue"/>
-              <a:ea typeface="Helvetica Neue"/>
-              <a:cs typeface="Helvetica Neue"/>
-              <a:sym typeface="Helvetica Neue"/>
-            </a:endParaRPr>
-          </a:p>
-        </p:txBody>
-      </p:sp>
-    </p:spTree>
-  </p:cSld>
-  <p:clrMapOvr>
-    <a:masterClrMapping/>
-  </p:clrMapOvr>
-</p:sld>
-</file>
-
-<file path=ppt/slides/slide19.xml><?xml version="1.0" encoding="utf-8"?>
-<p:sld xmlns:a="http://schemas.openxmlformats.org/drawingml/2006/main" xmlns:r="http://schemas.openxmlformats.org/officeDocument/2006/relationships" xmlns:mc="http://schemas.openxmlformats.org/markup-compatibility/2006" xmlns:mv="urn:schemas-microsoft-com:mac:vml" xmlns:p="http://schemas.openxmlformats.org/presentationml/2006/main" xmlns:c="http://schemas.openxmlformats.org/drawingml/2006/chart" xmlns:dgm="http://schemas.openxmlformats.org/drawingml/2006/diagram" xmlns:o="urn:schemas-microsoft-com:office:office" xmlns:v="urn:schemas-microsoft-com:vml" xmlns:pvml="urn:schemas-microsoft-com:office:powerpoint" xmlns:com="http://schemas.openxmlformats.org/drawingml/2006/compatibility" xmlns:p14="http://schemas.microsoft.com/office/powerpoint/2010/main" xmlns:p15="http://schemas.microsoft.com/office/powerpoint/2012/main">
-  <p:cSld>
-    <p:spTree>
-      <p:nvGrpSpPr>
-        <p:cNvPr id="172" name="Shape 172"/>
-        <p:cNvGrpSpPr/>
-        <p:nvPr/>
-      </p:nvGrpSpPr>
-      <p:grpSpPr>
-        <a:xfrm>
-          <a:off x="0" y="0"/>
-          <a:ext cx="0" cy="0"/>
-          <a:chOff x="0" y="0"/>
-          <a:chExt cx="0" cy="0"/>
-        </a:xfrm>
-      </p:grpSpPr>
-      <p:sp>
-        <p:nvSpPr>
-          <p:cNvPr id="173" name="Google Shape;173;p31"/>
-          <p:cNvSpPr txBox="1"/>
-          <p:nvPr>
-            <p:ph type="title"/>
-          </p:nvPr>
-        </p:nvSpPr>
-        <p:spPr>
-          <a:xfrm>
-            <a:off x="344250" y="1403850"/>
-            <a:ext cx="8455500" cy="2146800"/>
-          </a:xfrm>
-          <a:prstGeom prst="rect">
-            <a:avLst/>
-          </a:prstGeom>
-          <a:solidFill>
-            <a:srgbClr val="EFEFEF"/>
-          </a:solidFill>
-          <a:ln cap="flat" cmpd="sng" w="28575">
-            <a:solidFill>
-              <a:srgbClr val="434343"/>
-            </a:solidFill>
-            <a:prstDash val="lgDashDot"/>
-            <a:round/>
-            <a:headEnd len="sm" w="sm" type="none"/>
-            <a:tailEnd len="sm" w="sm" type="none"/>
-          </a:ln>
-        </p:spPr>
-        <p:txBody>
-          <a:bodyPr anchorCtr="0" anchor="ctr" bIns="91425" lIns="91425" spcFirstLastPara="1" rIns="91425" wrap="square" tIns="91425">
-            <a:noAutofit/>
-          </a:bodyPr>
-          <a:lstStyle/>
-          <a:p>
-            <a:pPr indent="0" lvl="0" marL="0" rtl="0" algn="ctr">
-              <a:lnSpc>
-                <a:spcPct val="115000"/>
-              </a:lnSpc>
-              <a:spcBef>
-                <a:spcPts val="0"/>
-              </a:spcBef>
-              <a:spcAft>
-                <a:spcPts val="0"/>
-              </a:spcAft>
-              <a:buNone/>
-            </a:pPr>
-            <a:r>
-              <a:t/>
-            </a:r>
-            <a:endParaRPr b="0" sz="1900" u="sng">
-              <a:solidFill>
-                <a:srgbClr val="434343"/>
-              </a:solidFill>
-              <a:latin typeface="Montserrat Medium"/>
-              <a:ea typeface="Montserrat Medium"/>
-              <a:cs typeface="Montserrat Medium"/>
-              <a:sym typeface="Montserrat Medium"/>
-            </a:endParaRPr>
-          </a:p>
-          <a:p>
-            <a:pPr indent="0" lvl="0" marL="0" rtl="0" algn="ctr">
-              <a:lnSpc>
-                <a:spcPct val="115000"/>
-              </a:lnSpc>
-              <a:spcBef>
-                <a:spcPts val="0"/>
-              </a:spcBef>
-              <a:spcAft>
-                <a:spcPts val="0"/>
-              </a:spcAft>
-              <a:buClr>
-                <a:schemeClr val="dk2"/>
-              </a:buClr>
-              <a:buSzPts val="1100"/>
-              <a:buFont typeface="Arial"/>
-              <a:buNone/>
-            </a:pPr>
-            <a:r>
-              <a:rPr b="0" lang="en" sz="1900">
-                <a:solidFill>
-                  <a:srgbClr val="434343"/>
-                </a:solidFill>
-                <a:latin typeface="Montserrat Medium"/>
-                <a:ea typeface="Montserrat Medium"/>
-                <a:cs typeface="Montserrat Medium"/>
-                <a:sym typeface="Montserrat Medium"/>
-              </a:rPr>
-              <a:t>Yield</a:t>
-            </a:r>
-            <a:r>
-              <a:rPr b="0" lang="en" sz="1900">
-                <a:solidFill>
-                  <a:srgbClr val="434343"/>
-                </a:solidFill>
-                <a:latin typeface="Montserrat Medium"/>
-                <a:ea typeface="Montserrat Medium"/>
-                <a:cs typeface="Montserrat Medium"/>
-                <a:sym typeface="Montserrat Medium"/>
-              </a:rPr>
-              <a:t>/Uncontrolled is the most dangerous Traffic control method with the highest number of all levels of accidents.</a:t>
-            </a:r>
-            <a:endParaRPr b="0" sz="1900">
-              <a:solidFill>
-                <a:srgbClr val="434343"/>
-              </a:solidFill>
-              <a:latin typeface="Montserrat Medium"/>
-              <a:ea typeface="Montserrat Medium"/>
-              <a:cs typeface="Montserrat Medium"/>
-              <a:sym typeface="Montserrat Medium"/>
-            </a:endParaRPr>
-          </a:p>
-          <a:p>
-            <a:pPr indent="0" lvl="0" marL="0" rtl="0" algn="l">
-              <a:lnSpc>
-                <a:spcPct val="115000"/>
-              </a:lnSpc>
-              <a:spcBef>
-                <a:spcPts val="0"/>
-              </a:spcBef>
-              <a:spcAft>
-                <a:spcPts val="0"/>
-              </a:spcAft>
-              <a:buClr>
-                <a:schemeClr val="dk2"/>
-              </a:buClr>
-              <a:buSzPts val="1100"/>
-              <a:buFont typeface="Arial"/>
-              <a:buNone/>
-            </a:pPr>
-            <a:r>
-              <a:t/>
-            </a:r>
-            <a:endParaRPr b="0" sz="1900">
-              <a:solidFill>
-                <a:srgbClr val="434343"/>
-              </a:solidFill>
-              <a:latin typeface="Montserrat Medium"/>
-              <a:ea typeface="Montserrat Medium"/>
-              <a:cs typeface="Montserrat Medium"/>
-              <a:sym typeface="Montserrat Medium"/>
-            </a:endParaRPr>
-          </a:p>
-          <a:p>
-            <a:pPr indent="0" lvl="0" marL="0" rtl="0" algn="ctr">
-              <a:lnSpc>
-                <a:spcPct val="115000"/>
-              </a:lnSpc>
-              <a:spcBef>
-                <a:spcPts val="0"/>
-              </a:spcBef>
-              <a:spcAft>
-                <a:spcPts val="0"/>
-              </a:spcAft>
-              <a:buClr>
-                <a:schemeClr val="dk2"/>
-              </a:buClr>
-              <a:buSzPts val="1100"/>
-              <a:buFont typeface="Arial"/>
-              <a:buNone/>
-            </a:pPr>
-            <a:r>
-              <a:rPr b="0" lang="en" sz="1900">
-                <a:solidFill>
-                  <a:srgbClr val="434343"/>
-                </a:solidFill>
-                <a:latin typeface="Montserrat Medium"/>
-                <a:ea typeface="Montserrat Medium"/>
-                <a:cs typeface="Montserrat Medium"/>
-                <a:sym typeface="Montserrat Medium"/>
-              </a:rPr>
-              <a:t>Stop signs and a traffic control person are both highly effective at preventing fatal accidents (&lt;10) each over 5 years of data.</a:t>
-            </a:r>
-            <a:endParaRPr b="0" sz="1800">
-              <a:solidFill>
-                <a:srgbClr val="434343"/>
-              </a:solidFill>
-              <a:latin typeface="Montserrat Medium"/>
-              <a:ea typeface="Montserrat Medium"/>
-              <a:cs typeface="Montserrat Medium"/>
-              <a:sym typeface="Montserrat Medium"/>
-            </a:endParaRPr>
-          </a:p>
-          <a:p>
-            <a:pPr indent="0" lvl="0" marL="0" rtl="0" algn="ctr">
-              <a:spcBef>
-                <a:spcPts val="0"/>
-              </a:spcBef>
-              <a:spcAft>
-                <a:spcPts val="0"/>
-              </a:spcAft>
-              <a:buNone/>
-            </a:pPr>
-            <a:r>
-              <a:t/>
-            </a:r>
-            <a:endParaRPr b="0" sz="3000">
-              <a:solidFill>
-                <a:srgbClr val="434343"/>
-              </a:solidFill>
-              <a:latin typeface="Montserrat Medium"/>
-              <a:ea typeface="Montserrat Medium"/>
-              <a:cs typeface="Montserrat Medium"/>
-              <a:sym typeface="Montserrat Medium"/>
-            </a:endParaRPr>
+            <a:endParaRPr/>
           </a:p>
         </p:txBody>
       </p:sp>
@@ -10222,27 +10109,15 @@
         </p:nvSpPr>
         <p:spPr>
           <a:xfrm>
-            <a:off x="254175" y="1678650"/>
-            <a:ext cx="4045200" cy="1786200"/>
+            <a:off x="311700" y="445025"/>
+            <a:ext cx="8520600" cy="572700"/>
           </a:xfrm>
           <a:prstGeom prst="rect">
             <a:avLst/>
           </a:prstGeom>
-          <a:solidFill>
-            <a:srgbClr val="ADD8E6"/>
-          </a:solidFill>
-          <a:ln cap="flat" cmpd="sng" w="38100">
-            <a:solidFill>
-              <a:srgbClr val="434343"/>
-            </a:solidFill>
-            <a:prstDash val="lgDashDot"/>
-            <a:round/>
-            <a:headEnd len="sm" w="sm" type="none"/>
-            <a:tailEnd len="sm" w="sm" type="none"/>
-          </a:ln>
         </p:spPr>
         <p:txBody>
-          <a:bodyPr anchorCtr="0" anchor="ctr" bIns="91425" lIns="91425" spcFirstLastPara="1" rIns="91425" wrap="square" tIns="91425">
+          <a:bodyPr anchorCtr="0" anchor="t" bIns="91425" lIns="91425" spcFirstLastPara="1" rIns="91425" wrap="square" tIns="91425">
             <a:noAutofit/>
           </a:bodyPr>
           <a:lstStyle/>
@@ -10257,26 +10132,10 @@
               <a:buNone/>
             </a:pPr>
             <a:r>
-              <a:rPr b="1" lang="en" sz="3600">
-                <a:solidFill>
-                  <a:srgbClr val="434343"/>
-                </a:solidFill>
-                <a:latin typeface="Lato"/>
-                <a:ea typeface="Lato"/>
-                <a:cs typeface="Lato"/>
-                <a:sym typeface="Lato"/>
-              </a:rPr>
-              <a:t>When are accidents more likely to happen?</a:t>
+              <a:rPr lang="en"/>
+              <a:t>Method</a:t>
             </a:r>
-            <a:endParaRPr b="1" sz="3600">
-              <a:solidFill>
-                <a:srgbClr val="434343"/>
-              </a:solidFill>
-              <a:latin typeface="Lato"/>
-              <a:ea typeface="Lato"/>
-              <a:cs typeface="Lato"/>
-              <a:sym typeface="Lato"/>
-            </a:endParaRPr>
+            <a:endParaRPr/>
           </a:p>
         </p:txBody>
       </p:sp>
@@ -10290,15 +10149,15 @@
         </p:nvSpPr>
         <p:spPr>
           <a:xfrm>
-            <a:off x="4939500" y="724200"/>
-            <a:ext cx="3837000" cy="3695100"/>
+            <a:off x="311700" y="1234075"/>
+            <a:ext cx="8520600" cy="3334800"/>
           </a:xfrm>
           <a:prstGeom prst="rect">
             <a:avLst/>
           </a:prstGeom>
         </p:spPr>
         <p:txBody>
-          <a:bodyPr anchorCtr="0" anchor="ctr" bIns="91425" lIns="91425" spcFirstLastPara="1" rIns="91425" wrap="square" tIns="91425">
+          <a:bodyPr anchorCtr="0" anchor="t" bIns="91425" lIns="91425" spcFirstLastPara="1" rIns="91425" wrap="square" tIns="91425">
             <a:noAutofit/>
           </a:bodyPr>
           <a:lstStyle/>
@@ -10314,20 +10173,14 @@
             </a:pPr>
             <a:r>
               <a:rPr lang="en">
-                <a:solidFill>
-                  <a:schemeClr val="lt1"/>
-                </a:solidFill>
                 <a:latin typeface="Lato"/>
                 <a:ea typeface="Lato"/>
                 <a:cs typeface="Lato"/>
                 <a:sym typeface="Lato"/>
               </a:rPr>
-              <a:t>What time of day?</a:t>
+              <a:t>We took our data from Kaggle and decided that it would be interesting to investigate number of accidents and severity against other factors.</a:t>
             </a:r>
             <a:endParaRPr>
-              <a:solidFill>
-                <a:schemeClr val="lt1"/>
-              </a:solidFill>
               <a:latin typeface="Lato"/>
               <a:ea typeface="Lato"/>
               <a:cs typeface="Lato"/>
@@ -10346,20 +10199,14 @@
             </a:pPr>
             <a:r>
               <a:rPr lang="en">
-                <a:solidFill>
-                  <a:schemeClr val="lt1"/>
-                </a:solidFill>
                 <a:latin typeface="Lato"/>
                 <a:ea typeface="Lato"/>
                 <a:cs typeface="Lato"/>
                 <a:sym typeface="Lato"/>
               </a:rPr>
-              <a:t>What day of the week?</a:t>
+              <a:t>The data consisted of all UK accidents between 2005 and 2010.</a:t>
             </a:r>
             <a:endParaRPr>
-              <a:solidFill>
-                <a:schemeClr val="lt1"/>
-              </a:solidFill>
               <a:latin typeface="Lato"/>
               <a:ea typeface="Lato"/>
               <a:cs typeface="Lato"/>
@@ -10372,95 +10219,87 @@
                 <a:spcPts val="1600"/>
               </a:spcBef>
               <a:spcAft>
-                <a:spcPts val="1600"/>
+                <a:spcPts val="0"/>
               </a:spcAft>
               <a:buNone/>
             </a:pPr>
             <a:r>
               <a:rPr lang="en">
-                <a:solidFill>
-                  <a:schemeClr val="lt1"/>
-                </a:solidFill>
                 <a:latin typeface="Lato"/>
                 <a:ea typeface="Lato"/>
                 <a:cs typeface="Lato"/>
                 <a:sym typeface="Lato"/>
               </a:rPr>
-              <a:t>What month in the year?</a:t>
+              <a:t>Since our data set was too large for Jupyter, we limited our data by selecting the city of London only.</a:t>
             </a:r>
             <a:endParaRPr>
-              <a:solidFill>
-                <a:schemeClr val="lt1"/>
-              </a:solidFill>
               <a:latin typeface="Lato"/>
               <a:ea typeface="Lato"/>
               <a:cs typeface="Lato"/>
               <a:sym typeface="Lato"/>
             </a:endParaRPr>
           </a:p>
-        </p:txBody>
-      </p:sp>
-    </p:spTree>
-  </p:cSld>
-  <p:clrMapOvr>
-    <a:masterClrMapping/>
-  </p:clrMapOvr>
-</p:sld>
-</file>
-
-<file path=ppt/slides/slide20.xml><?xml version="1.0" encoding="utf-8"?>
-<p:sld xmlns:a="http://schemas.openxmlformats.org/drawingml/2006/main" xmlns:r="http://schemas.openxmlformats.org/officeDocument/2006/relationships" xmlns:mc="http://schemas.openxmlformats.org/markup-compatibility/2006" xmlns:mv="urn:schemas-microsoft-com:mac:vml" xmlns:p="http://schemas.openxmlformats.org/presentationml/2006/main" xmlns:c="http://schemas.openxmlformats.org/drawingml/2006/chart" xmlns:dgm="http://schemas.openxmlformats.org/drawingml/2006/diagram" xmlns:o="urn:schemas-microsoft-com:office:office" xmlns:v="urn:schemas-microsoft-com:vml" xmlns:pvml="urn:schemas-microsoft-com:office:powerpoint" xmlns:com="http://schemas.openxmlformats.org/drawingml/2006/compatibility" xmlns:p14="http://schemas.microsoft.com/office/powerpoint/2010/main" xmlns:p15="http://schemas.microsoft.com/office/powerpoint/2012/main">
-  <p:cSld>
-    <p:spTree>
-      <p:nvGrpSpPr>
-        <p:cNvPr id="177" name="Shape 177"/>
-        <p:cNvGrpSpPr/>
-        <p:nvPr/>
-      </p:nvGrpSpPr>
-      <p:grpSpPr>
-        <a:xfrm>
-          <a:off x="0" y="0"/>
-          <a:ext cx="0" cy="0"/>
-          <a:chOff x="0" y="0"/>
-          <a:chExt cx="0" cy="0"/>
-        </a:xfrm>
-      </p:grpSpPr>
-      <p:sp>
-        <p:nvSpPr>
-          <p:cNvPr id="178" name="Google Shape;178;p32"/>
-          <p:cNvSpPr txBox="1"/>
-          <p:nvPr>
-            <p:ph type="title"/>
-          </p:nvPr>
-        </p:nvSpPr>
-        <p:spPr>
-          <a:xfrm>
-            <a:off x="490250" y="526350"/>
-            <a:ext cx="5618700" cy="4090800"/>
-          </a:xfrm>
-          <a:prstGeom prst="rect">
-            <a:avLst/>
-          </a:prstGeom>
-        </p:spPr>
-        <p:txBody>
-          <a:bodyPr anchorCtr="0" anchor="ctr" bIns="91425" lIns="91425" spcFirstLastPara="1" rIns="91425" wrap="square" tIns="91425">
-            <a:noAutofit/>
-          </a:bodyPr>
-          <a:lstStyle/>
           <a:p>
             <a:pPr indent="0" lvl="0" marL="0" rtl="0" algn="l">
               <a:spcBef>
-                <a:spcPts val="0"/>
-              </a:spcBef>
-              <a:spcAft>
-                <a:spcPts val="0"/>
+                <a:spcPts val="1600"/>
+              </a:spcBef>
+              <a:spcAft>
+                <a:spcPts val="1600"/>
               </a:spcAft>
               <a:buNone/>
             </a:pPr>
             <a:r>
-              <a:t/>
+              <a:rPr lang="en">
+                <a:latin typeface="Lato"/>
+                <a:ea typeface="Lato"/>
+                <a:cs typeface="Lato"/>
+                <a:sym typeface="Lato"/>
+              </a:rPr>
+              <a:t>We then divided the data into </a:t>
             </a:r>
-            <a:endParaRPr/>
+            <a:r>
+              <a:rPr lang="en">
+                <a:latin typeface="Lato"/>
+                <a:ea typeface="Lato"/>
+                <a:cs typeface="Lato"/>
+                <a:sym typeface="Lato"/>
+              </a:rPr>
+              <a:t>categories</a:t>
+            </a:r>
+            <a:r>
+              <a:rPr lang="en">
+                <a:latin typeface="Lato"/>
+                <a:ea typeface="Lato"/>
+                <a:cs typeface="Lato"/>
+                <a:sym typeface="Lato"/>
+              </a:rPr>
+              <a:t> of time, </a:t>
+            </a:r>
+            <a:r>
+              <a:rPr lang="en">
+                <a:latin typeface="Lato"/>
+                <a:ea typeface="Lato"/>
+                <a:cs typeface="Lato"/>
+                <a:sym typeface="Lato"/>
+              </a:rPr>
+              <a:t>environmental conditions </a:t>
+            </a:r>
+            <a:r>
+              <a:rPr lang="en">
+                <a:latin typeface="Lato"/>
+                <a:ea typeface="Lato"/>
+                <a:cs typeface="Lato"/>
+                <a:sym typeface="Lato"/>
+              </a:rPr>
+              <a:t>and traffic control.</a:t>
+            </a:r>
+            <a:endParaRPr>
+              <a:latin typeface="Lato"/>
+              <a:ea typeface="Lato"/>
+              <a:cs typeface="Lato"/>
+              <a:sym typeface="Lato"/>
+            </a:endParaRPr>
           </a:p>
         </p:txBody>
       </p:sp>
@@ -10499,6 +10338,219 @@
         </p:nvSpPr>
         <p:spPr>
           <a:xfrm>
+            <a:off x="254175" y="1678650"/>
+            <a:ext cx="4045200" cy="1786200"/>
+          </a:xfrm>
+          <a:prstGeom prst="rect">
+            <a:avLst/>
+          </a:prstGeom>
+          <a:solidFill>
+            <a:srgbClr val="ADD8E6"/>
+          </a:solidFill>
+          <a:ln cap="flat" cmpd="sng" w="38100">
+            <a:solidFill>
+              <a:srgbClr val="434343"/>
+            </a:solidFill>
+            <a:prstDash val="lgDashDot"/>
+            <a:round/>
+            <a:headEnd len="sm" w="sm" type="none"/>
+            <a:tailEnd len="sm" w="sm" type="none"/>
+          </a:ln>
+        </p:spPr>
+        <p:txBody>
+          <a:bodyPr anchorCtr="0" anchor="ctr" bIns="91425" lIns="91425" spcFirstLastPara="1" rIns="91425" wrap="square" tIns="91425">
+            <a:noAutofit/>
+          </a:bodyPr>
+          <a:lstStyle/>
+          <a:p>
+            <a:pPr indent="0" lvl="0" marL="0" rtl="0" algn="ctr">
+              <a:spcBef>
+                <a:spcPts val="0"/>
+              </a:spcBef>
+              <a:spcAft>
+                <a:spcPts val="0"/>
+              </a:spcAft>
+              <a:buNone/>
+            </a:pPr>
+            <a:r>
+              <a:rPr b="1" lang="en" sz="3600">
+                <a:solidFill>
+                  <a:srgbClr val="434343"/>
+                </a:solidFill>
+                <a:latin typeface="Lato"/>
+                <a:ea typeface="Lato"/>
+                <a:cs typeface="Lato"/>
+                <a:sym typeface="Lato"/>
+              </a:rPr>
+              <a:t>When are accidents more likely to happen? </a:t>
+            </a:r>
+            <a:endParaRPr b="1" sz="3600">
+              <a:solidFill>
+                <a:srgbClr val="434343"/>
+              </a:solidFill>
+              <a:latin typeface="Lato"/>
+              <a:ea typeface="Lato"/>
+              <a:cs typeface="Lato"/>
+              <a:sym typeface="Lato"/>
+            </a:endParaRPr>
+          </a:p>
+        </p:txBody>
+      </p:sp>
+      <p:sp>
+        <p:nvSpPr>
+          <p:cNvPr id="70" name="Google Shape;70;p15"/>
+          <p:cNvSpPr txBox="1"/>
+          <p:nvPr>
+            <p:ph idx="1" type="body"/>
+          </p:nvPr>
+        </p:nvSpPr>
+        <p:spPr>
+          <a:xfrm>
+            <a:off x="4939500" y="724200"/>
+            <a:ext cx="3837000" cy="3695100"/>
+          </a:xfrm>
+          <a:prstGeom prst="rect">
+            <a:avLst/>
+          </a:prstGeom>
+        </p:spPr>
+        <p:txBody>
+          <a:bodyPr anchorCtr="0" anchor="ctr" bIns="91425" lIns="91425" spcFirstLastPara="1" rIns="91425" wrap="square" tIns="91425">
+            <a:noAutofit/>
+          </a:bodyPr>
+          <a:lstStyle/>
+          <a:p>
+            <a:pPr indent="0" lvl="0" marL="0" rtl="0" algn="l">
+              <a:spcBef>
+                <a:spcPts val="0"/>
+              </a:spcBef>
+              <a:spcAft>
+                <a:spcPts val="0"/>
+              </a:spcAft>
+              <a:buNone/>
+            </a:pPr>
+            <a:r>
+              <a:rPr lang="en">
+                <a:solidFill>
+                  <a:schemeClr val="lt1"/>
+                </a:solidFill>
+                <a:latin typeface="Lato"/>
+                <a:ea typeface="Lato"/>
+                <a:cs typeface="Lato"/>
+                <a:sym typeface="Lato"/>
+              </a:rPr>
+              <a:t>What time of day?</a:t>
+            </a:r>
+            <a:endParaRPr>
+              <a:solidFill>
+                <a:schemeClr val="lt1"/>
+              </a:solidFill>
+              <a:latin typeface="Lato"/>
+              <a:ea typeface="Lato"/>
+              <a:cs typeface="Lato"/>
+              <a:sym typeface="Lato"/>
+            </a:endParaRPr>
+          </a:p>
+          <a:p>
+            <a:pPr indent="0" lvl="0" marL="0" rtl="0" algn="l">
+              <a:spcBef>
+                <a:spcPts val="1600"/>
+              </a:spcBef>
+              <a:spcAft>
+                <a:spcPts val="0"/>
+              </a:spcAft>
+              <a:buNone/>
+            </a:pPr>
+            <a:r>
+              <a:rPr lang="en">
+                <a:solidFill>
+                  <a:schemeClr val="lt1"/>
+                </a:solidFill>
+                <a:latin typeface="Lato"/>
+                <a:ea typeface="Lato"/>
+                <a:cs typeface="Lato"/>
+                <a:sym typeface="Lato"/>
+              </a:rPr>
+              <a:t>What day of the week?</a:t>
+            </a:r>
+            <a:endParaRPr>
+              <a:solidFill>
+                <a:schemeClr val="lt1"/>
+              </a:solidFill>
+              <a:latin typeface="Lato"/>
+              <a:ea typeface="Lato"/>
+              <a:cs typeface="Lato"/>
+              <a:sym typeface="Lato"/>
+            </a:endParaRPr>
+          </a:p>
+          <a:p>
+            <a:pPr indent="0" lvl="0" marL="0" rtl="0" algn="l">
+              <a:spcBef>
+                <a:spcPts val="1600"/>
+              </a:spcBef>
+              <a:spcAft>
+                <a:spcPts val="1600"/>
+              </a:spcAft>
+              <a:buNone/>
+            </a:pPr>
+            <a:r>
+              <a:rPr lang="en">
+                <a:solidFill>
+                  <a:schemeClr val="lt1"/>
+                </a:solidFill>
+                <a:latin typeface="Lato"/>
+                <a:ea typeface="Lato"/>
+                <a:cs typeface="Lato"/>
+                <a:sym typeface="Lato"/>
+              </a:rPr>
+              <a:t>What month in the year?</a:t>
+            </a:r>
+            <a:endParaRPr>
+              <a:solidFill>
+                <a:schemeClr val="lt1"/>
+              </a:solidFill>
+              <a:latin typeface="Lato"/>
+              <a:ea typeface="Lato"/>
+              <a:cs typeface="Lato"/>
+              <a:sym typeface="Lato"/>
+            </a:endParaRPr>
+          </a:p>
+        </p:txBody>
+      </p:sp>
+    </p:spTree>
+  </p:cSld>
+  <p:clrMapOvr>
+    <a:masterClrMapping/>
+  </p:clrMapOvr>
+</p:sld>
+</file>
+
+<file path=ppt/slides/slide4.xml><?xml version="1.0" encoding="utf-8"?>
+<p:sld xmlns:a="http://schemas.openxmlformats.org/drawingml/2006/main" xmlns:r="http://schemas.openxmlformats.org/officeDocument/2006/relationships" xmlns:mc="http://schemas.openxmlformats.org/markup-compatibility/2006" xmlns:mv="urn:schemas-microsoft-com:mac:vml" xmlns:p="http://schemas.openxmlformats.org/presentationml/2006/main" xmlns:c="http://schemas.openxmlformats.org/drawingml/2006/chart" xmlns:dgm="http://schemas.openxmlformats.org/drawingml/2006/diagram" xmlns:o="urn:schemas-microsoft-com:office:office" xmlns:v="urn:schemas-microsoft-com:vml" xmlns:pvml="urn:schemas-microsoft-com:office:powerpoint" xmlns:com="http://schemas.openxmlformats.org/drawingml/2006/compatibility" xmlns:p14="http://schemas.microsoft.com/office/powerpoint/2010/main" xmlns:p15="http://schemas.microsoft.com/office/powerpoint/2012/main">
+  <p:cSld>
+    <p:spTree>
+      <p:nvGrpSpPr>
+        <p:cNvPr id="74" name="Shape 74"/>
+        <p:cNvGrpSpPr/>
+        <p:nvPr/>
+      </p:nvGrpSpPr>
+      <p:grpSpPr>
+        <a:xfrm>
+          <a:off x="0" y="0"/>
+          <a:ext cx="0" cy="0"/>
+          <a:chOff x="0" y="0"/>
+          <a:chExt cx="0" cy="0"/>
+        </a:xfrm>
+      </p:grpSpPr>
+      <p:sp>
+        <p:nvSpPr>
+          <p:cNvPr id="75" name="Google Shape;75;p16"/>
+          <p:cNvSpPr txBox="1"/>
+          <p:nvPr>
+            <p:ph type="title"/>
+          </p:nvPr>
+        </p:nvSpPr>
+        <p:spPr>
+          <a:xfrm>
             <a:off x="311700" y="445025"/>
             <a:ext cx="8520600" cy="572700"/>
           </a:xfrm>
@@ -10506,7 +10558,9 @@
             <a:avLst/>
           </a:prstGeom>
           <a:solidFill>
-            <a:srgbClr val="ADD8E6"/>
+            <a:srgbClr val="DFF816">
+              <a:alpha val="63830"/>
+            </a:srgbClr>
           </a:solidFill>
           <a:ln cap="flat" cmpd="sng" w="9525">
             <a:solidFill>
@@ -10559,7 +10613,7 @@
       </p:sp>
       <p:sp>
         <p:nvSpPr>
-          <p:cNvPr id="70" name="Google Shape;70;p15"/>
+          <p:cNvPr id="76" name="Google Shape;76;p16"/>
           <p:cNvSpPr txBox="1"/>
           <p:nvPr/>
         </p:nvSpPr>
@@ -10649,7 +10703,7 @@
       </p:sp>
       <p:sp>
         <p:nvSpPr>
-          <p:cNvPr id="71" name="Google Shape;71;p15"/>
+          <p:cNvPr id="77" name="Google Shape;77;p16"/>
           <p:cNvSpPr txBox="1"/>
           <p:nvPr/>
         </p:nvSpPr>
@@ -10741,22 +10795,21 @@
       </p:sp>
       <p:pic>
         <p:nvPicPr>
-          <p:cNvPr id="72" name="Google Shape;72;p15"/>
+          <p:cNvPr id="78" name="Google Shape;78;p16"/>
           <p:cNvPicPr preferRelativeResize="0"/>
           <p:nvPr/>
         </p:nvPicPr>
-        <p:blipFill>
+        <p:blipFill rotWithShape="1">
           <a:blip r:embed="rId3">
             <a:alphaModFix/>
           </a:blip>
-          <a:stretch>
-            <a:fillRect/>
-          </a:stretch>
+          <a:srcRect b="0" l="0" r="0" t="50000"/>
+          <a:stretch/>
         </p:blipFill>
         <p:spPr>
           <a:xfrm>
-            <a:off x="581988" y="2085700"/>
-            <a:ext cx="7980037" cy="2842276"/>
+            <a:off x="366325" y="1868350"/>
+            <a:ext cx="8291900" cy="3039425"/>
           </a:xfrm>
           <a:prstGeom prst="rect">
             <a:avLst/>
@@ -10775,12 +10828,12 @@
 </p:sld>
 </file>
 
-<file path=ppt/slides/slide4.xml><?xml version="1.0" encoding="utf-8"?>
+<file path=ppt/slides/slide5.xml><?xml version="1.0" encoding="utf-8"?>
 <p:sld xmlns:a="http://schemas.openxmlformats.org/drawingml/2006/main" xmlns:r="http://schemas.openxmlformats.org/officeDocument/2006/relationships" xmlns:mc="http://schemas.openxmlformats.org/markup-compatibility/2006" xmlns:mv="urn:schemas-microsoft-com:mac:vml" xmlns:p="http://schemas.openxmlformats.org/presentationml/2006/main" xmlns:c="http://schemas.openxmlformats.org/drawingml/2006/chart" xmlns:dgm="http://schemas.openxmlformats.org/drawingml/2006/diagram" xmlns:o="urn:schemas-microsoft-com:office:office" xmlns:v="urn:schemas-microsoft-com:vml" xmlns:pvml="urn:schemas-microsoft-com:office:powerpoint" xmlns:com="http://schemas.openxmlformats.org/drawingml/2006/compatibility" xmlns:p14="http://schemas.microsoft.com/office/powerpoint/2010/main" xmlns:p15="http://schemas.microsoft.com/office/powerpoint/2012/main">
   <p:cSld>
     <p:spTree>
       <p:nvGrpSpPr>
-        <p:cNvPr id="76" name="Shape 76"/>
+        <p:cNvPr id="82" name="Shape 82"/>
         <p:cNvGrpSpPr/>
         <p:nvPr/>
       </p:nvGrpSpPr>
@@ -10794,7 +10847,7 @@
       </p:grpSpPr>
       <p:sp>
         <p:nvSpPr>
-          <p:cNvPr id="77" name="Google Shape;77;p16"/>
+          <p:cNvPr id="83" name="Google Shape;83;p17"/>
           <p:cNvSpPr txBox="1"/>
           <p:nvPr>
             <p:ph type="title"/>
@@ -10809,7 +10862,9 @@
             <a:avLst/>
           </a:prstGeom>
           <a:solidFill>
-            <a:srgbClr val="ADD8E6"/>
+            <a:srgbClr val="DFF816">
+              <a:alpha val="63830"/>
+            </a:srgbClr>
           </a:solidFill>
           <a:ln cap="flat" cmpd="sng" w="9525">
             <a:solidFill>
@@ -10862,7 +10917,7 @@
       </p:sp>
       <p:sp>
         <p:nvSpPr>
-          <p:cNvPr id="78" name="Google Shape;78;p16"/>
+          <p:cNvPr id="84" name="Google Shape;84;p17"/>
           <p:cNvSpPr txBox="1"/>
           <p:nvPr/>
         </p:nvSpPr>
@@ -10908,7 +10963,7 @@
       </p:sp>
       <p:sp>
         <p:nvSpPr>
-          <p:cNvPr id="79" name="Google Shape;79;p16"/>
+          <p:cNvPr id="85" name="Google Shape;85;p17"/>
           <p:cNvSpPr txBox="1"/>
           <p:nvPr/>
         </p:nvSpPr>
@@ -10952,43 +11007,15 @@
           </a:p>
         </p:txBody>
       </p:sp>
-      <p:pic>
-        <p:nvPicPr>
-          <p:cNvPr id="80" name="Google Shape;80;p16"/>
-          <p:cNvPicPr preferRelativeResize="0"/>
-          <p:nvPr/>
-        </p:nvPicPr>
-        <p:blipFill>
-          <a:blip r:embed="rId3">
-            <a:alphaModFix/>
-          </a:blip>
-          <a:stretch>
-            <a:fillRect/>
-          </a:stretch>
-        </p:blipFill>
-        <p:spPr>
-          <a:xfrm>
-            <a:off x="180287" y="1905674"/>
-            <a:ext cx="8631026" cy="3127500"/>
-          </a:xfrm>
-          <a:prstGeom prst="rect">
-            <a:avLst/>
-          </a:prstGeom>
-          <a:noFill/>
-          <a:ln>
-            <a:noFill/>
-          </a:ln>
-        </p:spPr>
-      </p:pic>
       <p:sp>
         <p:nvSpPr>
-          <p:cNvPr id="81" name="Google Shape;81;p16"/>
+          <p:cNvPr id="86" name="Google Shape;86;p17"/>
           <p:cNvSpPr txBox="1"/>
           <p:nvPr/>
         </p:nvSpPr>
         <p:spPr>
           <a:xfrm>
-            <a:off x="2928600" y="1283325"/>
+            <a:off x="2928600" y="1130925"/>
             <a:ext cx="3134400" cy="713100"/>
           </a:xfrm>
           <a:prstGeom prst="rect">
@@ -11082,138 +11109,33 @@
           </a:p>
         </p:txBody>
       </p:sp>
-    </p:spTree>
-  </p:cSld>
-  <p:clrMapOvr>
-    <a:masterClrMapping/>
-  </p:clrMapOvr>
-</p:sld>
-</file>
-
-<file path=ppt/slides/slide5.xml><?xml version="1.0" encoding="utf-8"?>
-<p:sld xmlns:a="http://schemas.openxmlformats.org/drawingml/2006/main" xmlns:r="http://schemas.openxmlformats.org/officeDocument/2006/relationships" xmlns:mc="http://schemas.openxmlformats.org/markup-compatibility/2006" xmlns:mv="urn:schemas-microsoft-com:mac:vml" xmlns:p="http://schemas.openxmlformats.org/presentationml/2006/main" xmlns:c="http://schemas.openxmlformats.org/drawingml/2006/chart" xmlns:dgm="http://schemas.openxmlformats.org/drawingml/2006/diagram" xmlns:o="urn:schemas-microsoft-com:office:office" xmlns:v="urn:schemas-microsoft-com:vml" xmlns:pvml="urn:schemas-microsoft-com:office:powerpoint" xmlns:com="http://schemas.openxmlformats.org/drawingml/2006/compatibility" xmlns:p14="http://schemas.microsoft.com/office/powerpoint/2010/main" xmlns:p15="http://schemas.microsoft.com/office/powerpoint/2012/main">
-  <p:cSld>
-    <p:spTree>
-      <p:nvGrpSpPr>
-        <p:cNvPr id="85" name="Shape 85"/>
-        <p:cNvGrpSpPr/>
-        <p:nvPr/>
-      </p:nvGrpSpPr>
-      <p:grpSpPr>
-        <a:xfrm>
-          <a:off x="0" y="0"/>
-          <a:ext cx="0" cy="0"/>
-          <a:chOff x="0" y="0"/>
-          <a:chExt cx="0" cy="0"/>
-        </a:xfrm>
-      </p:grpSpPr>
-      <p:sp>
-        <p:nvSpPr>
-          <p:cNvPr id="86" name="Google Shape;86;p17"/>
-          <p:cNvSpPr txBox="1"/>
-          <p:nvPr>
-            <p:ph type="title"/>
-          </p:nvPr>
-        </p:nvSpPr>
+      <p:pic>
+        <p:nvPicPr>
+          <p:cNvPr id="87" name="Google Shape;87;p17"/>
+          <p:cNvPicPr preferRelativeResize="0"/>
+          <p:nvPr/>
+        </p:nvPicPr>
+        <p:blipFill rotWithShape="1">
+          <a:blip r:embed="rId3">
+            <a:alphaModFix/>
+          </a:blip>
+          <a:srcRect b="49351" l="0" r="0" t="0"/>
+          <a:stretch/>
+        </p:blipFill>
         <p:spPr>
           <a:xfrm>
-            <a:off x="311700" y="445025"/>
-            <a:ext cx="8520600" cy="572700"/>
+            <a:off x="311700" y="1928189"/>
+            <a:ext cx="8258399" cy="3066399"/>
           </a:xfrm>
           <a:prstGeom prst="rect">
             <a:avLst/>
           </a:prstGeom>
-          <a:solidFill>
-            <a:srgbClr val="ADD8E6"/>
-          </a:solidFill>
-          <a:ln cap="flat" cmpd="sng" w="9525">
-            <a:solidFill>
-              <a:srgbClr val="666666"/>
-            </a:solidFill>
-            <a:prstDash val="solid"/>
-            <a:round/>
-            <a:headEnd len="sm" w="sm" type="none"/>
-            <a:tailEnd len="sm" w="sm" type="none"/>
+          <a:noFill/>
+          <a:ln>
+            <a:noFill/>
           </a:ln>
         </p:spPr>
-        <p:txBody>
-          <a:bodyPr anchorCtr="0" anchor="t" bIns="91425" lIns="91425" spcFirstLastPara="1" rIns="91425" wrap="square" tIns="91425">
-            <a:noAutofit/>
-          </a:bodyPr>
-          <a:lstStyle/>
-          <a:p>
-            <a:pPr indent="0" lvl="0" marL="0" rtl="0" algn="ctr">
-              <a:spcBef>
-                <a:spcPts val="0"/>
-              </a:spcBef>
-              <a:spcAft>
-                <a:spcPts val="0"/>
-              </a:spcAft>
-              <a:buNone/>
-            </a:pPr>
-            <a:r>
-              <a:rPr i="1" lang="en" sz="2400">
-                <a:solidFill>
-                  <a:srgbClr val="434343"/>
-                </a:solidFill>
-                <a:latin typeface="Helvetica Neue"/>
-                <a:ea typeface="Helvetica Neue"/>
-                <a:cs typeface="Helvetica Neue"/>
-                <a:sym typeface="Helvetica Neue"/>
-              </a:rPr>
-              <a:t>Are weekdays more likely to have accidents?</a:t>
-            </a:r>
-            <a:endParaRPr i="1" sz="2400">
-              <a:solidFill>
-                <a:srgbClr val="434343"/>
-              </a:solidFill>
-              <a:latin typeface="Helvetica Neue"/>
-              <a:ea typeface="Helvetica Neue"/>
-              <a:cs typeface="Helvetica Neue"/>
-              <a:sym typeface="Helvetica Neue"/>
-            </a:endParaRPr>
-          </a:p>
-        </p:txBody>
-      </p:sp>
-      <p:sp>
-        <p:nvSpPr>
-          <p:cNvPr id="87" name="Google Shape;87;p17"/>
-          <p:cNvSpPr txBox="1"/>
-          <p:nvPr>
-            <p:ph idx="1" type="body"/>
-          </p:nvPr>
-        </p:nvSpPr>
-        <p:spPr>
-          <a:xfrm>
-            <a:off x="311700" y="1234075"/>
-            <a:ext cx="8520600" cy="3334800"/>
-          </a:xfrm>
-          <a:prstGeom prst="rect">
-            <a:avLst/>
-          </a:prstGeom>
-        </p:spPr>
-        <p:txBody>
-          <a:bodyPr anchorCtr="0" anchor="t" bIns="91425" lIns="91425" spcFirstLastPara="1" rIns="91425" wrap="square" tIns="91425">
-            <a:noAutofit/>
-          </a:bodyPr>
-          <a:lstStyle/>
-          <a:p>
-            <a:pPr indent="0" lvl="0" marL="0" rtl="0" algn="l">
-              <a:spcBef>
-                <a:spcPts val="0"/>
-              </a:spcBef>
-              <a:spcAft>
-                <a:spcPts val="1600"/>
-              </a:spcAft>
-              <a:buNone/>
-            </a:pPr>
-            <a:r>
-              <a:t/>
-            </a:r>
-            <a:endParaRPr/>
-          </a:p>
-        </p:txBody>
-      </p:sp>
+      </p:pic>
     </p:spTree>
   </p:cSld>
   <p:clrMapOvr>
@@ -11256,7 +11178,9 @@
             <a:avLst/>
           </a:prstGeom>
           <a:solidFill>
-            <a:srgbClr val="ADD8E6"/>
+            <a:srgbClr val="DFF816">
+              <a:alpha val="63830"/>
+            </a:srgbClr>
           </a:solidFill>
           <a:ln cap="flat" cmpd="sng" w="9525">
             <a:solidFill>
@@ -11293,19 +11217,7 @@
                 <a:cs typeface="Helvetica Neue"/>
                 <a:sym typeface="Helvetica Neue"/>
               </a:rPr>
-              <a:t>Is there a greater number of accidents in Summer</a:t>
-            </a:r>
-            <a:r>
-              <a:rPr i="1" lang="en" sz="2400">
-                <a:solidFill>
-                  <a:srgbClr val="434343"/>
-                </a:solidFill>
-                <a:latin typeface="Helvetica Neue"/>
-                <a:ea typeface="Helvetica Neue"/>
-                <a:cs typeface="Helvetica Neue"/>
-                <a:sym typeface="Helvetica Neue"/>
-              </a:rPr>
-              <a:t>?</a:t>
+              <a:t>Are accidents more likely on a weekday?</a:t>
             </a:r>
             <a:endParaRPr i="1" sz="2400">
               <a:solidFill>
@@ -11319,45 +11231,34 @@
           </a:p>
         </p:txBody>
       </p:sp>
-      <p:sp>
-        <p:nvSpPr>
+      <p:pic>
+        <p:nvPicPr>
           <p:cNvPr id="93" name="Google Shape;93;p18"/>
-          <p:cNvSpPr txBox="1"/>
-          <p:nvPr>
-            <p:ph idx="1" type="body"/>
-          </p:nvPr>
-        </p:nvSpPr>
+          <p:cNvPicPr preferRelativeResize="0"/>
+          <p:nvPr/>
+        </p:nvPicPr>
+        <p:blipFill>
+          <a:blip r:embed="rId3">
+            <a:alphaModFix/>
+          </a:blip>
+          <a:stretch>
+            <a:fillRect/>
+          </a:stretch>
+        </p:blipFill>
         <p:spPr>
           <a:xfrm>
-            <a:off x="311700" y="1234075"/>
-            <a:ext cx="8520600" cy="3334800"/>
+            <a:off x="765525" y="1163900"/>
+            <a:ext cx="7612926" cy="3701000"/>
           </a:xfrm>
           <a:prstGeom prst="rect">
             <a:avLst/>
           </a:prstGeom>
+          <a:noFill/>
+          <a:ln>
+            <a:noFill/>
+          </a:ln>
         </p:spPr>
-        <p:txBody>
-          <a:bodyPr anchorCtr="0" anchor="t" bIns="91425" lIns="91425" spcFirstLastPara="1" rIns="91425" wrap="square" tIns="91425">
-            <a:noAutofit/>
-          </a:bodyPr>
-          <a:lstStyle/>
-          <a:p>
-            <a:pPr indent="0" lvl="0" marL="0" rtl="0" algn="l">
-              <a:spcBef>
-                <a:spcPts val="0"/>
-              </a:spcBef>
-              <a:spcAft>
-                <a:spcPts val="1600"/>
-              </a:spcAft>
-              <a:buNone/>
-            </a:pPr>
-            <a:r>
-              <a:t/>
-            </a:r>
-            <a:endParaRPr/>
-          </a:p>
-        </p:txBody>
-      </p:sp>
+      </p:pic>
     </p:spTree>
   </p:cSld>
   <p:clrMapOvr>
@@ -11393,8 +11294,143 @@
         </p:nvSpPr>
         <p:spPr>
           <a:xfrm>
-            <a:off x="344250" y="1403850"/>
-            <a:ext cx="8455500" cy="2146800"/>
+            <a:off x="311700" y="445025"/>
+            <a:ext cx="8520600" cy="572700"/>
+          </a:xfrm>
+          <a:prstGeom prst="rect">
+            <a:avLst/>
+          </a:prstGeom>
+          <a:solidFill>
+            <a:srgbClr val="DFF816">
+              <a:alpha val="63830"/>
+            </a:srgbClr>
+          </a:solidFill>
+          <a:ln cap="flat" cmpd="sng" w="9525">
+            <a:solidFill>
+              <a:srgbClr val="666666"/>
+            </a:solidFill>
+            <a:prstDash val="solid"/>
+            <a:round/>
+            <a:headEnd len="sm" w="sm" type="none"/>
+            <a:tailEnd len="sm" w="sm" type="none"/>
+          </a:ln>
+        </p:spPr>
+        <p:txBody>
+          <a:bodyPr anchorCtr="0" anchor="t" bIns="91425" lIns="91425" spcFirstLastPara="1" rIns="91425" wrap="square" tIns="91425">
+            <a:noAutofit/>
+          </a:bodyPr>
+          <a:lstStyle/>
+          <a:p>
+            <a:pPr indent="0" lvl="0" marL="0" rtl="0" algn="ctr">
+              <a:spcBef>
+                <a:spcPts val="0"/>
+              </a:spcBef>
+              <a:spcAft>
+                <a:spcPts val="0"/>
+              </a:spcAft>
+              <a:buNone/>
+            </a:pPr>
+            <a:r>
+              <a:rPr i="1" lang="en" sz="2400">
+                <a:solidFill>
+                  <a:srgbClr val="434343"/>
+                </a:solidFill>
+                <a:latin typeface="Helvetica Neue"/>
+                <a:ea typeface="Helvetica Neue"/>
+                <a:cs typeface="Helvetica Neue"/>
+                <a:sym typeface="Helvetica Neue"/>
+              </a:rPr>
+              <a:t>Are there a greater number of accidents in specific seasons</a:t>
+            </a:r>
+            <a:r>
+              <a:rPr i="1" lang="en" sz="2400">
+                <a:solidFill>
+                  <a:srgbClr val="434343"/>
+                </a:solidFill>
+                <a:latin typeface="Helvetica Neue"/>
+                <a:ea typeface="Helvetica Neue"/>
+                <a:cs typeface="Helvetica Neue"/>
+                <a:sym typeface="Helvetica Neue"/>
+              </a:rPr>
+              <a:t>?</a:t>
+            </a:r>
+            <a:endParaRPr i="1" sz="2400">
+              <a:solidFill>
+                <a:srgbClr val="434343"/>
+              </a:solidFill>
+              <a:latin typeface="Helvetica Neue"/>
+              <a:ea typeface="Helvetica Neue"/>
+              <a:cs typeface="Helvetica Neue"/>
+              <a:sym typeface="Helvetica Neue"/>
+            </a:endParaRPr>
+          </a:p>
+        </p:txBody>
+      </p:sp>
+      <p:pic>
+        <p:nvPicPr>
+          <p:cNvPr id="99" name="Google Shape;99;p19"/>
+          <p:cNvPicPr preferRelativeResize="0"/>
+          <p:nvPr/>
+        </p:nvPicPr>
+        <p:blipFill>
+          <a:blip r:embed="rId3">
+            <a:alphaModFix/>
+          </a:blip>
+          <a:stretch>
+            <a:fillRect/>
+          </a:stretch>
+        </p:blipFill>
+        <p:spPr>
+          <a:xfrm>
+            <a:off x="311700" y="1221475"/>
+            <a:ext cx="8576900" cy="3680800"/>
+          </a:xfrm>
+          <a:prstGeom prst="rect">
+            <a:avLst/>
+          </a:prstGeom>
+          <a:noFill/>
+          <a:ln>
+            <a:noFill/>
+          </a:ln>
+        </p:spPr>
+      </p:pic>
+    </p:spTree>
+  </p:cSld>
+  <p:clrMapOvr>
+    <a:masterClrMapping/>
+  </p:clrMapOvr>
+</p:sld>
+</file>
+
+<file path=ppt/slides/slide8.xml><?xml version="1.0" encoding="utf-8"?>
+<p:sld xmlns:a="http://schemas.openxmlformats.org/drawingml/2006/main" xmlns:r="http://schemas.openxmlformats.org/officeDocument/2006/relationships" xmlns:mc="http://schemas.openxmlformats.org/markup-compatibility/2006" xmlns:mv="urn:schemas-microsoft-com:mac:vml" xmlns:p="http://schemas.openxmlformats.org/presentationml/2006/main" xmlns:c="http://schemas.openxmlformats.org/drawingml/2006/chart" xmlns:dgm="http://schemas.openxmlformats.org/drawingml/2006/diagram" xmlns:o="urn:schemas-microsoft-com:office:office" xmlns:v="urn:schemas-microsoft-com:vml" xmlns:pvml="urn:schemas-microsoft-com:office:powerpoint" xmlns:com="http://schemas.openxmlformats.org/drawingml/2006/compatibility" xmlns:p14="http://schemas.microsoft.com/office/powerpoint/2010/main" xmlns:p15="http://schemas.microsoft.com/office/powerpoint/2012/main">
+  <p:cSld>
+    <p:spTree>
+      <p:nvGrpSpPr>
+        <p:cNvPr id="103" name="Shape 103"/>
+        <p:cNvGrpSpPr/>
+        <p:nvPr/>
+      </p:nvGrpSpPr>
+      <p:grpSpPr>
+        <a:xfrm>
+          <a:off x="0" y="0"/>
+          <a:ext cx="0" cy="0"/>
+          <a:chOff x="0" y="0"/>
+          <a:chExt cx="0" cy="0"/>
+        </a:xfrm>
+      </p:grpSpPr>
+      <p:sp>
+        <p:nvSpPr>
+          <p:cNvPr id="104" name="Google Shape;104;p20"/>
+          <p:cNvSpPr txBox="1"/>
+          <p:nvPr>
+            <p:ph type="title"/>
+          </p:nvPr>
+        </p:nvSpPr>
+        <p:spPr>
+          <a:xfrm>
+            <a:off x="278600" y="567925"/>
+            <a:ext cx="8521200" cy="2982600"/>
           </a:xfrm>
           <a:prstGeom prst="rect">
             <a:avLst/>
@@ -11428,102 +11464,7 @@
               <a:buNone/>
             </a:pPr>
             <a:r>
-              <a:rPr b="0" lang="en" sz="3000">
-                <a:solidFill>
-                  <a:srgbClr val="434343"/>
-                </a:solidFill>
-                <a:latin typeface="Montserrat Medium"/>
-                <a:ea typeface="Montserrat Medium"/>
-                <a:cs typeface="Montserrat Medium"/>
-                <a:sym typeface="Montserrat Medium"/>
-              </a:rPr>
-              <a:t>In general, there are increases in the number of accidents in London between _______, on _______, and in ______</a:t>
-            </a:r>
-            <a:endParaRPr b="0" sz="3000">
-              <a:solidFill>
-                <a:srgbClr val="434343"/>
-              </a:solidFill>
-              <a:latin typeface="Montserrat Medium"/>
-              <a:ea typeface="Montserrat Medium"/>
-              <a:cs typeface="Montserrat Medium"/>
-              <a:sym typeface="Montserrat Medium"/>
-            </a:endParaRPr>
-          </a:p>
-        </p:txBody>
-      </p:sp>
-    </p:spTree>
-  </p:cSld>
-  <p:clrMapOvr>
-    <a:masterClrMapping/>
-  </p:clrMapOvr>
-</p:sld>
-</file>
-
-<file path=ppt/slides/slide8.xml><?xml version="1.0" encoding="utf-8"?>
-<p:sld xmlns:a="http://schemas.openxmlformats.org/drawingml/2006/main" xmlns:r="http://schemas.openxmlformats.org/officeDocument/2006/relationships" xmlns:mc="http://schemas.openxmlformats.org/markup-compatibility/2006" xmlns:mv="urn:schemas-microsoft-com:mac:vml" xmlns:p="http://schemas.openxmlformats.org/presentationml/2006/main" xmlns:c="http://schemas.openxmlformats.org/drawingml/2006/chart" xmlns:dgm="http://schemas.openxmlformats.org/drawingml/2006/diagram" xmlns:o="urn:schemas-microsoft-com:office:office" xmlns:v="urn:schemas-microsoft-com:vml" xmlns:pvml="urn:schemas-microsoft-com:office:powerpoint" xmlns:com="http://schemas.openxmlformats.org/drawingml/2006/compatibility" xmlns:p14="http://schemas.microsoft.com/office/powerpoint/2010/main" xmlns:p15="http://schemas.microsoft.com/office/powerpoint/2012/main">
-  <p:cSld>
-    <p:spTree>
-      <p:nvGrpSpPr>
-        <p:cNvPr id="102" name="Shape 102"/>
-        <p:cNvGrpSpPr/>
-        <p:nvPr/>
-      </p:nvGrpSpPr>
-      <p:grpSpPr>
-        <a:xfrm>
-          <a:off x="0" y="0"/>
-          <a:ext cx="0" cy="0"/>
-          <a:chOff x="0" y="0"/>
-          <a:chExt cx="0" cy="0"/>
-        </a:xfrm>
-      </p:grpSpPr>
-      <p:sp>
-        <p:nvSpPr>
-          <p:cNvPr id="103" name="Google Shape;103;p20"/>
-          <p:cNvSpPr txBox="1"/>
-          <p:nvPr>
-            <p:ph type="title"/>
-          </p:nvPr>
-        </p:nvSpPr>
-        <p:spPr>
-          <a:xfrm>
-            <a:off x="254175" y="1678650"/>
-            <a:ext cx="4045200" cy="1786200"/>
-          </a:xfrm>
-          <a:prstGeom prst="rect">
-            <a:avLst/>
-          </a:prstGeom>
-          <a:solidFill>
-            <a:srgbClr val="DFF816">
-              <a:alpha val="63830"/>
-            </a:srgbClr>
-          </a:solidFill>
-          <a:ln cap="flat" cmpd="sng" w="28575">
-            <a:solidFill>
-              <a:srgbClr val="434343"/>
-            </a:solidFill>
-            <a:prstDash val="lgDashDot"/>
-            <a:round/>
-            <a:headEnd len="sm" w="sm" type="none"/>
-            <a:tailEnd len="sm" w="sm" type="none"/>
-          </a:ln>
-        </p:spPr>
-        <p:txBody>
-          <a:bodyPr anchorCtr="0" anchor="ctr" bIns="91425" lIns="91425" spcFirstLastPara="1" rIns="91425" wrap="square" tIns="91425">
-            <a:noAutofit/>
-          </a:bodyPr>
-          <a:lstStyle/>
-          <a:p>
-            <a:pPr indent="0" lvl="0" marL="0" rtl="0" algn="ctr">
-              <a:spcBef>
-                <a:spcPts val="0"/>
-              </a:spcBef>
-              <a:spcAft>
-                <a:spcPts val="0"/>
-              </a:spcAft>
-              <a:buNone/>
-            </a:pPr>
-            <a:r>
-              <a:rPr b="1" lang="en" sz="3000">
+              <a:rPr b="0" lang="en" sz="2000">
                 <a:solidFill>
                   <a:srgbClr val="434343"/>
                 </a:solidFill>
@@ -11532,9 +11473,21 @@
                 <a:cs typeface="Lato"/>
                 <a:sym typeface="Lato"/>
               </a:rPr>
-              <a:t>Do weather conditions affect the number of accidents?</a:t>
+              <a:t>All accident types</a:t>
             </a:r>
-            <a:endParaRPr b="1" sz="3000">
+            <a:r>
+              <a:rPr b="0" lang="en" sz="2000">
+                <a:solidFill>
+                  <a:srgbClr val="434343"/>
+                </a:solidFill>
+                <a:latin typeface="Lato"/>
+                <a:ea typeface="Lato"/>
+                <a:cs typeface="Lato"/>
+                <a:sym typeface="Lato"/>
+              </a:rPr>
+              <a:t> increase in number between 4 and 8 pm.</a:t>
+            </a:r>
+            <a:endParaRPr b="0" sz="2000">
               <a:solidFill>
                 <a:srgbClr val="434343"/>
               </a:solidFill>
@@ -11544,32 +11497,8 @@
               <a:sym typeface="Lato"/>
             </a:endParaRPr>
           </a:p>
-        </p:txBody>
-      </p:sp>
-      <p:sp>
-        <p:nvSpPr>
-          <p:cNvPr id="104" name="Google Shape;104;p20"/>
-          <p:cNvSpPr txBox="1"/>
-          <p:nvPr>
-            <p:ph idx="1" type="body"/>
-          </p:nvPr>
-        </p:nvSpPr>
-        <p:spPr>
-          <a:xfrm>
-            <a:off x="4939500" y="724200"/>
-            <a:ext cx="3837000" cy="3695100"/>
-          </a:xfrm>
-          <a:prstGeom prst="rect">
-            <a:avLst/>
-          </a:prstGeom>
-        </p:spPr>
-        <p:txBody>
-          <a:bodyPr anchorCtr="0" anchor="ctr" bIns="91425" lIns="91425" spcFirstLastPara="1" rIns="91425" wrap="square" tIns="91425">
-            <a:noAutofit/>
-          </a:bodyPr>
-          <a:lstStyle/>
           <a:p>
-            <a:pPr indent="0" lvl="0" marL="0" rtl="0" algn="l">
+            <a:pPr indent="0" lvl="0" marL="0" rtl="0" algn="ctr">
               <a:spcBef>
                 <a:spcPts val="0"/>
               </a:spcBef>
@@ -11579,20 +11508,11 @@
               <a:buNone/>
             </a:pPr>
             <a:r>
-              <a:rPr lang="en">
-                <a:solidFill>
-                  <a:schemeClr val="lt1"/>
-                </a:solidFill>
-                <a:latin typeface="Lato"/>
-                <a:ea typeface="Lato"/>
-                <a:cs typeface="Lato"/>
-                <a:sym typeface="Lato"/>
-              </a:rPr>
-              <a:t>Is it really worse when raining?</a:t>
+              <a:t/>
             </a:r>
-            <a:endParaRPr>
+            <a:endParaRPr b="0" sz="2000">
               <a:solidFill>
-                <a:schemeClr val="lt1"/>
+                <a:srgbClr val="434343"/>
               </a:solidFill>
               <a:latin typeface="Lato"/>
               <a:ea typeface="Lato"/>
@@ -11601,9 +11521,9 @@
             </a:endParaRPr>
           </a:p>
           <a:p>
-            <a:pPr indent="0" lvl="0" marL="0" rtl="0" algn="l">
-              <a:spcBef>
-                <a:spcPts val="1600"/>
+            <a:pPr indent="0" lvl="0" marL="0" rtl="0" algn="ctr">
+              <a:spcBef>
+                <a:spcPts val="0"/>
               </a:spcBef>
               <a:spcAft>
                 <a:spcPts val="0"/>
@@ -11611,20 +11531,20 @@
               <a:buNone/>
             </a:pPr>
             <a:r>
-              <a:rPr lang="en">
+              <a:rPr b="0" lang="en" sz="2000">
                 <a:solidFill>
-                  <a:schemeClr val="lt1"/>
+                  <a:srgbClr val="434343"/>
                 </a:solidFill>
                 <a:latin typeface="Lato"/>
                 <a:ea typeface="Lato"/>
                 <a:cs typeface="Lato"/>
                 <a:sym typeface="Lato"/>
               </a:rPr>
-              <a:t>What day of the week?</a:t>
+              <a:t>There are are no significant differences among each day of the week but weekdays tend to be higher generally, peaking on Friday.</a:t>
             </a:r>
-            <a:endParaRPr>
+            <a:endParaRPr b="0" sz="2000">
               <a:solidFill>
-                <a:schemeClr val="lt1"/>
+                <a:srgbClr val="434343"/>
               </a:solidFill>
               <a:latin typeface="Lato"/>
               <a:ea typeface="Lato"/>
@@ -11633,30 +11553,53 @@
             </a:endParaRPr>
           </a:p>
           <a:p>
-            <a:pPr indent="0" lvl="0" marL="0" rtl="0" algn="l">
-              <a:spcBef>
-                <a:spcPts val="1600"/>
-              </a:spcBef>
-              <a:spcAft>
-                <a:spcPts val="1600"/>
+            <a:pPr indent="0" lvl="0" marL="0" rtl="0" algn="ctr">
+              <a:spcBef>
+                <a:spcPts val="0"/>
+              </a:spcBef>
+              <a:spcAft>
+                <a:spcPts val="0"/>
               </a:spcAft>
               <a:buNone/>
             </a:pPr>
             <a:r>
-              <a:rPr lang="en">
+              <a:t/>
+            </a:r>
+            <a:endParaRPr b="0" sz="2000">
+              <a:solidFill>
+                <a:srgbClr val="434343"/>
+              </a:solidFill>
+              <a:latin typeface="Lato"/>
+              <a:ea typeface="Lato"/>
+              <a:cs typeface="Lato"/>
+              <a:sym typeface="Lato"/>
+            </a:endParaRPr>
+          </a:p>
+          <a:p>
+            <a:pPr indent="0" lvl="0" marL="0" rtl="0" algn="ctr">
+              <a:spcBef>
+                <a:spcPts val="0"/>
+              </a:spcBef>
+              <a:spcAft>
+                <a:spcPts val="0"/>
+              </a:spcAft>
+              <a:buNone/>
+            </a:pPr>
+            <a:r>
+              <a:rPr b="0" lang="en" sz="2000">
                 <a:solidFill>
-                  <a:schemeClr val="lt1"/>
+                  <a:srgbClr val="434343"/>
                 </a:solidFill>
                 <a:latin typeface="Lato"/>
                 <a:ea typeface="Lato"/>
                 <a:cs typeface="Lato"/>
                 <a:sym typeface="Lato"/>
               </a:rPr>
-              <a:t>What month in the year?</a:t>
+              <a:t>As with day of the week, there aren’t any significant differences by month however, Autumn appears to have more overall with February having the lowest accident rate.</a:t>
             </a:r>
-            <a:endParaRPr>
+            <a:endParaRPr b="0" sz="2000">
               <a:solidFill>
-                <a:schemeClr val="lt1"/>
+                <a:srgbClr val="434343"/>
               </a:solidFill>
               <a:latin typeface="Lato"/>
               <a:ea typeface="Lato"/>
@@ -11701,24 +11644,29 @@
         </p:nvSpPr>
         <p:spPr>
           <a:xfrm>
-            <a:off x="311700" y="445025"/>
-            <a:ext cx="8520600" cy="572700"/>
+            <a:off x="254175" y="1678650"/>
+            <a:ext cx="4045200" cy="1786200"/>
           </a:xfrm>
           <a:prstGeom prst="rect">
             <a:avLst/>
           </a:prstGeom>
-          <a:ln cap="flat" cmpd="sng" w="9525">
+          <a:solidFill>
+            <a:srgbClr val="DFF816">
+              <a:alpha val="63830"/>
+            </a:srgbClr>
+          </a:solidFill>
+          <a:ln cap="flat" cmpd="sng" w="28575">
             <a:solidFill>
-              <a:srgbClr val="666666"/>
+              <a:srgbClr val="434343"/>
             </a:solidFill>
-            <a:prstDash val="solid"/>
+            <a:prstDash val="lgDashDot"/>
             <a:round/>
             <a:headEnd len="sm" w="sm" type="none"/>
             <a:tailEnd len="sm" w="sm" type="none"/>
           </a:ln>
         </p:spPr>
         <p:txBody>
-          <a:bodyPr anchorCtr="0" anchor="t" bIns="91425" lIns="91425" spcFirstLastPara="1" rIns="91425" wrap="square" tIns="91425">
+          <a:bodyPr anchorCtr="0" anchor="ctr" bIns="91425" lIns="91425" spcFirstLastPara="1" rIns="91425" wrap="square" tIns="91425">
             <a:noAutofit/>
           </a:bodyPr>
           <a:lstStyle/>
@@ -11733,25 +11681,37 @@
               <a:buNone/>
             </a:pPr>
             <a:r>
-              <a:rPr i="1" lang="en" sz="2400">
+              <a:rPr b="1" lang="en" sz="3000">
                 <a:solidFill>
                   <a:srgbClr val="434343"/>
                 </a:solidFill>
-                <a:latin typeface="Helvetica Neue"/>
-                <a:ea typeface="Helvetica Neue"/>
-                <a:cs typeface="Helvetica Neue"/>
-                <a:sym typeface="Helvetica Neue"/>
+                <a:latin typeface="Lato"/>
+                <a:ea typeface="Lato"/>
+                <a:cs typeface="Lato"/>
+                <a:sym typeface="Lato"/>
               </a:rPr>
-              <a:t>Are there more accidents during rush hour?</a:t>
+              <a:t>What about environmental </a:t>
             </a:r>
-            <a:endParaRPr i="1" sz="2400">
+            <a:r>
+              <a:rPr b="1" lang="en" sz="3000">
+                <a:solidFill>
+                  <a:srgbClr val="434343"/>
+                </a:solidFill>
+                <a:latin typeface="Lato"/>
+                <a:ea typeface="Lato"/>
+                <a:cs typeface="Lato"/>
+                <a:sym typeface="Lato"/>
+              </a:rPr>
+              <a:t>conditions </a:t>
+            </a:r>
+            <a:endParaRPr b="1" sz="3000">
               <a:solidFill>
                 <a:srgbClr val="434343"/>
               </a:solidFill>
-              <a:latin typeface="Helvetica Neue"/>
-              <a:ea typeface="Helvetica Neue"/>
-              <a:cs typeface="Helvetica Neue"/>
-              <a:sym typeface="Helvetica Neue"/>
+              <a:latin typeface="Lato"/>
+              <a:ea typeface="Lato"/>
+              <a:cs typeface="Lato"/>
+              <a:sym typeface="Lato"/>
             </a:endParaRPr>
           </a:p>
         </p:txBody>
@@ -11766,15 +11726,15 @@
         </p:nvSpPr>
         <p:spPr>
           <a:xfrm>
-            <a:off x="311700" y="1234075"/>
-            <a:ext cx="8520600" cy="3334800"/>
+            <a:off x="4939500" y="724200"/>
+            <a:ext cx="3837000" cy="3695100"/>
           </a:xfrm>
           <a:prstGeom prst="rect">
             <a:avLst/>
           </a:prstGeom>
         </p:spPr>
         <p:txBody>
-          <a:bodyPr anchorCtr="0" anchor="t" bIns="91425" lIns="91425" spcFirstLastPara="1" rIns="91425" wrap="square" tIns="91425">
+          <a:bodyPr anchorCtr="0" anchor="ctr" bIns="91425" lIns="91425" spcFirstLastPara="1" rIns="91425" wrap="square" tIns="91425">
             <a:noAutofit/>
           </a:bodyPr>
           <a:lstStyle/>
@@ -11784,14 +11744,233 @@
                 <a:spcPts val="0"/>
               </a:spcBef>
               <a:spcAft>
-                <a:spcPts val="1600"/>
+                <a:spcPts val="0"/>
               </a:spcAft>
               <a:buNone/>
             </a:pPr>
             <a:r>
               <a:t/>
             </a:r>
-            <a:endParaRPr/>
+            <a:endParaRPr>
+              <a:solidFill>
+                <a:schemeClr val="lt1"/>
+              </a:solidFill>
+              <a:latin typeface="Lato"/>
+              <a:ea typeface="Lato"/>
+              <a:cs typeface="Lato"/>
+              <a:sym typeface="Lato"/>
+            </a:endParaRPr>
+          </a:p>
+          <a:p>
+            <a:pPr indent="0" lvl="0" marL="0" rtl="0" algn="l">
+              <a:spcBef>
+                <a:spcPts val="1600"/>
+              </a:spcBef>
+              <a:spcAft>
+                <a:spcPts val="0"/>
+              </a:spcAft>
+              <a:buNone/>
+            </a:pPr>
+            <a:r>
+              <a:t/>
+            </a:r>
+            <a:endParaRPr>
+              <a:solidFill>
+                <a:schemeClr val="lt1"/>
+              </a:solidFill>
+              <a:latin typeface="Lato"/>
+              <a:ea typeface="Lato"/>
+              <a:cs typeface="Lato"/>
+              <a:sym typeface="Lato"/>
+            </a:endParaRPr>
+          </a:p>
+          <a:p>
+            <a:pPr indent="0" lvl="0" marL="0" rtl="0" algn="l">
+              <a:spcBef>
+                <a:spcPts val="1600"/>
+              </a:spcBef>
+              <a:spcAft>
+                <a:spcPts val="0"/>
+              </a:spcAft>
+              <a:buNone/>
+            </a:pPr>
+            <a:r>
+              <a:t/>
+            </a:r>
+            <a:endParaRPr>
+              <a:solidFill>
+                <a:schemeClr val="lt1"/>
+              </a:solidFill>
+              <a:latin typeface="Lato"/>
+              <a:ea typeface="Lato"/>
+              <a:cs typeface="Lato"/>
+              <a:sym typeface="Lato"/>
+            </a:endParaRPr>
+          </a:p>
+          <a:p>
+            <a:pPr indent="0" lvl="0" marL="0" rtl="0" algn="l">
+              <a:spcBef>
+                <a:spcPts val="1600"/>
+              </a:spcBef>
+              <a:spcAft>
+                <a:spcPts val="0"/>
+              </a:spcAft>
+              <a:buNone/>
+            </a:pPr>
+            <a:r>
+              <a:rPr lang="en">
+                <a:solidFill>
+                  <a:schemeClr val="lt1"/>
+                </a:solidFill>
+                <a:latin typeface="Lato"/>
+                <a:ea typeface="Lato"/>
+                <a:cs typeface="Lato"/>
+                <a:sym typeface="Lato"/>
+              </a:rPr>
+              <a:t>Does light play a role?</a:t>
+            </a:r>
+            <a:endParaRPr>
+              <a:solidFill>
+                <a:schemeClr val="lt1"/>
+              </a:solidFill>
+              <a:latin typeface="Lato"/>
+              <a:ea typeface="Lato"/>
+              <a:cs typeface="Lato"/>
+              <a:sym typeface="Lato"/>
+            </a:endParaRPr>
+          </a:p>
+          <a:p>
+            <a:pPr indent="0" lvl="0" marL="0" rtl="0" algn="l">
+              <a:spcBef>
+                <a:spcPts val="1600"/>
+              </a:spcBef>
+              <a:spcAft>
+                <a:spcPts val="0"/>
+              </a:spcAft>
+              <a:buNone/>
+            </a:pPr>
+            <a:r>
+              <a:rPr lang="en">
+                <a:solidFill>
+                  <a:schemeClr val="lt1"/>
+                </a:solidFill>
+                <a:latin typeface="Lato"/>
+                <a:ea typeface="Lato"/>
+                <a:cs typeface="Lato"/>
+                <a:sym typeface="Lato"/>
+              </a:rPr>
+              <a:t>Is it really worse when raining?</a:t>
+            </a:r>
+            <a:endParaRPr>
+              <a:solidFill>
+                <a:schemeClr val="lt1"/>
+              </a:solidFill>
+              <a:latin typeface="Lato"/>
+              <a:ea typeface="Lato"/>
+              <a:cs typeface="Lato"/>
+              <a:sym typeface="Lato"/>
+            </a:endParaRPr>
+          </a:p>
+          <a:p>
+            <a:pPr indent="0" lvl="0" marL="0" rtl="0" algn="l">
+              <a:spcBef>
+                <a:spcPts val="1600"/>
+              </a:spcBef>
+              <a:spcAft>
+                <a:spcPts val="0"/>
+              </a:spcAft>
+              <a:buNone/>
+            </a:pPr>
+            <a:r>
+              <a:rPr lang="en">
+                <a:solidFill>
+                  <a:schemeClr val="lt1"/>
+                </a:solidFill>
+                <a:latin typeface="Lato"/>
+                <a:ea typeface="Lato"/>
+                <a:cs typeface="Lato"/>
+                <a:sym typeface="Lato"/>
+              </a:rPr>
+              <a:t>What about what’s on the road?</a:t>
+            </a:r>
+            <a:endParaRPr>
+              <a:solidFill>
+                <a:schemeClr val="lt1"/>
+              </a:solidFill>
+              <a:latin typeface="Lato"/>
+              <a:ea typeface="Lato"/>
+              <a:cs typeface="Lato"/>
+              <a:sym typeface="Lato"/>
+            </a:endParaRPr>
+          </a:p>
+          <a:p>
+            <a:pPr indent="0" lvl="0" marL="0" rtl="0" algn="l">
+              <a:spcBef>
+                <a:spcPts val="1600"/>
+              </a:spcBef>
+              <a:spcAft>
+                <a:spcPts val="0"/>
+              </a:spcAft>
+              <a:buNone/>
+            </a:pPr>
+            <a:r>
+              <a:t/>
+            </a:r>
+            <a:endParaRPr>
+              <a:solidFill>
+                <a:schemeClr val="lt1"/>
+              </a:solidFill>
+              <a:latin typeface="Lato"/>
+              <a:ea typeface="Lato"/>
+              <a:cs typeface="Lato"/>
+              <a:sym typeface="Lato"/>
+            </a:endParaRPr>
+          </a:p>
+          <a:p>
+            <a:pPr indent="0" lvl="0" marL="0" rtl="0" algn="l">
+              <a:spcBef>
+                <a:spcPts val="1600"/>
+              </a:spcBef>
+              <a:spcAft>
+                <a:spcPts val="0"/>
+              </a:spcAft>
+              <a:buNone/>
+            </a:pPr>
+            <a:r>
+              <a:t/>
+            </a:r>
+            <a:endParaRPr>
+              <a:solidFill>
+                <a:schemeClr val="lt1"/>
+              </a:solidFill>
+              <a:latin typeface="Lato"/>
+              <a:ea typeface="Lato"/>
+              <a:cs typeface="Lato"/>
+              <a:sym typeface="Lato"/>
+            </a:endParaRPr>
+          </a:p>
+          <a:p>
+            <a:pPr indent="0" lvl="0" marL="0" rtl="0" algn="l">
+              <a:spcBef>
+                <a:spcPts val="1600"/>
+              </a:spcBef>
+              <a:spcAft>
+                <a:spcPts val="1600"/>
+              </a:spcAft>
+              <a:buNone/>
+            </a:pPr>
+            <a:r>
+              <a:t/>
+            </a:r>
+            <a:endParaRPr>
+              <a:solidFill>
+                <a:schemeClr val="lt1"/>
+              </a:solidFill>
+              <a:latin typeface="Lato"/>
+              <a:ea typeface="Lato"/>
+              <a:cs typeface="Lato"/>
+              <a:sym typeface="Lato"/>
+            </a:endParaRPr>
           </a:p>
         </p:txBody>
       </p:sp>
@@ -11804,6 +11983,285 @@
 </file>
 
 <file path=ppt/theme/theme1.xml><?xml version="1.0" encoding="utf-8"?>
+<a:theme xmlns:a="http://schemas.openxmlformats.org/drawingml/2006/main" xmlns:r="http://schemas.openxmlformats.org/officeDocument/2006/relationships" name="Pop">
+  <a:themeElements>
+    <a:clrScheme name="Pop">
+      <a:dk1>
+        <a:srgbClr val="F8E71C"/>
+      </a:dk1>
+      <a:lt1>
+        <a:srgbClr val="FFFFFF"/>
+      </a:lt1>
+      <a:dk2>
+        <a:srgbClr val="000000"/>
+      </a:dk2>
+      <a:lt2>
+        <a:srgbClr val="D9D9D9"/>
+      </a:lt2>
+      <a:accent1>
+        <a:srgbClr val="666666"/>
+      </a:accent1>
+      <a:accent2>
+        <a:srgbClr val="483165"/>
+      </a:accent2>
+      <a:accent3>
+        <a:srgbClr val="EB1E95"/>
+      </a:accent3>
+      <a:accent4>
+        <a:srgbClr val="0F9D58"/>
+      </a:accent4>
+      <a:accent5>
+        <a:srgbClr val="01AFD1"/>
+      </a:accent5>
+      <a:accent6>
+        <a:srgbClr val="9C27B0"/>
+      </a:accent6>
+      <a:hlink>
+        <a:srgbClr val="01AFD1"/>
+      </a:hlink>
+      <a:folHlink>
+        <a:srgbClr val="01AFD1"/>
+      </a:folHlink>
+    </a:clrScheme>
+    <a:fontScheme name="Office">
+      <a:majorFont>
+        <a:latin typeface="Arial"/>
+        <a:ea typeface=""/>
+        <a:cs typeface=""/>
+        <a:font script="Jpan" typeface="ＭＳ Ｐゴシック"/>
+        <a:font script="Hang" typeface="맑은 고딕"/>
+        <a:font script="Hans" typeface="宋体"/>
+        <a:font script="Hant" typeface="新細明體"/>
+        <a:font script="Arab" typeface="Times New Roman"/>
+        <a:font script="Hebr" typeface="Times New Roman"/>
+        <a:font script="Thai" typeface="Angsana New"/>
+        <a:font script="Ethi" typeface="Nyala"/>
+        <a:font script="Beng" typeface="Vrinda"/>
+        <a:font script="Gujr" typeface="Shruti"/>
+        <a:font script="Khmr" typeface="MoolBoran"/>
+        <a:font script="Knda" typeface="Tunga"/>
+        <a:font script="Guru" typeface="Raavi"/>
+        <a:font script="Cans" typeface="Euphemia"/>
+        <a:font script="Cher" typeface="Plantagenet Cherokee"/>
+        <a:font script="Yiii" typeface="Microsoft Yi Baiti"/>
+        <a:font script="Tibt" typeface="Microsoft Himalaya"/>
+        <a:font script="Thaa" typeface="MV Boli"/>
+        <a:font script="Deva" typeface="Mangal"/>
+        <a:font script="Telu" typeface="Gautami"/>
+        <a:font script="Taml" typeface="Latha"/>
+        <a:font script="Syrc" typeface="Estrangelo Edessa"/>
+        <a:font script="Orya" typeface="Kalinga"/>
+        <a:font script="Mlym" typeface="Kartika"/>
+        <a:font script="Laoo" typeface="DokChampa"/>
+        <a:font script="Sinh" typeface="Iskoola Pota"/>
+        <a:font script="Mong" typeface="Mongolian Baiti"/>
+        <a:font script="Viet" typeface="Times New Roman"/>
+        <a:font script="Uigh" typeface="Microsoft Uighur"/>
+        <a:font script="Geor" typeface="Sylfaen"/>
+      </a:majorFont>
+      <a:minorFont>
+        <a:latin typeface="Arial"/>
+        <a:ea typeface=""/>
+        <a:cs typeface=""/>
+        <a:font script="Jpan" typeface="ＭＳ Ｐゴシック"/>
+        <a:font script="Hang" typeface="맑은 고딕"/>
+        <a:font script="Hans" typeface="宋体"/>
+        <a:font script="Hant" typeface="新細明體"/>
+        <a:font script="Arab" typeface="Arial"/>
+        <a:font script="Hebr" typeface="Arial"/>
+        <a:font script="Thai" typeface="Cordia New"/>
+        <a:font script="Ethi" typeface="Nyala"/>
+        <a:font script="Beng" typeface="Vrinda"/>
+        <a:font script="Gujr" typeface="Shruti"/>
+        <a:font script="Khmr" typeface="DaunPenh"/>
+        <a:font script="Knda" typeface="Tunga"/>
+        <a:font script="Guru" typeface="Raavi"/>
+        <a:font script="Cans" typeface="Euphemia"/>
+        <a:font script="Cher" typeface="Plantagenet Cherokee"/>
+        <a:font script="Yiii" typeface="Microsoft Yi Baiti"/>
+        <a:font script="Tibt" typeface="Microsoft Himalaya"/>
+        <a:font script="Thaa" typeface="MV Boli"/>
+        <a:font script="Deva" typeface="Mangal"/>
+        <a:font script="Telu" typeface="Gautami"/>
+        <a:font script="Taml" typeface="Latha"/>
+        <a:font script="Syrc" typeface="Estrangelo Edessa"/>
+        <a:font script="Orya" typeface="Kalinga"/>
+        <a:font script="Mlym" typeface="Kartika"/>
+        <a:font script="Laoo" typeface="DokChampa"/>
+        <a:font script="Sinh" typeface="Iskoola Pota"/>
+        <a:font script="Mong" typeface="Mongolian Baiti"/>
+        <a:font script="Viet" typeface="Arial"/>
+        <a:font script="Uigh" typeface="Microsoft Uighur"/>
+        <a:font script="Geor" typeface="Sylfaen"/>
+      </a:minorFont>
+    </a:fontScheme>
+    <a:fmtScheme name="Office">
+      <a:fillStyleLst>
+        <a:solidFill>
+          <a:schemeClr val="phClr"/>
+        </a:solidFill>
+        <a:gradFill rotWithShape="1">
+          <a:gsLst>
+            <a:gs pos="0">
+              <a:schemeClr val="phClr">
+                <a:tint val="50000"/>
+                <a:satMod val="300000"/>
+              </a:schemeClr>
+            </a:gs>
+            <a:gs pos="35000">
+              <a:schemeClr val="phClr">
+                <a:tint val="37000"/>
+                <a:satMod val="300000"/>
+              </a:schemeClr>
+            </a:gs>
+            <a:gs pos="100000">
+              <a:schemeClr val="phClr">
+                <a:tint val="15000"/>
+                <a:satMod val="350000"/>
+              </a:schemeClr>
+            </a:gs>
+          </a:gsLst>
+          <a:lin ang="16200000" scaled="1"/>
+        </a:gradFill>
+        <a:gradFill rotWithShape="1">
+          <a:gsLst>
+            <a:gs pos="0">
+              <a:schemeClr val="phClr">
+                <a:tint val="100000"/>
+                <a:shade val="100000"/>
+                <a:satMod val="130000"/>
+              </a:schemeClr>
+            </a:gs>
+            <a:gs pos="100000">
+              <a:schemeClr val="phClr">
+                <a:tint val="50000"/>
+                <a:shade val="100000"/>
+                <a:satMod val="350000"/>
+              </a:schemeClr>
+            </a:gs>
+          </a:gsLst>
+          <a:lin ang="16200000" scaled="0"/>
+        </a:gradFill>
+      </a:fillStyleLst>
+      <a:lnStyleLst>
+        <a:ln w="9525" cap="flat" cmpd="sng" algn="ctr">
+          <a:solidFill>
+            <a:schemeClr val="phClr">
+              <a:shade val="95000"/>
+              <a:satMod val="105000"/>
+            </a:schemeClr>
+          </a:solidFill>
+          <a:prstDash val="solid"/>
+        </a:ln>
+        <a:ln w="25400" cap="flat" cmpd="sng" algn="ctr">
+          <a:solidFill>
+            <a:schemeClr val="phClr"/>
+          </a:solidFill>
+          <a:prstDash val="solid"/>
+        </a:ln>
+        <a:ln w="38100" cap="flat" cmpd="sng" algn="ctr">
+          <a:solidFill>
+            <a:schemeClr val="phClr"/>
+          </a:solidFill>
+          <a:prstDash val="solid"/>
+        </a:ln>
+      </a:lnStyleLst>
+      <a:effectStyleLst>
+        <a:effectStyle>
+          <a:effectLst>
+            <a:outerShdw blurRad="40000" dist="20000" dir="5400000" rotWithShape="0">
+              <a:srgbClr val="000000">
+                <a:alpha val="38000"/>
+              </a:srgbClr>
+            </a:outerShdw>
+          </a:effectLst>
+        </a:effectStyle>
+        <a:effectStyle>
+          <a:effectLst>
+            <a:outerShdw blurRad="40000" dist="23000" dir="5400000" rotWithShape="0">
+              <a:srgbClr val="000000">
+                <a:alpha val="35000"/>
+              </a:srgbClr>
+            </a:outerShdw>
+          </a:effectLst>
+        </a:effectStyle>
+        <a:effectStyle>
+          <a:effectLst>
+            <a:outerShdw blurRad="40000" dist="23000" dir="5400000" rotWithShape="0">
+              <a:srgbClr val="000000">
+                <a:alpha val="35000"/>
+              </a:srgbClr>
+            </a:outerShdw>
+          </a:effectLst>
+          <a:scene3d>
+            <a:camera prst="orthographicFront">
+              <a:rot lat="0" lon="0" rev="0"/>
+            </a:camera>
+            <a:lightRig rig="threePt" dir="t">
+              <a:rot lat="0" lon="0" rev="1200000"/>
+            </a:lightRig>
+          </a:scene3d>
+          <a:sp3d>
+            <a:bevelT w="63500" h="25400"/>
+          </a:sp3d>
+        </a:effectStyle>
+      </a:effectStyleLst>
+      <a:bgFillStyleLst>
+        <a:solidFill>
+          <a:schemeClr val="phClr"/>
+        </a:solidFill>
+        <a:gradFill rotWithShape="1">
+          <a:gsLst>
+            <a:gs pos="0">
+              <a:schemeClr val="phClr">
+                <a:tint val="40000"/>
+                <a:satMod val="350000"/>
+              </a:schemeClr>
+            </a:gs>
+            <a:gs pos="40000">
+              <a:schemeClr val="phClr">
+                <a:tint val="45000"/>
+                <a:shade val="99000"/>
+                <a:satMod val="350000"/>
+              </a:schemeClr>
+            </a:gs>
+            <a:gs pos="100000">
+              <a:schemeClr val="phClr">
+                <a:shade val="20000"/>
+                <a:satMod val="255000"/>
+              </a:schemeClr>
+            </a:gs>
+          </a:gsLst>
+          <a:path path="circle">
+            <a:fillToRect l="50000" t="-80000" r="50000" b="180000"/>
+          </a:path>
+        </a:gradFill>
+        <a:gradFill rotWithShape="1">
+          <a:gsLst>
+            <a:gs pos="0">
+              <a:schemeClr val="phClr">
+                <a:tint val="80000"/>
+                <a:satMod val="300000"/>
+              </a:schemeClr>
+            </a:gs>
+            <a:gs pos="100000">
+              <a:schemeClr val="phClr">
+                <a:shade val="30000"/>
+                <a:satMod val="200000"/>
+              </a:schemeClr>
+            </a:gs>
+          </a:gsLst>
+          <a:path path="circle">
+            <a:fillToRect l="50000" t="50000" r="50000" b="50000"/>
+          </a:path>
+        </a:gradFill>
+      </a:bgFillStyleLst>
+    </a:fmtScheme>
+  </a:themeElements>
+</a:theme>
+</file>
+
+<file path=ppt/theme/theme2.xml><?xml version="1.0" encoding="utf-8"?>
 <a:theme xmlns:a="http://schemas.openxmlformats.org/drawingml/2006/main" xmlns:r="http://schemas.openxmlformats.org/officeDocument/2006/relationships">
   <a:themeElements>
     <a:clrScheme name="Default">
@@ -12080,283 +12538,4 @@
     </a:fmtScheme>
   </a:themeElements>
 </a:theme>
-</file>
-
-<file path=ppt/theme/theme2.xml><?xml version="1.0" encoding="utf-8"?>
-<a:theme xmlns:a="http://schemas.openxmlformats.org/drawingml/2006/main" xmlns:r="http://schemas.openxmlformats.org/officeDocument/2006/relationships" name="Pop">
-  <a:themeElements>
-    <a:clrScheme name="Pop">
-      <a:dk1>
-        <a:srgbClr val="F8E71C"/>
-      </a:dk1>
-      <a:lt1>
-        <a:srgbClr val="FFFFFF"/>
-      </a:lt1>
-      <a:dk2>
-        <a:srgbClr val="000000"/>
-      </a:dk2>
-      <a:lt2>
-        <a:srgbClr val="D9D9D9"/>
-      </a:lt2>
-      <a:accent1>
-        <a:srgbClr val="666666"/>
-      </a:accent1>
-      <a:accent2>
-        <a:srgbClr val="483165"/>
-      </a:accent2>
-      <a:accent3>
-        <a:srgbClr val="EB1E95"/>
-      </a:accent3>
-      <a:accent4>
-        <a:srgbClr val="0F9D58"/>
-      </a:accent4>
-      <a:accent5>
-        <a:srgbClr val="01AFD1"/>
-      </a:accent5>
-      <a:accent6>
-        <a:srgbClr val="9C27B0"/>
-      </a:accent6>
-      <a:hlink>
-        <a:srgbClr val="01AFD1"/>
-      </a:hlink>
-      <a:folHlink>
-        <a:srgbClr val="01AFD1"/>
-      </a:folHlink>
-    </a:clrScheme>
-    <a:fontScheme name="Office">
-      <a:majorFont>
-        <a:latin typeface="Arial"/>
-        <a:ea typeface=""/>
-        <a:cs typeface=""/>
-        <a:font script="Jpan" typeface="ＭＳ Ｐゴシック"/>
-        <a:font script="Hang" typeface="맑은 고딕"/>
-        <a:font script="Hans" typeface="宋体"/>
-        <a:font script="Hant" typeface="新細明體"/>
-        <a:font script="Arab" typeface="Times New Roman"/>
-        <a:font script="Hebr" typeface="Times New Roman"/>
-        <a:font script="Thai" typeface="Angsana New"/>
-        <a:font script="Ethi" typeface="Nyala"/>
-        <a:font script="Beng" typeface="Vrinda"/>
-        <a:font script="Gujr" typeface="Shruti"/>
-        <a:font script="Khmr" typeface="MoolBoran"/>
-        <a:font script="Knda" typeface="Tunga"/>
-        <a:font script="Guru" typeface="Raavi"/>
-        <a:font script="Cans" typeface="Euphemia"/>
-        <a:font script="Cher" typeface="Plantagenet Cherokee"/>
-        <a:font script="Yiii" typeface="Microsoft Yi Baiti"/>
-        <a:font script="Tibt" typeface="Microsoft Himalaya"/>
-        <a:font script="Thaa" typeface="MV Boli"/>
-        <a:font script="Deva" typeface="Mangal"/>
-        <a:font script="Telu" typeface="Gautami"/>
-        <a:font script="Taml" typeface="Latha"/>
-        <a:font script="Syrc" typeface="Estrangelo Edessa"/>
-        <a:font script="Orya" typeface="Kalinga"/>
-        <a:font script="Mlym" typeface="Kartika"/>
-        <a:font script="Laoo" typeface="DokChampa"/>
-        <a:font script="Sinh" typeface="Iskoola Pota"/>
-        <a:font script="Mong" typeface="Mongolian Baiti"/>
-        <a:font script="Viet" typeface="Times New Roman"/>
-        <a:font script="Uigh" typeface="Microsoft Uighur"/>
-        <a:font script="Geor" typeface="Sylfaen"/>
-      </a:majorFont>
-      <a:minorFont>
-        <a:latin typeface="Arial"/>
-        <a:ea typeface=""/>
-        <a:cs typeface=""/>
-        <a:font script="Jpan" typeface="ＭＳ Ｐゴシック"/>
-        <a:font script="Hang" typeface="맑은 고딕"/>
-        <a:font script="Hans" typeface="宋体"/>
-        <a:font script="Hant" typeface="新細明體"/>
-        <a:font script="Arab" typeface="Arial"/>
-        <a:font script="Hebr" typeface="Arial"/>
-        <a:font script="Thai" typeface="Cordia New"/>
-        <a:font script="Ethi" typeface="Nyala"/>
-        <a:font script="Beng" typeface="Vrinda"/>
-        <a:font script="Gujr" typeface="Shruti"/>
-        <a:font script="Khmr" typeface="DaunPenh"/>
-        <a:font script="Knda" typeface="Tunga"/>
-        <a:font script="Guru" typeface="Raavi"/>
-        <a:font script="Cans" typeface="Euphemia"/>
-        <a:font script="Cher" typeface="Plantagenet Cherokee"/>
-        <a:font script="Yiii" typeface="Microsoft Yi Baiti"/>
-        <a:font script="Tibt" typeface="Microsoft Himalaya"/>
-        <a:font script="Thaa" typeface="MV Boli"/>
-        <a:font script="Deva" typeface="Mangal"/>
-        <a:font script="Telu" typeface="Gautami"/>
-        <a:font script="Taml" typeface="Latha"/>
-        <a:font script="Syrc" typeface="Estrangelo Edessa"/>
-        <a:font script="Orya" typeface="Kalinga"/>
-        <a:font script="Mlym" typeface="Kartika"/>
-        <a:font script="Laoo" typeface="DokChampa"/>
-        <a:font script="Sinh" typeface="Iskoola Pota"/>
-        <a:font script="Mong" typeface="Mongolian Baiti"/>
-        <a:font script="Viet" typeface="Arial"/>
-        <a:font script="Uigh" typeface="Microsoft Uighur"/>
-        <a:font script="Geor" typeface="Sylfaen"/>
-      </a:minorFont>
-    </a:fontScheme>
-    <a:fmtScheme name="Office">
-      <a:fillStyleLst>
-        <a:solidFill>
-          <a:schemeClr val="phClr"/>
-        </a:solidFill>
-        <a:gradFill rotWithShape="1">
-          <a:gsLst>
-            <a:gs pos="0">
-              <a:schemeClr val="phClr">
-                <a:tint val="50000"/>
-                <a:satMod val="300000"/>
-              </a:schemeClr>
-            </a:gs>
-            <a:gs pos="35000">
-              <a:schemeClr val="phClr">
-                <a:tint val="37000"/>
-                <a:satMod val="300000"/>
-              </a:schemeClr>
-            </a:gs>
-            <a:gs pos="100000">
-              <a:schemeClr val="phClr">
-                <a:tint val="15000"/>
-                <a:satMod val="350000"/>
-              </a:schemeClr>
-            </a:gs>
-          </a:gsLst>
-          <a:lin ang="16200000" scaled="1"/>
-        </a:gradFill>
-        <a:gradFill rotWithShape="1">
-          <a:gsLst>
-            <a:gs pos="0">
-              <a:schemeClr val="phClr">
-                <a:tint val="100000"/>
-                <a:shade val="100000"/>
-                <a:satMod val="130000"/>
-              </a:schemeClr>
-            </a:gs>
-            <a:gs pos="100000">
-              <a:schemeClr val="phClr">
-                <a:tint val="50000"/>
-                <a:shade val="100000"/>
-                <a:satMod val="350000"/>
-              </a:schemeClr>
-            </a:gs>
-          </a:gsLst>
-          <a:lin ang="16200000" scaled="0"/>
-        </a:gradFill>
-      </a:fillStyleLst>
-      <a:lnStyleLst>
-        <a:ln w="9525" cap="flat" cmpd="sng" algn="ctr">
-          <a:solidFill>
-            <a:schemeClr val="phClr">
-              <a:shade val="95000"/>
-              <a:satMod val="105000"/>
-            </a:schemeClr>
-          </a:solidFill>
-          <a:prstDash val="solid"/>
-        </a:ln>
-        <a:ln w="25400" cap="flat" cmpd="sng" algn="ctr">
-          <a:solidFill>
-            <a:schemeClr val="phClr"/>
-          </a:solidFill>
-          <a:prstDash val="solid"/>
-        </a:ln>
-        <a:ln w="38100" cap="flat" cmpd="sng" algn="ctr">
-          <a:solidFill>
-            <a:schemeClr val="phClr"/>
-          </a:solidFill>
-          <a:prstDash val="solid"/>
-        </a:ln>
-      </a:lnStyleLst>
-      <a:effectStyleLst>
-        <a:effectStyle>
-          <a:effectLst>
-            <a:outerShdw blurRad="40000" dist="20000" dir="5400000" rotWithShape="0">
-              <a:srgbClr val="000000">
-                <a:alpha val="38000"/>
-              </a:srgbClr>
-            </a:outerShdw>
-          </a:effectLst>
-        </a:effectStyle>
-        <a:effectStyle>
-          <a:effectLst>
-            <a:outerShdw blurRad="40000" dist="23000" dir="5400000" rotWithShape="0">
-              <a:srgbClr val="000000">
-                <a:alpha val="35000"/>
-              </a:srgbClr>
-            </a:outerShdw>
-          </a:effectLst>
-        </a:effectStyle>
-        <a:effectStyle>
-          <a:effectLst>
-            <a:outerShdw blurRad="40000" dist="23000" dir="5400000" rotWithShape="0">
-              <a:srgbClr val="000000">
-                <a:alpha val="35000"/>
-              </a:srgbClr>
-            </a:outerShdw>
-          </a:effectLst>
-          <a:scene3d>
-            <a:camera prst="orthographicFront">
-              <a:rot lat="0" lon="0" rev="0"/>
-            </a:camera>
-            <a:lightRig rig="threePt" dir="t">
-              <a:rot lat="0" lon="0" rev="1200000"/>
-            </a:lightRig>
-          </a:scene3d>
-          <a:sp3d>
-            <a:bevelT w="63500" h="25400"/>
-          </a:sp3d>
-        </a:effectStyle>
-      </a:effectStyleLst>
-      <a:bgFillStyleLst>
-        <a:solidFill>
-          <a:schemeClr val="phClr"/>
-        </a:solidFill>
-        <a:gradFill rotWithShape="1">
-          <a:gsLst>
-            <a:gs pos="0">
-              <a:schemeClr val="phClr">
-                <a:tint val="40000"/>
-                <a:satMod val="350000"/>
-              </a:schemeClr>
-            </a:gs>
-            <a:gs pos="40000">
-              <a:schemeClr val="phClr">
-                <a:tint val="45000"/>
-                <a:shade val="99000"/>
-                <a:satMod val="350000"/>
-              </a:schemeClr>
-            </a:gs>
-            <a:gs pos="100000">
-              <a:schemeClr val="phClr">
-                <a:shade val="20000"/>
-                <a:satMod val="255000"/>
-              </a:schemeClr>
-            </a:gs>
-          </a:gsLst>
-          <a:path path="circle">
-            <a:fillToRect l="50000" t="-80000" r="50000" b="180000"/>
-          </a:path>
-        </a:gradFill>
-        <a:gradFill rotWithShape="1">
-          <a:gsLst>
-            <a:gs pos="0">
-              <a:schemeClr val="phClr">
-                <a:tint val="80000"/>
-                <a:satMod val="300000"/>
-              </a:schemeClr>
-            </a:gs>
-            <a:gs pos="100000">
-              <a:schemeClr val="phClr">
-                <a:shade val="30000"/>
-                <a:satMod val="200000"/>
-              </a:schemeClr>
-            </a:gs>
-          </a:gsLst>
-          <a:path path="circle">
-            <a:fillToRect l="50000" t="50000" r="50000" b="50000"/>
-          </a:path>
-        </a:gradFill>
-      </a:bgFillStyleLst>
-    </a:fmtScheme>
-  </a:themeElements>
-</a:theme>
 </file>